--- a/Documentation/Capstone_Presentation.pptx
+++ b/Documentation/Capstone_Presentation.pptx
@@ -1,19 +1,20 @@
 
 <file path=ppt/presentation.xml><?xml version="1.0" encoding="utf-8"?>
-<p:presentation xmlns:a="http://schemas.openxmlformats.org/drawingml/2006/main" xmlns:r="http://schemas.openxmlformats.org/officeDocument/2006/relationships" xmlns:p="http://schemas.openxmlformats.org/presentationml/2006/main" saveSubsetFonts="1">
+<p:presentation xmlns:a="http://schemas.openxmlformats.org/drawingml/2006/main" xmlns:r="http://schemas.openxmlformats.org/officeDocument/2006/relationships" xmlns:p="http://schemas.openxmlformats.org/presentationml/2006/main">
   <p:sldMasterIdLst>
     <p:sldMasterId id="2147483648" r:id="rId1"/>
   </p:sldMasterIdLst>
   <p:sldIdLst>
-    <p:sldId id="256" r:id="rId2"/>
-    <p:sldId id="257" r:id="rId3"/>
-    <p:sldId id="259" r:id="rId4"/>
-    <p:sldId id="258" r:id="rId5"/>
-    <p:sldId id="260" r:id="rId6"/>
-    <p:sldId id="261" r:id="rId7"/>
-    <p:sldId id="262" r:id="rId8"/>
-    <p:sldId id="263" r:id="rId9"/>
-    <p:sldId id="264" r:id="rId10"/>
+    <p:sldId id="256" r:id="rId3"/>
+    <p:sldId id="257" r:id="rId4"/>
+    <p:sldId id="259" r:id="rId5"/>
+    <p:sldId id="258" r:id="rId6"/>
+    <p:sldId id="260" r:id="rId7"/>
+    <p:sldId id="261" r:id="rId8"/>
+    <p:sldId id="262" r:id="rId9"/>
+    <p:sldId id="263" r:id="rId10"/>
+    <p:sldId id="266" r:id="rId11"/>
+    <p:sldId id="264" r:id="rId12"/>
   </p:sldIdLst>
   <p:sldSz cx="12192000" cy="6858000"/>
   <p:notesSz cx="6858000" cy="9144000"/>
@@ -134,13 +135,7 @@
       </p:grpSpPr>
       <p:sp>
         <p:nvSpPr>
-          <p:cNvPr id="2" name="Title 1">
-            <a:extLst>
-              <a:ext uri="{FF2B5EF4-FFF2-40B4-BE49-F238E27FC236}">
-                <a16:creationId xmlns:a16="http://schemas.microsoft.com/office/drawing/2014/main" id="{F45C39F5-84B9-14AE-58D4-D5CA2EDEA9A1}"/>
-              </a:ext>
-            </a:extLst>
-          </p:cNvPr>
+          <p:cNvPr id="2" name="Title 1"/>
           <p:cNvSpPr>
             <a:spLocks noGrp="1"/>
           </p:cNvSpPr>
@@ -172,13 +167,7 @@
       </p:sp>
       <p:sp>
         <p:nvSpPr>
-          <p:cNvPr id="3" name="Subtitle 2">
-            <a:extLst>
-              <a:ext uri="{FF2B5EF4-FFF2-40B4-BE49-F238E27FC236}">
-                <a16:creationId xmlns:a16="http://schemas.microsoft.com/office/drawing/2014/main" id="{00BFBBA7-FF56-1D6E-619A-EA6FDF801FF5}"/>
-              </a:ext>
-            </a:extLst>
-          </p:cNvPr>
+          <p:cNvPr id="3" name="Subtitle 2"/>
           <p:cNvSpPr>
             <a:spLocks noGrp="1"/>
           </p:cNvSpPr>
@@ -243,13 +232,7 @@
       </p:sp>
       <p:sp>
         <p:nvSpPr>
-          <p:cNvPr id="4" name="Date Placeholder 3">
-            <a:extLst>
-              <a:ext uri="{FF2B5EF4-FFF2-40B4-BE49-F238E27FC236}">
-                <a16:creationId xmlns:a16="http://schemas.microsoft.com/office/drawing/2014/main" id="{C1DB0E63-0A6A-9B1B-7C99-B657108F5D43}"/>
-              </a:ext>
-            </a:extLst>
-          </p:cNvPr>
+          <p:cNvPr id="4" name="Date Placeholder 3"/>
           <p:cNvSpPr>
             <a:spLocks noGrp="1"/>
           </p:cNvSpPr>
@@ -264,7 +247,6 @@
           <a:p>
             <a:fld id="{2C3F2C5F-19A8-42E9-BEB4-40C713758ABF}" type="datetimeFigureOut">
               <a:rPr lang="en-IN" smtClean="0"/>
-              <a:t>07-11-2024</a:t>
             </a:fld>
             <a:endParaRPr lang="en-IN"/>
           </a:p>
@@ -272,13 +254,7 @@
       </p:sp>
       <p:sp>
         <p:nvSpPr>
-          <p:cNvPr id="5" name="Footer Placeholder 4">
-            <a:extLst>
-              <a:ext uri="{FF2B5EF4-FFF2-40B4-BE49-F238E27FC236}">
-                <a16:creationId xmlns:a16="http://schemas.microsoft.com/office/drawing/2014/main" id="{E751D05F-9D9B-618E-67F4-BC37993D180E}"/>
-              </a:ext>
-            </a:extLst>
-          </p:cNvPr>
+          <p:cNvPr id="5" name="Footer Placeholder 4"/>
           <p:cNvSpPr>
             <a:spLocks noGrp="1"/>
           </p:cNvSpPr>
@@ -297,13 +273,7 @@
       </p:sp>
       <p:sp>
         <p:nvSpPr>
-          <p:cNvPr id="6" name="Slide Number Placeholder 5">
-            <a:extLst>
-              <a:ext uri="{FF2B5EF4-FFF2-40B4-BE49-F238E27FC236}">
-                <a16:creationId xmlns:a16="http://schemas.microsoft.com/office/drawing/2014/main" id="{4F2A9A17-8E08-B33B-7C90-1B2C343CCA1E}"/>
-              </a:ext>
-            </a:extLst>
-          </p:cNvPr>
+          <p:cNvPr id="6" name="Slide Number Placeholder 5"/>
           <p:cNvSpPr>
             <a:spLocks noGrp="1"/>
           </p:cNvSpPr>
@@ -318,18 +288,12 @@
           <a:p>
             <a:fld id="{44786E3F-EB12-4322-8A2D-2D4E5B5EC43F}" type="slidenum">
               <a:rPr lang="en-IN" smtClean="0"/>
-              <a:t>‹#›</a:t>
             </a:fld>
             <a:endParaRPr lang="en-IN"/>
           </a:p>
         </p:txBody>
       </p:sp>
     </p:spTree>
-    <p:extLst>
-      <p:ext uri="{BB962C8B-B14F-4D97-AF65-F5344CB8AC3E}">
-        <p14:creationId xmlns:p14="http://schemas.microsoft.com/office/powerpoint/2010/main" val="1434240699"/>
-      </p:ext>
-    </p:extLst>
   </p:cSld>
   <p:clrMapOvr>
     <a:masterClrMapping/>
@@ -356,13 +320,7 @@
       </p:grpSpPr>
       <p:sp>
         <p:nvSpPr>
-          <p:cNvPr id="2" name="Title 1">
-            <a:extLst>
-              <a:ext uri="{FF2B5EF4-FFF2-40B4-BE49-F238E27FC236}">
-                <a16:creationId xmlns:a16="http://schemas.microsoft.com/office/drawing/2014/main" id="{E900DCB6-4388-BD66-0440-61B247E47EDD}"/>
-              </a:ext>
-            </a:extLst>
-          </p:cNvPr>
+          <p:cNvPr id="2" name="Title 1"/>
           <p:cNvSpPr>
             <a:spLocks noGrp="1"/>
           </p:cNvSpPr>
@@ -385,13 +343,7 @@
       </p:sp>
       <p:sp>
         <p:nvSpPr>
-          <p:cNvPr id="3" name="Vertical Text Placeholder 2">
-            <a:extLst>
-              <a:ext uri="{FF2B5EF4-FFF2-40B4-BE49-F238E27FC236}">
-                <a16:creationId xmlns:a16="http://schemas.microsoft.com/office/drawing/2014/main" id="{B212A38F-B033-9AF2-5801-E4E0EE3BE516}"/>
-              </a:ext>
-            </a:extLst>
-          </p:cNvPr>
+          <p:cNvPr id="3" name="Vertical Text Placeholder 2"/>
           <p:cNvSpPr>
             <a:spLocks noGrp="1"/>
           </p:cNvSpPr>
@@ -409,6 +361,7 @@
               <a:rPr lang="en-US"/>
               <a:t>Click to edit Master text styles</a:t>
             </a:r>
+            <a:endParaRPr lang="en-US"/>
           </a:p>
           <a:p>
             <a:pPr lvl="1"/>
@@ -416,6 +369,7 @@
               <a:rPr lang="en-US"/>
               <a:t>Second level</a:t>
             </a:r>
+            <a:endParaRPr lang="en-US"/>
           </a:p>
           <a:p>
             <a:pPr lvl="2"/>
@@ -423,6 +377,7 @@
               <a:rPr lang="en-US"/>
               <a:t>Third level</a:t>
             </a:r>
+            <a:endParaRPr lang="en-US"/>
           </a:p>
           <a:p>
             <a:pPr lvl="3"/>
@@ -430,6 +385,7 @@
               <a:rPr lang="en-US"/>
               <a:t>Fourth level</a:t>
             </a:r>
+            <a:endParaRPr lang="en-US"/>
           </a:p>
           <a:p>
             <a:pPr lvl="4"/>
@@ -443,13 +399,7 @@
       </p:sp>
       <p:sp>
         <p:nvSpPr>
-          <p:cNvPr id="4" name="Date Placeholder 3">
-            <a:extLst>
-              <a:ext uri="{FF2B5EF4-FFF2-40B4-BE49-F238E27FC236}">
-                <a16:creationId xmlns:a16="http://schemas.microsoft.com/office/drawing/2014/main" id="{D525AD62-2065-F5E2-2DC4-931E5B4D5B17}"/>
-              </a:ext>
-            </a:extLst>
-          </p:cNvPr>
+          <p:cNvPr id="4" name="Date Placeholder 3"/>
           <p:cNvSpPr>
             <a:spLocks noGrp="1"/>
           </p:cNvSpPr>
@@ -464,7 +414,6 @@
           <a:p>
             <a:fld id="{2C3F2C5F-19A8-42E9-BEB4-40C713758ABF}" type="datetimeFigureOut">
               <a:rPr lang="en-IN" smtClean="0"/>
-              <a:t>07-11-2024</a:t>
             </a:fld>
             <a:endParaRPr lang="en-IN"/>
           </a:p>
@@ -472,13 +421,7 @@
       </p:sp>
       <p:sp>
         <p:nvSpPr>
-          <p:cNvPr id="5" name="Footer Placeholder 4">
-            <a:extLst>
-              <a:ext uri="{FF2B5EF4-FFF2-40B4-BE49-F238E27FC236}">
-                <a16:creationId xmlns:a16="http://schemas.microsoft.com/office/drawing/2014/main" id="{FE37D85C-024C-A5A2-71FB-249359891617}"/>
-              </a:ext>
-            </a:extLst>
-          </p:cNvPr>
+          <p:cNvPr id="5" name="Footer Placeholder 4"/>
           <p:cNvSpPr>
             <a:spLocks noGrp="1"/>
           </p:cNvSpPr>
@@ -497,13 +440,7 @@
       </p:sp>
       <p:sp>
         <p:nvSpPr>
-          <p:cNvPr id="6" name="Slide Number Placeholder 5">
-            <a:extLst>
-              <a:ext uri="{FF2B5EF4-FFF2-40B4-BE49-F238E27FC236}">
-                <a16:creationId xmlns:a16="http://schemas.microsoft.com/office/drawing/2014/main" id="{2BDC3C62-85F6-D1C5-6C62-84AA22F90DCE}"/>
-              </a:ext>
-            </a:extLst>
-          </p:cNvPr>
+          <p:cNvPr id="6" name="Slide Number Placeholder 5"/>
           <p:cNvSpPr>
             <a:spLocks noGrp="1"/>
           </p:cNvSpPr>
@@ -518,18 +455,12 @@
           <a:p>
             <a:fld id="{44786E3F-EB12-4322-8A2D-2D4E5B5EC43F}" type="slidenum">
               <a:rPr lang="en-IN" smtClean="0"/>
-              <a:t>‹#›</a:t>
             </a:fld>
             <a:endParaRPr lang="en-IN"/>
           </a:p>
         </p:txBody>
       </p:sp>
     </p:spTree>
-    <p:extLst>
-      <p:ext uri="{BB962C8B-B14F-4D97-AF65-F5344CB8AC3E}">
-        <p14:creationId xmlns:p14="http://schemas.microsoft.com/office/powerpoint/2010/main" val="3868059735"/>
-      </p:ext>
-    </p:extLst>
   </p:cSld>
   <p:clrMapOvr>
     <a:masterClrMapping/>
@@ -556,13 +487,7 @@
       </p:grpSpPr>
       <p:sp>
         <p:nvSpPr>
-          <p:cNvPr id="2" name="Vertical Title 1">
-            <a:extLst>
-              <a:ext uri="{FF2B5EF4-FFF2-40B4-BE49-F238E27FC236}">
-                <a16:creationId xmlns:a16="http://schemas.microsoft.com/office/drawing/2014/main" id="{DA8C24F7-9422-EFB8-EF4E-54D0548B7287}"/>
-              </a:ext>
-            </a:extLst>
-          </p:cNvPr>
+          <p:cNvPr id="2" name="Vertical Title 1"/>
           <p:cNvSpPr>
             <a:spLocks noGrp="1"/>
           </p:cNvSpPr>
@@ -590,13 +515,7 @@
       </p:sp>
       <p:sp>
         <p:nvSpPr>
-          <p:cNvPr id="3" name="Vertical Text Placeholder 2">
-            <a:extLst>
-              <a:ext uri="{FF2B5EF4-FFF2-40B4-BE49-F238E27FC236}">
-                <a16:creationId xmlns:a16="http://schemas.microsoft.com/office/drawing/2014/main" id="{59693B9B-7AA6-0BC1-0932-34576F72D754}"/>
-              </a:ext>
-            </a:extLst>
-          </p:cNvPr>
+          <p:cNvPr id="3" name="Vertical Text Placeholder 2"/>
           <p:cNvSpPr>
             <a:spLocks noGrp="1"/>
           </p:cNvSpPr>
@@ -619,6 +538,7 @@
               <a:rPr lang="en-US"/>
               <a:t>Click to edit Master text styles</a:t>
             </a:r>
+            <a:endParaRPr lang="en-US"/>
           </a:p>
           <a:p>
             <a:pPr lvl="1"/>
@@ -626,6 +546,7 @@
               <a:rPr lang="en-US"/>
               <a:t>Second level</a:t>
             </a:r>
+            <a:endParaRPr lang="en-US"/>
           </a:p>
           <a:p>
             <a:pPr lvl="2"/>
@@ -633,6 +554,7 @@
               <a:rPr lang="en-US"/>
               <a:t>Third level</a:t>
             </a:r>
+            <a:endParaRPr lang="en-US"/>
           </a:p>
           <a:p>
             <a:pPr lvl="3"/>
@@ -640,6 +562,7 @@
               <a:rPr lang="en-US"/>
               <a:t>Fourth level</a:t>
             </a:r>
+            <a:endParaRPr lang="en-US"/>
           </a:p>
           <a:p>
             <a:pPr lvl="4"/>
@@ -653,13 +576,7 @@
       </p:sp>
       <p:sp>
         <p:nvSpPr>
-          <p:cNvPr id="4" name="Date Placeholder 3">
-            <a:extLst>
-              <a:ext uri="{FF2B5EF4-FFF2-40B4-BE49-F238E27FC236}">
-                <a16:creationId xmlns:a16="http://schemas.microsoft.com/office/drawing/2014/main" id="{E7D38E15-42D6-D3D4-6AE8-4DB4F62264C6}"/>
-              </a:ext>
-            </a:extLst>
-          </p:cNvPr>
+          <p:cNvPr id="4" name="Date Placeholder 3"/>
           <p:cNvSpPr>
             <a:spLocks noGrp="1"/>
           </p:cNvSpPr>
@@ -674,7 +591,6 @@
           <a:p>
             <a:fld id="{2C3F2C5F-19A8-42E9-BEB4-40C713758ABF}" type="datetimeFigureOut">
               <a:rPr lang="en-IN" smtClean="0"/>
-              <a:t>07-11-2024</a:t>
             </a:fld>
             <a:endParaRPr lang="en-IN"/>
           </a:p>
@@ -682,13 +598,7 @@
       </p:sp>
       <p:sp>
         <p:nvSpPr>
-          <p:cNvPr id="5" name="Footer Placeholder 4">
-            <a:extLst>
-              <a:ext uri="{FF2B5EF4-FFF2-40B4-BE49-F238E27FC236}">
-                <a16:creationId xmlns:a16="http://schemas.microsoft.com/office/drawing/2014/main" id="{6DB14FFA-927C-A364-67B2-B3332AEAA9CB}"/>
-              </a:ext>
-            </a:extLst>
-          </p:cNvPr>
+          <p:cNvPr id="5" name="Footer Placeholder 4"/>
           <p:cNvSpPr>
             <a:spLocks noGrp="1"/>
           </p:cNvSpPr>
@@ -707,13 +617,7 @@
       </p:sp>
       <p:sp>
         <p:nvSpPr>
-          <p:cNvPr id="6" name="Slide Number Placeholder 5">
-            <a:extLst>
-              <a:ext uri="{FF2B5EF4-FFF2-40B4-BE49-F238E27FC236}">
-                <a16:creationId xmlns:a16="http://schemas.microsoft.com/office/drawing/2014/main" id="{984A39EE-C13B-DFEE-070B-5B253ADF814E}"/>
-              </a:ext>
-            </a:extLst>
-          </p:cNvPr>
+          <p:cNvPr id="6" name="Slide Number Placeholder 5"/>
           <p:cNvSpPr>
             <a:spLocks noGrp="1"/>
           </p:cNvSpPr>
@@ -728,18 +632,179 @@
           <a:p>
             <a:fld id="{44786E3F-EB12-4322-8A2D-2D4E5B5EC43F}" type="slidenum">
               <a:rPr lang="en-IN" smtClean="0"/>
-              <a:t>‹#›</a:t>
             </a:fld>
             <a:endParaRPr lang="en-IN"/>
           </a:p>
         </p:txBody>
       </p:sp>
     </p:spTree>
-    <p:extLst>
-      <p:ext uri="{BB962C8B-B14F-4D97-AF65-F5344CB8AC3E}">
-        <p14:creationId xmlns:p14="http://schemas.microsoft.com/office/powerpoint/2010/main" val="3226172258"/>
-      </p:ext>
-    </p:extLst>
+  </p:cSld>
+  <p:clrMapOvr>
+    <a:masterClrMapping/>
+  </p:clrMapOvr>
+</p:sldLayout>
+</file>
+
+<file path=ppt/slideLayouts/slideLayout12.xml><?xml version="1.0" encoding="utf-8"?>
+<p:sldLayout xmlns:a="http://schemas.openxmlformats.org/drawingml/2006/main" xmlns:r="http://schemas.openxmlformats.org/officeDocument/2006/relationships" xmlns:p="http://schemas.openxmlformats.org/presentationml/2006/main" type="tx" preserve="1">
+  <p:cSld name="Title and Text">
+    <p:spTree>
+      <p:nvGrpSpPr>
+        <p:cNvPr id="1" name=""/>
+        <p:cNvGrpSpPr/>
+        <p:nvPr/>
+      </p:nvGrpSpPr>
+      <p:grpSpPr>
+        <a:xfrm>
+          <a:off x="0" y="0"/>
+          <a:ext cx="0" cy="0"/>
+          <a:chOff x="0" y="0"/>
+          <a:chExt cx="0" cy="0"/>
+        </a:xfrm>
+      </p:grpSpPr>
+      <p:sp>
+        <p:nvSpPr>
+          <p:cNvPr id="2" name="Title 1"/>
+          <p:cNvSpPr>
+            <a:spLocks noGrp="1"/>
+          </p:cNvSpPr>
+          <p:nvPr>
+            <p:ph type="title"/>
+          </p:nvPr>
+        </p:nvSpPr>
+        <p:spPr/>
+        <p:txBody>
+          <a:bodyPr/>
+          <a:lstStyle/>
+          <a:p>
+            <a:r>
+              <a:rPr lang="en-US" smtClean="0"/>
+              <a:t>Click to edit Master title style</a:t>
+            </a:r>
+            <a:endParaRPr lang="en-US"/>
+          </a:p>
+        </p:txBody>
+      </p:sp>
+      <p:sp>
+        <p:nvSpPr>
+          <p:cNvPr id="3" name="Text Placeholder 2"/>
+          <p:cNvSpPr>
+            <a:spLocks noGrp="1"/>
+          </p:cNvSpPr>
+          <p:nvPr>
+            <p:ph type="body" idx="1"/>
+          </p:nvPr>
+        </p:nvSpPr>
+        <p:spPr/>
+        <p:txBody>
+          <a:bodyPr/>
+          <a:lstStyle/>
+          <a:p>
+            <a:pPr lvl="0"/>
+            <a:r>
+              <a:rPr lang="en-US" smtClean="0"/>
+              <a:t>Click to edit Master text styles</a:t>
+            </a:r>
+            <a:endParaRPr lang="en-US" smtClean="0"/>
+          </a:p>
+          <a:p>
+            <a:pPr lvl="1"/>
+            <a:r>
+              <a:rPr lang="en-US" smtClean="0"/>
+              <a:t>Second level</a:t>
+            </a:r>
+            <a:endParaRPr lang="en-US" smtClean="0"/>
+          </a:p>
+          <a:p>
+            <a:pPr lvl="2"/>
+            <a:r>
+              <a:rPr lang="en-US" smtClean="0"/>
+              <a:t>Third level</a:t>
+            </a:r>
+            <a:endParaRPr lang="en-US" smtClean="0"/>
+          </a:p>
+          <a:p>
+            <a:pPr lvl="3"/>
+            <a:r>
+              <a:rPr lang="en-US" smtClean="0"/>
+              <a:t>Fourth level</a:t>
+            </a:r>
+            <a:endParaRPr lang="en-US" smtClean="0"/>
+          </a:p>
+          <a:p>
+            <a:pPr lvl="4"/>
+            <a:r>
+              <a:rPr lang="en-US" smtClean="0"/>
+              <a:t>Fifth level</a:t>
+            </a:r>
+            <a:endParaRPr lang="en-US"/>
+          </a:p>
+        </p:txBody>
+      </p:sp>
+      <p:sp>
+        <p:nvSpPr>
+          <p:cNvPr id="4" name="Date Placeholder 3"/>
+          <p:cNvSpPr>
+            <a:spLocks noGrp="1"/>
+          </p:cNvSpPr>
+          <p:nvPr>
+            <p:ph type="dt" sz="half" idx="10"/>
+          </p:nvPr>
+        </p:nvSpPr>
+        <p:spPr/>
+        <p:txBody>
+          <a:bodyPr/>
+          <a:lstStyle/>
+          <a:p>
+            <a:fld id="{2C3F2C5F-19A8-42E9-BEB4-40C713758ABF}" type="datetimeFigureOut">
+              <a:rPr lang="en-IN" smtClean="0"/>
+            </a:fld>
+            <a:endParaRPr lang="en-IN"/>
+          </a:p>
+        </p:txBody>
+      </p:sp>
+      <p:sp>
+        <p:nvSpPr>
+          <p:cNvPr id="5" name="Footer Placeholder 4"/>
+          <p:cNvSpPr>
+            <a:spLocks noGrp="1"/>
+          </p:cNvSpPr>
+          <p:nvPr>
+            <p:ph type="ftr" sz="quarter" idx="11"/>
+          </p:nvPr>
+        </p:nvSpPr>
+        <p:spPr/>
+        <p:txBody>
+          <a:bodyPr/>
+          <a:lstStyle/>
+          <a:p>
+            <a:endParaRPr lang="en-IN"/>
+          </a:p>
+        </p:txBody>
+      </p:sp>
+      <p:sp>
+        <p:nvSpPr>
+          <p:cNvPr id="6" name="Slide Number Placeholder 5"/>
+          <p:cNvSpPr>
+            <a:spLocks noGrp="1"/>
+          </p:cNvSpPr>
+          <p:nvPr>
+            <p:ph type="sldNum" sz="quarter" idx="12"/>
+          </p:nvPr>
+        </p:nvSpPr>
+        <p:spPr/>
+        <p:txBody>
+          <a:bodyPr/>
+          <a:lstStyle/>
+          <a:p>
+            <a:fld id="{44786E3F-EB12-4322-8A2D-2D4E5B5EC43F}" type="slidenum">
+              <a:rPr lang="en-IN" smtClean="0"/>
+            </a:fld>
+            <a:endParaRPr lang="en-IN"/>
+          </a:p>
+        </p:txBody>
+      </p:sp>
+    </p:spTree>
   </p:cSld>
   <p:clrMapOvr>
     <a:masterClrMapping/>
@@ -766,13 +831,7 @@
       </p:grpSpPr>
       <p:sp>
         <p:nvSpPr>
-          <p:cNvPr id="2" name="Title 1">
-            <a:extLst>
-              <a:ext uri="{FF2B5EF4-FFF2-40B4-BE49-F238E27FC236}">
-                <a16:creationId xmlns:a16="http://schemas.microsoft.com/office/drawing/2014/main" id="{0B13320F-5FAD-0563-5B27-46D902DAE150}"/>
-              </a:ext>
-            </a:extLst>
-          </p:cNvPr>
+          <p:cNvPr id="2" name="Title 1"/>
           <p:cNvSpPr>
             <a:spLocks noGrp="1"/>
           </p:cNvSpPr>
@@ -795,13 +854,7 @@
       </p:sp>
       <p:sp>
         <p:nvSpPr>
-          <p:cNvPr id="3" name="Content Placeholder 2">
-            <a:extLst>
-              <a:ext uri="{FF2B5EF4-FFF2-40B4-BE49-F238E27FC236}">
-                <a16:creationId xmlns:a16="http://schemas.microsoft.com/office/drawing/2014/main" id="{AE49DF97-59A0-942F-9832-49090A501A6B}"/>
-              </a:ext>
-            </a:extLst>
-          </p:cNvPr>
+          <p:cNvPr id="3" name="Content Placeholder 2"/>
           <p:cNvSpPr>
             <a:spLocks noGrp="1"/>
           </p:cNvSpPr>
@@ -819,6 +872,7 @@
               <a:rPr lang="en-US"/>
               <a:t>Click to edit Master text styles</a:t>
             </a:r>
+            <a:endParaRPr lang="en-US"/>
           </a:p>
           <a:p>
             <a:pPr lvl="1"/>
@@ -826,6 +880,7 @@
               <a:rPr lang="en-US"/>
               <a:t>Second level</a:t>
             </a:r>
+            <a:endParaRPr lang="en-US"/>
           </a:p>
           <a:p>
             <a:pPr lvl="2"/>
@@ -833,6 +888,7 @@
               <a:rPr lang="en-US"/>
               <a:t>Third level</a:t>
             </a:r>
+            <a:endParaRPr lang="en-US"/>
           </a:p>
           <a:p>
             <a:pPr lvl="3"/>
@@ -840,6 +896,7 @@
               <a:rPr lang="en-US"/>
               <a:t>Fourth level</a:t>
             </a:r>
+            <a:endParaRPr lang="en-US"/>
           </a:p>
           <a:p>
             <a:pPr lvl="4"/>
@@ -853,13 +910,7 @@
       </p:sp>
       <p:sp>
         <p:nvSpPr>
-          <p:cNvPr id="4" name="Date Placeholder 3">
-            <a:extLst>
-              <a:ext uri="{FF2B5EF4-FFF2-40B4-BE49-F238E27FC236}">
-                <a16:creationId xmlns:a16="http://schemas.microsoft.com/office/drawing/2014/main" id="{2D3391E5-BDC3-BB23-22B9-96A5B07E7897}"/>
-              </a:ext>
-            </a:extLst>
-          </p:cNvPr>
+          <p:cNvPr id="4" name="Date Placeholder 3"/>
           <p:cNvSpPr>
             <a:spLocks noGrp="1"/>
           </p:cNvSpPr>
@@ -874,7 +925,6 @@
           <a:p>
             <a:fld id="{2C3F2C5F-19A8-42E9-BEB4-40C713758ABF}" type="datetimeFigureOut">
               <a:rPr lang="en-IN" smtClean="0"/>
-              <a:t>07-11-2024</a:t>
             </a:fld>
             <a:endParaRPr lang="en-IN"/>
           </a:p>
@@ -882,13 +932,7 @@
       </p:sp>
       <p:sp>
         <p:nvSpPr>
-          <p:cNvPr id="5" name="Footer Placeholder 4">
-            <a:extLst>
-              <a:ext uri="{FF2B5EF4-FFF2-40B4-BE49-F238E27FC236}">
-                <a16:creationId xmlns:a16="http://schemas.microsoft.com/office/drawing/2014/main" id="{31DD8B8A-5014-F280-308F-EFFF02776D43}"/>
-              </a:ext>
-            </a:extLst>
-          </p:cNvPr>
+          <p:cNvPr id="5" name="Footer Placeholder 4"/>
           <p:cNvSpPr>
             <a:spLocks noGrp="1"/>
           </p:cNvSpPr>
@@ -907,13 +951,7 @@
       </p:sp>
       <p:sp>
         <p:nvSpPr>
-          <p:cNvPr id="6" name="Slide Number Placeholder 5">
-            <a:extLst>
-              <a:ext uri="{FF2B5EF4-FFF2-40B4-BE49-F238E27FC236}">
-                <a16:creationId xmlns:a16="http://schemas.microsoft.com/office/drawing/2014/main" id="{B5E954DE-F1D7-7F7D-79D6-40FD72167EA8}"/>
-              </a:ext>
-            </a:extLst>
-          </p:cNvPr>
+          <p:cNvPr id="6" name="Slide Number Placeholder 5"/>
           <p:cNvSpPr>
             <a:spLocks noGrp="1"/>
           </p:cNvSpPr>
@@ -928,18 +966,12 @@
           <a:p>
             <a:fld id="{44786E3F-EB12-4322-8A2D-2D4E5B5EC43F}" type="slidenum">
               <a:rPr lang="en-IN" smtClean="0"/>
-              <a:t>‹#›</a:t>
             </a:fld>
             <a:endParaRPr lang="en-IN"/>
           </a:p>
         </p:txBody>
       </p:sp>
     </p:spTree>
-    <p:extLst>
-      <p:ext uri="{BB962C8B-B14F-4D97-AF65-F5344CB8AC3E}">
-        <p14:creationId xmlns:p14="http://schemas.microsoft.com/office/powerpoint/2010/main" val="3853728861"/>
-      </p:ext>
-    </p:extLst>
   </p:cSld>
   <p:clrMapOvr>
     <a:masterClrMapping/>
@@ -966,13 +998,7 @@
       </p:grpSpPr>
       <p:sp>
         <p:nvSpPr>
-          <p:cNvPr id="2" name="Title 1">
-            <a:extLst>
-              <a:ext uri="{FF2B5EF4-FFF2-40B4-BE49-F238E27FC236}">
-                <a16:creationId xmlns:a16="http://schemas.microsoft.com/office/drawing/2014/main" id="{8B15D0BE-5201-4526-E8F3-D2291BB7EC77}"/>
-              </a:ext>
-            </a:extLst>
-          </p:cNvPr>
+          <p:cNvPr id="2" name="Title 1"/>
           <p:cNvSpPr>
             <a:spLocks noGrp="1"/>
           </p:cNvSpPr>
@@ -1004,13 +1030,7 @@
       </p:sp>
       <p:sp>
         <p:nvSpPr>
-          <p:cNvPr id="3" name="Text Placeholder 2">
-            <a:extLst>
-              <a:ext uri="{FF2B5EF4-FFF2-40B4-BE49-F238E27FC236}">
-                <a16:creationId xmlns:a16="http://schemas.microsoft.com/office/drawing/2014/main" id="{BDCFC7CC-CC91-2027-220D-FBBFA9E0A3B6}"/>
-              </a:ext>
-            </a:extLst>
-          </p:cNvPr>
+          <p:cNvPr id="3" name="Text Placeholder 2"/>
           <p:cNvSpPr>
             <a:spLocks noGrp="1"/>
           </p:cNvSpPr>
@@ -1124,18 +1144,13 @@
               <a:rPr lang="en-US"/>
               <a:t>Click to edit Master text styles</a:t>
             </a:r>
-          </a:p>
-        </p:txBody>
-      </p:sp>
-      <p:sp>
-        <p:nvSpPr>
-          <p:cNvPr id="4" name="Date Placeholder 3">
-            <a:extLst>
-              <a:ext uri="{FF2B5EF4-FFF2-40B4-BE49-F238E27FC236}">
-                <a16:creationId xmlns:a16="http://schemas.microsoft.com/office/drawing/2014/main" id="{D6267FDD-250B-9974-8CC3-5A604069B10C}"/>
-              </a:ext>
-            </a:extLst>
-          </p:cNvPr>
+            <a:endParaRPr lang="en-US"/>
+          </a:p>
+        </p:txBody>
+      </p:sp>
+      <p:sp>
+        <p:nvSpPr>
+          <p:cNvPr id="4" name="Date Placeholder 3"/>
           <p:cNvSpPr>
             <a:spLocks noGrp="1"/>
           </p:cNvSpPr>
@@ -1150,7 +1165,6 @@
           <a:p>
             <a:fld id="{2C3F2C5F-19A8-42E9-BEB4-40C713758ABF}" type="datetimeFigureOut">
               <a:rPr lang="en-IN" smtClean="0"/>
-              <a:t>07-11-2024</a:t>
             </a:fld>
             <a:endParaRPr lang="en-IN"/>
           </a:p>
@@ -1158,13 +1172,7 @@
       </p:sp>
       <p:sp>
         <p:nvSpPr>
-          <p:cNvPr id="5" name="Footer Placeholder 4">
-            <a:extLst>
-              <a:ext uri="{FF2B5EF4-FFF2-40B4-BE49-F238E27FC236}">
-                <a16:creationId xmlns:a16="http://schemas.microsoft.com/office/drawing/2014/main" id="{0F8C36A4-EC24-C835-2776-6D3F81583585}"/>
-              </a:ext>
-            </a:extLst>
-          </p:cNvPr>
+          <p:cNvPr id="5" name="Footer Placeholder 4"/>
           <p:cNvSpPr>
             <a:spLocks noGrp="1"/>
           </p:cNvSpPr>
@@ -1183,13 +1191,7 @@
       </p:sp>
       <p:sp>
         <p:nvSpPr>
-          <p:cNvPr id="6" name="Slide Number Placeholder 5">
-            <a:extLst>
-              <a:ext uri="{FF2B5EF4-FFF2-40B4-BE49-F238E27FC236}">
-                <a16:creationId xmlns:a16="http://schemas.microsoft.com/office/drawing/2014/main" id="{BFAE17DC-F87C-0E1B-F6C2-8E88A03922DE}"/>
-              </a:ext>
-            </a:extLst>
-          </p:cNvPr>
+          <p:cNvPr id="6" name="Slide Number Placeholder 5"/>
           <p:cNvSpPr>
             <a:spLocks noGrp="1"/>
           </p:cNvSpPr>
@@ -1204,18 +1206,12 @@
           <a:p>
             <a:fld id="{44786E3F-EB12-4322-8A2D-2D4E5B5EC43F}" type="slidenum">
               <a:rPr lang="en-IN" smtClean="0"/>
-              <a:t>‹#›</a:t>
             </a:fld>
             <a:endParaRPr lang="en-IN"/>
           </a:p>
         </p:txBody>
       </p:sp>
     </p:spTree>
-    <p:extLst>
-      <p:ext uri="{BB962C8B-B14F-4D97-AF65-F5344CB8AC3E}">
-        <p14:creationId xmlns:p14="http://schemas.microsoft.com/office/powerpoint/2010/main" val="1842300710"/>
-      </p:ext>
-    </p:extLst>
   </p:cSld>
   <p:clrMapOvr>
     <a:masterClrMapping/>
@@ -1242,13 +1238,7 @@
       </p:grpSpPr>
       <p:sp>
         <p:nvSpPr>
-          <p:cNvPr id="2" name="Title 1">
-            <a:extLst>
-              <a:ext uri="{FF2B5EF4-FFF2-40B4-BE49-F238E27FC236}">
-                <a16:creationId xmlns:a16="http://schemas.microsoft.com/office/drawing/2014/main" id="{6C3A6EE1-B040-5A4A-2378-C2AE192E6820}"/>
-              </a:ext>
-            </a:extLst>
-          </p:cNvPr>
+          <p:cNvPr id="2" name="Title 1"/>
           <p:cNvSpPr>
             <a:spLocks noGrp="1"/>
           </p:cNvSpPr>
@@ -1271,13 +1261,7 @@
       </p:sp>
       <p:sp>
         <p:nvSpPr>
-          <p:cNvPr id="3" name="Content Placeholder 2">
-            <a:extLst>
-              <a:ext uri="{FF2B5EF4-FFF2-40B4-BE49-F238E27FC236}">
-                <a16:creationId xmlns:a16="http://schemas.microsoft.com/office/drawing/2014/main" id="{C633C15E-1C7B-5966-346F-2ABE7DC2387B}"/>
-              </a:ext>
-            </a:extLst>
-          </p:cNvPr>
+          <p:cNvPr id="3" name="Content Placeholder 2"/>
           <p:cNvSpPr>
             <a:spLocks noGrp="1"/>
           </p:cNvSpPr>
@@ -1300,6 +1284,7 @@
               <a:rPr lang="en-US"/>
               <a:t>Click to edit Master text styles</a:t>
             </a:r>
+            <a:endParaRPr lang="en-US"/>
           </a:p>
           <a:p>
             <a:pPr lvl="1"/>
@@ -1307,6 +1292,7 @@
               <a:rPr lang="en-US"/>
               <a:t>Second level</a:t>
             </a:r>
+            <a:endParaRPr lang="en-US"/>
           </a:p>
           <a:p>
             <a:pPr lvl="2"/>
@@ -1314,6 +1300,7 @@
               <a:rPr lang="en-US"/>
               <a:t>Third level</a:t>
             </a:r>
+            <a:endParaRPr lang="en-US"/>
           </a:p>
           <a:p>
             <a:pPr lvl="3"/>
@@ -1321,6 +1308,7 @@
               <a:rPr lang="en-US"/>
               <a:t>Fourth level</a:t>
             </a:r>
+            <a:endParaRPr lang="en-US"/>
           </a:p>
           <a:p>
             <a:pPr lvl="4"/>
@@ -1334,13 +1322,7 @@
       </p:sp>
       <p:sp>
         <p:nvSpPr>
-          <p:cNvPr id="4" name="Content Placeholder 3">
-            <a:extLst>
-              <a:ext uri="{FF2B5EF4-FFF2-40B4-BE49-F238E27FC236}">
-                <a16:creationId xmlns:a16="http://schemas.microsoft.com/office/drawing/2014/main" id="{DA7F0CDD-D66A-5442-BAEB-622741332CC6}"/>
-              </a:ext>
-            </a:extLst>
-          </p:cNvPr>
+          <p:cNvPr id="4" name="Content Placeholder 3"/>
           <p:cNvSpPr>
             <a:spLocks noGrp="1"/>
           </p:cNvSpPr>
@@ -1363,6 +1345,7 @@
               <a:rPr lang="en-US"/>
               <a:t>Click to edit Master text styles</a:t>
             </a:r>
+            <a:endParaRPr lang="en-US"/>
           </a:p>
           <a:p>
             <a:pPr lvl="1"/>
@@ -1370,6 +1353,7 @@
               <a:rPr lang="en-US"/>
               <a:t>Second level</a:t>
             </a:r>
+            <a:endParaRPr lang="en-US"/>
           </a:p>
           <a:p>
             <a:pPr lvl="2"/>
@@ -1377,6 +1361,7 @@
               <a:rPr lang="en-US"/>
               <a:t>Third level</a:t>
             </a:r>
+            <a:endParaRPr lang="en-US"/>
           </a:p>
           <a:p>
             <a:pPr lvl="3"/>
@@ -1384,6 +1369,7 @@
               <a:rPr lang="en-US"/>
               <a:t>Fourth level</a:t>
             </a:r>
+            <a:endParaRPr lang="en-US"/>
           </a:p>
           <a:p>
             <a:pPr lvl="4"/>
@@ -1397,13 +1383,7 @@
       </p:sp>
       <p:sp>
         <p:nvSpPr>
-          <p:cNvPr id="5" name="Date Placeholder 4">
-            <a:extLst>
-              <a:ext uri="{FF2B5EF4-FFF2-40B4-BE49-F238E27FC236}">
-                <a16:creationId xmlns:a16="http://schemas.microsoft.com/office/drawing/2014/main" id="{34A18E9E-06B7-6859-2B4E-58F407518AC4}"/>
-              </a:ext>
-            </a:extLst>
-          </p:cNvPr>
+          <p:cNvPr id="5" name="Date Placeholder 4"/>
           <p:cNvSpPr>
             <a:spLocks noGrp="1"/>
           </p:cNvSpPr>
@@ -1418,7 +1398,6 @@
           <a:p>
             <a:fld id="{2C3F2C5F-19A8-42E9-BEB4-40C713758ABF}" type="datetimeFigureOut">
               <a:rPr lang="en-IN" smtClean="0"/>
-              <a:t>07-11-2024</a:t>
             </a:fld>
             <a:endParaRPr lang="en-IN"/>
           </a:p>
@@ -1426,13 +1405,7 @@
       </p:sp>
       <p:sp>
         <p:nvSpPr>
-          <p:cNvPr id="6" name="Footer Placeholder 5">
-            <a:extLst>
-              <a:ext uri="{FF2B5EF4-FFF2-40B4-BE49-F238E27FC236}">
-                <a16:creationId xmlns:a16="http://schemas.microsoft.com/office/drawing/2014/main" id="{79A95C08-F892-98F5-E0D7-ECEC06E5C044}"/>
-              </a:ext>
-            </a:extLst>
-          </p:cNvPr>
+          <p:cNvPr id="6" name="Footer Placeholder 5"/>
           <p:cNvSpPr>
             <a:spLocks noGrp="1"/>
           </p:cNvSpPr>
@@ -1451,13 +1424,7 @@
       </p:sp>
       <p:sp>
         <p:nvSpPr>
-          <p:cNvPr id="7" name="Slide Number Placeholder 6">
-            <a:extLst>
-              <a:ext uri="{FF2B5EF4-FFF2-40B4-BE49-F238E27FC236}">
-                <a16:creationId xmlns:a16="http://schemas.microsoft.com/office/drawing/2014/main" id="{CC1E391F-0544-AD69-F2BC-DC50088179F9}"/>
-              </a:ext>
-            </a:extLst>
-          </p:cNvPr>
+          <p:cNvPr id="7" name="Slide Number Placeholder 6"/>
           <p:cNvSpPr>
             <a:spLocks noGrp="1"/>
           </p:cNvSpPr>
@@ -1472,18 +1439,12 @@
           <a:p>
             <a:fld id="{44786E3F-EB12-4322-8A2D-2D4E5B5EC43F}" type="slidenum">
               <a:rPr lang="en-IN" smtClean="0"/>
-              <a:t>‹#›</a:t>
             </a:fld>
             <a:endParaRPr lang="en-IN"/>
           </a:p>
         </p:txBody>
       </p:sp>
     </p:spTree>
-    <p:extLst>
-      <p:ext uri="{BB962C8B-B14F-4D97-AF65-F5344CB8AC3E}">
-        <p14:creationId xmlns:p14="http://schemas.microsoft.com/office/powerpoint/2010/main" val="1131432245"/>
-      </p:ext>
-    </p:extLst>
   </p:cSld>
   <p:clrMapOvr>
     <a:masterClrMapping/>
@@ -1510,13 +1471,7 @@
       </p:grpSpPr>
       <p:sp>
         <p:nvSpPr>
-          <p:cNvPr id="2" name="Title 1">
-            <a:extLst>
-              <a:ext uri="{FF2B5EF4-FFF2-40B4-BE49-F238E27FC236}">
-                <a16:creationId xmlns:a16="http://schemas.microsoft.com/office/drawing/2014/main" id="{55DB30EB-634F-74FC-F891-725A9736B1DE}"/>
-              </a:ext>
-            </a:extLst>
-          </p:cNvPr>
+          <p:cNvPr id="2" name="Title 1"/>
           <p:cNvSpPr>
             <a:spLocks noGrp="1"/>
           </p:cNvSpPr>
@@ -1544,13 +1499,7 @@
       </p:sp>
       <p:sp>
         <p:nvSpPr>
-          <p:cNvPr id="3" name="Text Placeholder 2">
-            <a:extLst>
-              <a:ext uri="{FF2B5EF4-FFF2-40B4-BE49-F238E27FC236}">
-                <a16:creationId xmlns:a16="http://schemas.microsoft.com/office/drawing/2014/main" id="{A1F94F74-A116-DB43-0FF1-CC3003BD8518}"/>
-              </a:ext>
-            </a:extLst>
-          </p:cNvPr>
+          <p:cNvPr id="3" name="Text Placeholder 2"/>
           <p:cNvSpPr>
             <a:spLocks noGrp="1"/>
           </p:cNvSpPr>
@@ -1610,18 +1559,13 @@
               <a:rPr lang="en-US"/>
               <a:t>Click to edit Master text styles</a:t>
             </a:r>
-          </a:p>
-        </p:txBody>
-      </p:sp>
-      <p:sp>
-        <p:nvSpPr>
-          <p:cNvPr id="4" name="Content Placeholder 3">
-            <a:extLst>
-              <a:ext uri="{FF2B5EF4-FFF2-40B4-BE49-F238E27FC236}">
-                <a16:creationId xmlns:a16="http://schemas.microsoft.com/office/drawing/2014/main" id="{68F4AB8E-4ED7-5648-67B4-F4F3D932B29D}"/>
-              </a:ext>
-            </a:extLst>
-          </p:cNvPr>
+            <a:endParaRPr lang="en-US"/>
+          </a:p>
+        </p:txBody>
+      </p:sp>
+      <p:sp>
+        <p:nvSpPr>
+          <p:cNvPr id="4" name="Content Placeholder 3"/>
           <p:cNvSpPr>
             <a:spLocks noGrp="1"/>
           </p:cNvSpPr>
@@ -1644,6 +1588,7 @@
               <a:rPr lang="en-US"/>
               <a:t>Click to edit Master text styles</a:t>
             </a:r>
+            <a:endParaRPr lang="en-US"/>
           </a:p>
           <a:p>
             <a:pPr lvl="1"/>
@@ -1651,6 +1596,7 @@
               <a:rPr lang="en-US"/>
               <a:t>Second level</a:t>
             </a:r>
+            <a:endParaRPr lang="en-US"/>
           </a:p>
           <a:p>
             <a:pPr lvl="2"/>
@@ -1658,6 +1604,7 @@
               <a:rPr lang="en-US"/>
               <a:t>Third level</a:t>
             </a:r>
+            <a:endParaRPr lang="en-US"/>
           </a:p>
           <a:p>
             <a:pPr lvl="3"/>
@@ -1665,6 +1612,7 @@
               <a:rPr lang="en-US"/>
               <a:t>Fourth level</a:t>
             </a:r>
+            <a:endParaRPr lang="en-US"/>
           </a:p>
           <a:p>
             <a:pPr lvl="4"/>
@@ -1678,13 +1626,7 @@
       </p:sp>
       <p:sp>
         <p:nvSpPr>
-          <p:cNvPr id="5" name="Text Placeholder 4">
-            <a:extLst>
-              <a:ext uri="{FF2B5EF4-FFF2-40B4-BE49-F238E27FC236}">
-                <a16:creationId xmlns:a16="http://schemas.microsoft.com/office/drawing/2014/main" id="{64EAECF8-F1C9-DA2E-06D2-E8D0C2BD8DE0}"/>
-              </a:ext>
-            </a:extLst>
-          </p:cNvPr>
+          <p:cNvPr id="5" name="Text Placeholder 4"/>
           <p:cNvSpPr>
             <a:spLocks noGrp="1"/>
           </p:cNvSpPr>
@@ -1744,18 +1686,13 @@
               <a:rPr lang="en-US"/>
               <a:t>Click to edit Master text styles</a:t>
             </a:r>
-          </a:p>
-        </p:txBody>
-      </p:sp>
-      <p:sp>
-        <p:nvSpPr>
-          <p:cNvPr id="6" name="Content Placeholder 5">
-            <a:extLst>
-              <a:ext uri="{FF2B5EF4-FFF2-40B4-BE49-F238E27FC236}">
-                <a16:creationId xmlns:a16="http://schemas.microsoft.com/office/drawing/2014/main" id="{5FBEAE01-0BE2-ADD2-E32E-89FD375A3C7D}"/>
-              </a:ext>
-            </a:extLst>
-          </p:cNvPr>
+            <a:endParaRPr lang="en-US"/>
+          </a:p>
+        </p:txBody>
+      </p:sp>
+      <p:sp>
+        <p:nvSpPr>
+          <p:cNvPr id="6" name="Content Placeholder 5"/>
           <p:cNvSpPr>
             <a:spLocks noGrp="1"/>
           </p:cNvSpPr>
@@ -1778,6 +1715,7 @@
               <a:rPr lang="en-US"/>
               <a:t>Click to edit Master text styles</a:t>
             </a:r>
+            <a:endParaRPr lang="en-US"/>
           </a:p>
           <a:p>
             <a:pPr lvl="1"/>
@@ -1785,6 +1723,7 @@
               <a:rPr lang="en-US"/>
               <a:t>Second level</a:t>
             </a:r>
+            <a:endParaRPr lang="en-US"/>
           </a:p>
           <a:p>
             <a:pPr lvl="2"/>
@@ -1792,6 +1731,7 @@
               <a:rPr lang="en-US"/>
               <a:t>Third level</a:t>
             </a:r>
+            <a:endParaRPr lang="en-US"/>
           </a:p>
           <a:p>
             <a:pPr lvl="3"/>
@@ -1799,6 +1739,7 @@
               <a:rPr lang="en-US"/>
               <a:t>Fourth level</a:t>
             </a:r>
+            <a:endParaRPr lang="en-US"/>
           </a:p>
           <a:p>
             <a:pPr lvl="4"/>
@@ -1812,13 +1753,7 @@
       </p:sp>
       <p:sp>
         <p:nvSpPr>
-          <p:cNvPr id="7" name="Date Placeholder 6">
-            <a:extLst>
-              <a:ext uri="{FF2B5EF4-FFF2-40B4-BE49-F238E27FC236}">
-                <a16:creationId xmlns:a16="http://schemas.microsoft.com/office/drawing/2014/main" id="{2E5C1797-D036-B9EE-72DF-CC86C41B8362}"/>
-              </a:ext>
-            </a:extLst>
-          </p:cNvPr>
+          <p:cNvPr id="7" name="Date Placeholder 6"/>
           <p:cNvSpPr>
             <a:spLocks noGrp="1"/>
           </p:cNvSpPr>
@@ -1833,7 +1768,6 @@
           <a:p>
             <a:fld id="{2C3F2C5F-19A8-42E9-BEB4-40C713758ABF}" type="datetimeFigureOut">
               <a:rPr lang="en-IN" smtClean="0"/>
-              <a:t>07-11-2024</a:t>
             </a:fld>
             <a:endParaRPr lang="en-IN"/>
           </a:p>
@@ -1841,13 +1775,7 @@
       </p:sp>
       <p:sp>
         <p:nvSpPr>
-          <p:cNvPr id="8" name="Footer Placeholder 7">
-            <a:extLst>
-              <a:ext uri="{FF2B5EF4-FFF2-40B4-BE49-F238E27FC236}">
-                <a16:creationId xmlns:a16="http://schemas.microsoft.com/office/drawing/2014/main" id="{BBF7B5A2-A340-E742-37E6-8A2E65E184E2}"/>
-              </a:ext>
-            </a:extLst>
-          </p:cNvPr>
+          <p:cNvPr id="8" name="Footer Placeholder 7"/>
           <p:cNvSpPr>
             <a:spLocks noGrp="1"/>
           </p:cNvSpPr>
@@ -1866,13 +1794,7 @@
       </p:sp>
       <p:sp>
         <p:nvSpPr>
-          <p:cNvPr id="9" name="Slide Number Placeholder 8">
-            <a:extLst>
-              <a:ext uri="{FF2B5EF4-FFF2-40B4-BE49-F238E27FC236}">
-                <a16:creationId xmlns:a16="http://schemas.microsoft.com/office/drawing/2014/main" id="{4B80A325-C059-DE02-9483-B725DA8DECC2}"/>
-              </a:ext>
-            </a:extLst>
-          </p:cNvPr>
+          <p:cNvPr id="9" name="Slide Number Placeholder 8"/>
           <p:cNvSpPr>
             <a:spLocks noGrp="1"/>
           </p:cNvSpPr>
@@ -1887,18 +1809,12 @@
           <a:p>
             <a:fld id="{44786E3F-EB12-4322-8A2D-2D4E5B5EC43F}" type="slidenum">
               <a:rPr lang="en-IN" smtClean="0"/>
-              <a:t>‹#›</a:t>
             </a:fld>
             <a:endParaRPr lang="en-IN"/>
           </a:p>
         </p:txBody>
       </p:sp>
     </p:spTree>
-    <p:extLst>
-      <p:ext uri="{BB962C8B-B14F-4D97-AF65-F5344CB8AC3E}">
-        <p14:creationId xmlns:p14="http://schemas.microsoft.com/office/powerpoint/2010/main" val="1147692102"/>
-      </p:ext>
-    </p:extLst>
   </p:cSld>
   <p:clrMapOvr>
     <a:masterClrMapping/>
@@ -1925,13 +1841,7 @@
       </p:grpSpPr>
       <p:sp>
         <p:nvSpPr>
-          <p:cNvPr id="2" name="Title 1">
-            <a:extLst>
-              <a:ext uri="{FF2B5EF4-FFF2-40B4-BE49-F238E27FC236}">
-                <a16:creationId xmlns:a16="http://schemas.microsoft.com/office/drawing/2014/main" id="{40DE76A9-051E-6ABF-84B8-D391F73B538D}"/>
-              </a:ext>
-            </a:extLst>
-          </p:cNvPr>
+          <p:cNvPr id="2" name="Title 1"/>
           <p:cNvSpPr>
             <a:spLocks noGrp="1"/>
           </p:cNvSpPr>
@@ -1954,13 +1864,7 @@
       </p:sp>
       <p:sp>
         <p:nvSpPr>
-          <p:cNvPr id="3" name="Date Placeholder 2">
-            <a:extLst>
-              <a:ext uri="{FF2B5EF4-FFF2-40B4-BE49-F238E27FC236}">
-                <a16:creationId xmlns:a16="http://schemas.microsoft.com/office/drawing/2014/main" id="{7FD8249E-A540-A409-9F6C-C0BE4A23C4F0}"/>
-              </a:ext>
-            </a:extLst>
-          </p:cNvPr>
+          <p:cNvPr id="3" name="Date Placeholder 2"/>
           <p:cNvSpPr>
             <a:spLocks noGrp="1"/>
           </p:cNvSpPr>
@@ -1975,7 +1879,6 @@
           <a:p>
             <a:fld id="{2C3F2C5F-19A8-42E9-BEB4-40C713758ABF}" type="datetimeFigureOut">
               <a:rPr lang="en-IN" smtClean="0"/>
-              <a:t>07-11-2024</a:t>
             </a:fld>
             <a:endParaRPr lang="en-IN"/>
           </a:p>
@@ -1983,13 +1886,7 @@
       </p:sp>
       <p:sp>
         <p:nvSpPr>
-          <p:cNvPr id="4" name="Footer Placeholder 3">
-            <a:extLst>
-              <a:ext uri="{FF2B5EF4-FFF2-40B4-BE49-F238E27FC236}">
-                <a16:creationId xmlns:a16="http://schemas.microsoft.com/office/drawing/2014/main" id="{420CA10A-D914-2164-117C-7D0D8761EBD0}"/>
-              </a:ext>
-            </a:extLst>
-          </p:cNvPr>
+          <p:cNvPr id="4" name="Footer Placeholder 3"/>
           <p:cNvSpPr>
             <a:spLocks noGrp="1"/>
           </p:cNvSpPr>
@@ -2008,13 +1905,7 @@
       </p:sp>
       <p:sp>
         <p:nvSpPr>
-          <p:cNvPr id="5" name="Slide Number Placeholder 4">
-            <a:extLst>
-              <a:ext uri="{FF2B5EF4-FFF2-40B4-BE49-F238E27FC236}">
-                <a16:creationId xmlns:a16="http://schemas.microsoft.com/office/drawing/2014/main" id="{0FE6ACB9-EDC2-A05C-033E-EA67E9958647}"/>
-              </a:ext>
-            </a:extLst>
-          </p:cNvPr>
+          <p:cNvPr id="5" name="Slide Number Placeholder 4"/>
           <p:cNvSpPr>
             <a:spLocks noGrp="1"/>
           </p:cNvSpPr>
@@ -2029,18 +1920,12 @@
           <a:p>
             <a:fld id="{44786E3F-EB12-4322-8A2D-2D4E5B5EC43F}" type="slidenum">
               <a:rPr lang="en-IN" smtClean="0"/>
-              <a:t>‹#›</a:t>
             </a:fld>
             <a:endParaRPr lang="en-IN"/>
           </a:p>
         </p:txBody>
       </p:sp>
     </p:spTree>
-    <p:extLst>
-      <p:ext uri="{BB962C8B-B14F-4D97-AF65-F5344CB8AC3E}">
-        <p14:creationId xmlns:p14="http://schemas.microsoft.com/office/powerpoint/2010/main" val="3274580937"/>
-      </p:ext>
-    </p:extLst>
   </p:cSld>
   <p:clrMapOvr>
     <a:masterClrMapping/>
@@ -2067,13 +1952,7 @@
       </p:grpSpPr>
       <p:sp>
         <p:nvSpPr>
-          <p:cNvPr id="2" name="Date Placeholder 1">
-            <a:extLst>
-              <a:ext uri="{FF2B5EF4-FFF2-40B4-BE49-F238E27FC236}">
-                <a16:creationId xmlns:a16="http://schemas.microsoft.com/office/drawing/2014/main" id="{A8F8F8CF-311E-F09D-F43B-CCAE6C7AD93F}"/>
-              </a:ext>
-            </a:extLst>
-          </p:cNvPr>
+          <p:cNvPr id="2" name="Date Placeholder 1"/>
           <p:cNvSpPr>
             <a:spLocks noGrp="1"/>
           </p:cNvSpPr>
@@ -2088,7 +1967,6 @@
           <a:p>
             <a:fld id="{2C3F2C5F-19A8-42E9-BEB4-40C713758ABF}" type="datetimeFigureOut">
               <a:rPr lang="en-IN" smtClean="0"/>
-              <a:t>07-11-2024</a:t>
             </a:fld>
             <a:endParaRPr lang="en-IN"/>
           </a:p>
@@ -2096,13 +1974,7 @@
       </p:sp>
       <p:sp>
         <p:nvSpPr>
-          <p:cNvPr id="3" name="Footer Placeholder 2">
-            <a:extLst>
-              <a:ext uri="{FF2B5EF4-FFF2-40B4-BE49-F238E27FC236}">
-                <a16:creationId xmlns:a16="http://schemas.microsoft.com/office/drawing/2014/main" id="{2C6356DF-F1DD-471A-7D07-C300E11F1EFE}"/>
-              </a:ext>
-            </a:extLst>
-          </p:cNvPr>
+          <p:cNvPr id="3" name="Footer Placeholder 2"/>
           <p:cNvSpPr>
             <a:spLocks noGrp="1"/>
           </p:cNvSpPr>
@@ -2121,13 +1993,7 @@
       </p:sp>
       <p:sp>
         <p:nvSpPr>
-          <p:cNvPr id="4" name="Slide Number Placeholder 3">
-            <a:extLst>
-              <a:ext uri="{FF2B5EF4-FFF2-40B4-BE49-F238E27FC236}">
-                <a16:creationId xmlns:a16="http://schemas.microsoft.com/office/drawing/2014/main" id="{EEA36B90-3B5A-95E6-9728-F0EF2B497E73}"/>
-              </a:ext>
-            </a:extLst>
-          </p:cNvPr>
+          <p:cNvPr id="4" name="Slide Number Placeholder 3"/>
           <p:cNvSpPr>
             <a:spLocks noGrp="1"/>
           </p:cNvSpPr>
@@ -2142,18 +2008,12 @@
           <a:p>
             <a:fld id="{44786E3F-EB12-4322-8A2D-2D4E5B5EC43F}" type="slidenum">
               <a:rPr lang="en-IN" smtClean="0"/>
-              <a:t>‹#›</a:t>
             </a:fld>
             <a:endParaRPr lang="en-IN"/>
           </a:p>
         </p:txBody>
       </p:sp>
     </p:spTree>
-    <p:extLst>
-      <p:ext uri="{BB962C8B-B14F-4D97-AF65-F5344CB8AC3E}">
-        <p14:creationId xmlns:p14="http://schemas.microsoft.com/office/powerpoint/2010/main" val="199099841"/>
-      </p:ext>
-    </p:extLst>
   </p:cSld>
   <p:clrMapOvr>
     <a:masterClrMapping/>
@@ -2180,13 +2040,7 @@
       </p:grpSpPr>
       <p:sp>
         <p:nvSpPr>
-          <p:cNvPr id="2" name="Title 1">
-            <a:extLst>
-              <a:ext uri="{FF2B5EF4-FFF2-40B4-BE49-F238E27FC236}">
-                <a16:creationId xmlns:a16="http://schemas.microsoft.com/office/drawing/2014/main" id="{9558D1C8-9D6D-2099-3D52-FC0ECC60E909}"/>
-              </a:ext>
-            </a:extLst>
-          </p:cNvPr>
+          <p:cNvPr id="2" name="Title 1"/>
           <p:cNvSpPr>
             <a:spLocks noGrp="1"/>
           </p:cNvSpPr>
@@ -2218,13 +2072,7 @@
       </p:sp>
       <p:sp>
         <p:nvSpPr>
-          <p:cNvPr id="3" name="Content Placeholder 2">
-            <a:extLst>
-              <a:ext uri="{FF2B5EF4-FFF2-40B4-BE49-F238E27FC236}">
-                <a16:creationId xmlns:a16="http://schemas.microsoft.com/office/drawing/2014/main" id="{59927803-60E0-8048-5CD3-9C0E42908976}"/>
-              </a:ext>
-            </a:extLst>
-          </p:cNvPr>
+          <p:cNvPr id="3" name="Content Placeholder 2"/>
           <p:cNvSpPr>
             <a:spLocks noGrp="1"/>
           </p:cNvSpPr>
@@ -2275,6 +2123,7 @@
               <a:rPr lang="en-US"/>
               <a:t>Click to edit Master text styles</a:t>
             </a:r>
+            <a:endParaRPr lang="en-US"/>
           </a:p>
           <a:p>
             <a:pPr lvl="1"/>
@@ -2282,6 +2131,7 @@
               <a:rPr lang="en-US"/>
               <a:t>Second level</a:t>
             </a:r>
+            <a:endParaRPr lang="en-US"/>
           </a:p>
           <a:p>
             <a:pPr lvl="2"/>
@@ -2289,6 +2139,7 @@
               <a:rPr lang="en-US"/>
               <a:t>Third level</a:t>
             </a:r>
+            <a:endParaRPr lang="en-US"/>
           </a:p>
           <a:p>
             <a:pPr lvl="3"/>
@@ -2296,6 +2147,7 @@
               <a:rPr lang="en-US"/>
               <a:t>Fourth level</a:t>
             </a:r>
+            <a:endParaRPr lang="en-US"/>
           </a:p>
           <a:p>
             <a:pPr lvl="4"/>
@@ -2309,13 +2161,7 @@
       </p:sp>
       <p:sp>
         <p:nvSpPr>
-          <p:cNvPr id="4" name="Text Placeholder 3">
-            <a:extLst>
-              <a:ext uri="{FF2B5EF4-FFF2-40B4-BE49-F238E27FC236}">
-                <a16:creationId xmlns:a16="http://schemas.microsoft.com/office/drawing/2014/main" id="{149113B1-E1DC-CAE5-BA24-2CFB8624C931}"/>
-              </a:ext>
-            </a:extLst>
-          </p:cNvPr>
+          <p:cNvPr id="4" name="Text Placeholder 3"/>
           <p:cNvSpPr>
             <a:spLocks noGrp="1"/>
           </p:cNvSpPr>
@@ -2375,18 +2221,13 @@
               <a:rPr lang="en-US"/>
               <a:t>Click to edit Master text styles</a:t>
             </a:r>
-          </a:p>
-        </p:txBody>
-      </p:sp>
-      <p:sp>
-        <p:nvSpPr>
-          <p:cNvPr id="5" name="Date Placeholder 4">
-            <a:extLst>
-              <a:ext uri="{FF2B5EF4-FFF2-40B4-BE49-F238E27FC236}">
-                <a16:creationId xmlns:a16="http://schemas.microsoft.com/office/drawing/2014/main" id="{66C6C808-E3A8-A7C5-7F62-04A7490CE424}"/>
-              </a:ext>
-            </a:extLst>
-          </p:cNvPr>
+            <a:endParaRPr lang="en-US"/>
+          </a:p>
+        </p:txBody>
+      </p:sp>
+      <p:sp>
+        <p:nvSpPr>
+          <p:cNvPr id="5" name="Date Placeholder 4"/>
           <p:cNvSpPr>
             <a:spLocks noGrp="1"/>
           </p:cNvSpPr>
@@ -2401,7 +2242,6 @@
           <a:p>
             <a:fld id="{2C3F2C5F-19A8-42E9-BEB4-40C713758ABF}" type="datetimeFigureOut">
               <a:rPr lang="en-IN" smtClean="0"/>
-              <a:t>07-11-2024</a:t>
             </a:fld>
             <a:endParaRPr lang="en-IN"/>
           </a:p>
@@ -2409,13 +2249,7 @@
       </p:sp>
       <p:sp>
         <p:nvSpPr>
-          <p:cNvPr id="6" name="Footer Placeholder 5">
-            <a:extLst>
-              <a:ext uri="{FF2B5EF4-FFF2-40B4-BE49-F238E27FC236}">
-                <a16:creationId xmlns:a16="http://schemas.microsoft.com/office/drawing/2014/main" id="{D24DBFB4-B542-8AC4-6317-56070E384435}"/>
-              </a:ext>
-            </a:extLst>
-          </p:cNvPr>
+          <p:cNvPr id="6" name="Footer Placeholder 5"/>
           <p:cNvSpPr>
             <a:spLocks noGrp="1"/>
           </p:cNvSpPr>
@@ -2434,13 +2268,7 @@
       </p:sp>
       <p:sp>
         <p:nvSpPr>
-          <p:cNvPr id="7" name="Slide Number Placeholder 6">
-            <a:extLst>
-              <a:ext uri="{FF2B5EF4-FFF2-40B4-BE49-F238E27FC236}">
-                <a16:creationId xmlns:a16="http://schemas.microsoft.com/office/drawing/2014/main" id="{C7E61728-D2D2-94AD-B12D-5135D7933173}"/>
-              </a:ext>
-            </a:extLst>
-          </p:cNvPr>
+          <p:cNvPr id="7" name="Slide Number Placeholder 6"/>
           <p:cNvSpPr>
             <a:spLocks noGrp="1"/>
           </p:cNvSpPr>
@@ -2455,18 +2283,12 @@
           <a:p>
             <a:fld id="{44786E3F-EB12-4322-8A2D-2D4E5B5EC43F}" type="slidenum">
               <a:rPr lang="en-IN" smtClean="0"/>
-              <a:t>‹#›</a:t>
             </a:fld>
             <a:endParaRPr lang="en-IN"/>
           </a:p>
         </p:txBody>
       </p:sp>
     </p:spTree>
-    <p:extLst>
-      <p:ext uri="{BB962C8B-B14F-4D97-AF65-F5344CB8AC3E}">
-        <p14:creationId xmlns:p14="http://schemas.microsoft.com/office/powerpoint/2010/main" val="17651343"/>
-      </p:ext>
-    </p:extLst>
   </p:cSld>
   <p:clrMapOvr>
     <a:masterClrMapping/>
@@ -2493,13 +2315,7 @@
       </p:grpSpPr>
       <p:sp>
         <p:nvSpPr>
-          <p:cNvPr id="2" name="Title 1">
-            <a:extLst>
-              <a:ext uri="{FF2B5EF4-FFF2-40B4-BE49-F238E27FC236}">
-                <a16:creationId xmlns:a16="http://schemas.microsoft.com/office/drawing/2014/main" id="{88D6DAC5-DE38-5819-09C2-225C47284047}"/>
-              </a:ext>
-            </a:extLst>
-          </p:cNvPr>
+          <p:cNvPr id="2" name="Title 1"/>
           <p:cNvSpPr>
             <a:spLocks noGrp="1"/>
           </p:cNvSpPr>
@@ -2531,13 +2347,7 @@
       </p:sp>
       <p:sp>
         <p:nvSpPr>
-          <p:cNvPr id="3" name="Picture Placeholder 2">
-            <a:extLst>
-              <a:ext uri="{FF2B5EF4-FFF2-40B4-BE49-F238E27FC236}">
-                <a16:creationId xmlns:a16="http://schemas.microsoft.com/office/drawing/2014/main" id="{C74300EA-A156-32B4-236C-C79C019354DF}"/>
-              </a:ext>
-            </a:extLst>
-          </p:cNvPr>
+          <p:cNvPr id="3" name="Picture Placeholder 2"/>
           <p:cNvSpPr>
             <a:spLocks noGrp="1"/>
           </p:cNvSpPr>
@@ -2598,13 +2408,7 @@
       </p:sp>
       <p:sp>
         <p:nvSpPr>
-          <p:cNvPr id="4" name="Text Placeholder 3">
-            <a:extLst>
-              <a:ext uri="{FF2B5EF4-FFF2-40B4-BE49-F238E27FC236}">
-                <a16:creationId xmlns:a16="http://schemas.microsoft.com/office/drawing/2014/main" id="{22D55233-F692-DA80-A2C3-F62F9B8DDE41}"/>
-              </a:ext>
-            </a:extLst>
-          </p:cNvPr>
+          <p:cNvPr id="4" name="Text Placeholder 3"/>
           <p:cNvSpPr>
             <a:spLocks noGrp="1"/>
           </p:cNvSpPr>
@@ -2664,18 +2468,13 @@
               <a:rPr lang="en-US"/>
               <a:t>Click to edit Master text styles</a:t>
             </a:r>
-          </a:p>
-        </p:txBody>
-      </p:sp>
-      <p:sp>
-        <p:nvSpPr>
-          <p:cNvPr id="5" name="Date Placeholder 4">
-            <a:extLst>
-              <a:ext uri="{FF2B5EF4-FFF2-40B4-BE49-F238E27FC236}">
-                <a16:creationId xmlns:a16="http://schemas.microsoft.com/office/drawing/2014/main" id="{0E881648-86F0-B7AC-91B2-09CBDEC59C8B}"/>
-              </a:ext>
-            </a:extLst>
-          </p:cNvPr>
+            <a:endParaRPr lang="en-US"/>
+          </a:p>
+        </p:txBody>
+      </p:sp>
+      <p:sp>
+        <p:nvSpPr>
+          <p:cNvPr id="5" name="Date Placeholder 4"/>
           <p:cNvSpPr>
             <a:spLocks noGrp="1"/>
           </p:cNvSpPr>
@@ -2690,7 +2489,6 @@
           <a:p>
             <a:fld id="{2C3F2C5F-19A8-42E9-BEB4-40C713758ABF}" type="datetimeFigureOut">
               <a:rPr lang="en-IN" smtClean="0"/>
-              <a:t>07-11-2024</a:t>
             </a:fld>
             <a:endParaRPr lang="en-IN"/>
           </a:p>
@@ -2698,13 +2496,7 @@
       </p:sp>
       <p:sp>
         <p:nvSpPr>
-          <p:cNvPr id="6" name="Footer Placeholder 5">
-            <a:extLst>
-              <a:ext uri="{FF2B5EF4-FFF2-40B4-BE49-F238E27FC236}">
-                <a16:creationId xmlns:a16="http://schemas.microsoft.com/office/drawing/2014/main" id="{B0AD304F-9C8D-4FD5-AED6-452BB0E935DD}"/>
-              </a:ext>
-            </a:extLst>
-          </p:cNvPr>
+          <p:cNvPr id="6" name="Footer Placeholder 5"/>
           <p:cNvSpPr>
             <a:spLocks noGrp="1"/>
           </p:cNvSpPr>
@@ -2723,13 +2515,7 @@
       </p:sp>
       <p:sp>
         <p:nvSpPr>
-          <p:cNvPr id="7" name="Slide Number Placeholder 6">
-            <a:extLst>
-              <a:ext uri="{FF2B5EF4-FFF2-40B4-BE49-F238E27FC236}">
-                <a16:creationId xmlns:a16="http://schemas.microsoft.com/office/drawing/2014/main" id="{482B9F0A-D4CB-EB2C-1BAB-5D254F16874E}"/>
-              </a:ext>
-            </a:extLst>
-          </p:cNvPr>
+          <p:cNvPr id="7" name="Slide Number Placeholder 6"/>
           <p:cNvSpPr>
             <a:spLocks noGrp="1"/>
           </p:cNvSpPr>
@@ -2744,18 +2530,12 @@
           <a:p>
             <a:fld id="{44786E3F-EB12-4322-8A2D-2D4E5B5EC43F}" type="slidenum">
               <a:rPr lang="en-IN" smtClean="0"/>
-              <a:t>‹#›</a:t>
             </a:fld>
             <a:endParaRPr lang="en-IN"/>
           </a:p>
         </p:txBody>
       </p:sp>
     </p:spTree>
-    <p:extLst>
-      <p:ext uri="{BB962C8B-B14F-4D97-AF65-F5344CB8AC3E}">
-        <p14:creationId xmlns:p14="http://schemas.microsoft.com/office/powerpoint/2010/main" val="1865351686"/>
-      </p:ext>
-    </p:extLst>
   </p:cSld>
   <p:clrMapOvr>
     <a:masterClrMapping/>
@@ -2787,13 +2567,7 @@
       </p:grpSpPr>
       <p:sp>
         <p:nvSpPr>
-          <p:cNvPr id="2" name="Title Placeholder 1">
-            <a:extLst>
-              <a:ext uri="{FF2B5EF4-FFF2-40B4-BE49-F238E27FC236}">
-                <a16:creationId xmlns:a16="http://schemas.microsoft.com/office/drawing/2014/main" id="{C84A2872-0E49-D61A-A3A8-27A8E17AD059}"/>
-              </a:ext>
-            </a:extLst>
-          </p:cNvPr>
+          <p:cNvPr id="2" name="Title Placeholder 1"/>
           <p:cNvSpPr>
             <a:spLocks noGrp="1"/>
           </p:cNvSpPr>
@@ -2826,13 +2600,7 @@
       </p:sp>
       <p:sp>
         <p:nvSpPr>
-          <p:cNvPr id="3" name="Text Placeholder 2">
-            <a:extLst>
-              <a:ext uri="{FF2B5EF4-FFF2-40B4-BE49-F238E27FC236}">
-                <a16:creationId xmlns:a16="http://schemas.microsoft.com/office/drawing/2014/main" id="{7AFF3DFE-C9C1-8D5D-26CC-B63F14090AA2}"/>
-              </a:ext>
-            </a:extLst>
-          </p:cNvPr>
+          <p:cNvPr id="3" name="Text Placeholder 2"/>
           <p:cNvSpPr>
             <a:spLocks noGrp="1"/>
           </p:cNvSpPr>
@@ -2860,6 +2628,7 @@
               <a:rPr lang="en-US"/>
               <a:t>Click to edit Master text styles</a:t>
             </a:r>
+            <a:endParaRPr lang="en-US"/>
           </a:p>
           <a:p>
             <a:pPr lvl="1"/>
@@ -2867,6 +2636,7 @@
               <a:rPr lang="en-US"/>
               <a:t>Second level</a:t>
             </a:r>
+            <a:endParaRPr lang="en-US"/>
           </a:p>
           <a:p>
             <a:pPr lvl="2"/>
@@ -2874,6 +2644,7 @@
               <a:rPr lang="en-US"/>
               <a:t>Third level</a:t>
             </a:r>
+            <a:endParaRPr lang="en-US"/>
           </a:p>
           <a:p>
             <a:pPr lvl="3"/>
@@ -2881,6 +2652,7 @@
               <a:rPr lang="en-US"/>
               <a:t>Fourth level</a:t>
             </a:r>
+            <a:endParaRPr lang="en-US"/>
           </a:p>
           <a:p>
             <a:pPr lvl="4"/>
@@ -2894,13 +2666,7 @@
       </p:sp>
       <p:sp>
         <p:nvSpPr>
-          <p:cNvPr id="4" name="Date Placeholder 3">
-            <a:extLst>
-              <a:ext uri="{FF2B5EF4-FFF2-40B4-BE49-F238E27FC236}">
-                <a16:creationId xmlns:a16="http://schemas.microsoft.com/office/drawing/2014/main" id="{A4C6657E-848D-89C8-0C28-69837107C7BC}"/>
-              </a:ext>
-            </a:extLst>
-          </p:cNvPr>
+          <p:cNvPr id="4" name="Date Placeholder 3"/>
           <p:cNvSpPr>
             <a:spLocks noGrp="1"/>
           </p:cNvSpPr>
@@ -2933,7 +2699,6 @@
           <a:p>
             <a:fld id="{2C3F2C5F-19A8-42E9-BEB4-40C713758ABF}" type="datetimeFigureOut">
               <a:rPr lang="en-IN" smtClean="0"/>
-              <a:t>07-11-2024</a:t>
             </a:fld>
             <a:endParaRPr lang="en-IN"/>
           </a:p>
@@ -2941,13 +2706,7 @@
       </p:sp>
       <p:sp>
         <p:nvSpPr>
-          <p:cNvPr id="5" name="Footer Placeholder 4">
-            <a:extLst>
-              <a:ext uri="{FF2B5EF4-FFF2-40B4-BE49-F238E27FC236}">
-                <a16:creationId xmlns:a16="http://schemas.microsoft.com/office/drawing/2014/main" id="{5A0E8FFF-21E8-BD1F-8DAC-6BA79555C201}"/>
-              </a:ext>
-            </a:extLst>
-          </p:cNvPr>
+          <p:cNvPr id="5" name="Footer Placeholder 4"/>
           <p:cNvSpPr>
             <a:spLocks noGrp="1"/>
           </p:cNvSpPr>
@@ -2984,13 +2743,7 @@
       </p:sp>
       <p:sp>
         <p:nvSpPr>
-          <p:cNvPr id="6" name="Slide Number Placeholder 5">
-            <a:extLst>
-              <a:ext uri="{FF2B5EF4-FFF2-40B4-BE49-F238E27FC236}">
-                <a16:creationId xmlns:a16="http://schemas.microsoft.com/office/drawing/2014/main" id="{FF7B7AC1-FCE0-0E90-0186-4EC5425E8D4B}"/>
-              </a:ext>
-            </a:extLst>
-          </p:cNvPr>
+          <p:cNvPr id="6" name="Slide Number Placeholder 5"/>
           <p:cNvSpPr>
             <a:spLocks noGrp="1"/>
           </p:cNvSpPr>
@@ -3023,18 +2776,12 @@
           <a:p>
             <a:fld id="{44786E3F-EB12-4322-8A2D-2D4E5B5EC43F}" type="slidenum">
               <a:rPr lang="en-IN" smtClean="0"/>
-              <a:t>‹#›</a:t>
             </a:fld>
             <a:endParaRPr lang="en-IN"/>
           </a:p>
         </p:txBody>
       </p:sp>
     </p:spTree>
-    <p:extLst>
-      <p:ext uri="{BB962C8B-B14F-4D97-AF65-F5344CB8AC3E}">
-        <p14:creationId xmlns:p14="http://schemas.microsoft.com/office/powerpoint/2010/main" val="1348873406"/>
-      </p:ext>
-    </p:extLst>
   </p:cSld>
   <p:clrMap bg1="lt1" tx1="dk1" bg2="lt2" tx2="dk2" accent1="accent1" accent2="accent2" accent3="accent3" accent4="accent4" accent5="accent5" accent6="accent6" hlink="hlink" folHlink="folHlink"/>
   <p:sldLayoutIdLst>
@@ -3049,6 +2796,7 @@
     <p:sldLayoutId id="2147483657" r:id="rId9"/>
     <p:sldLayoutId id="2147483658" r:id="rId10"/>
     <p:sldLayoutId id="2147483659" r:id="rId11"/>
+    <p:sldLayoutId id="2147483660" r:id="rId12"/>
   </p:sldLayoutIdLst>
   <p:txStyles>
     <p:titleStyle>
@@ -3360,26 +3108,11 @@
       </p:grpSpPr>
       <p:sp>
         <p:nvSpPr>
-          <p:cNvPr id="42" name="Rectangle 41">
-            <a:extLst>
-              <a:ext uri="{FF2B5EF4-FFF2-40B4-BE49-F238E27FC236}">
-                <a16:creationId xmlns:a16="http://schemas.microsoft.com/office/drawing/2014/main" id="{3A397E3E-B90C-4D82-BAAA-36F7AC6A4565}"/>
-              </a:ext>
-              <a:ext uri="{C183D7F6-B498-43B3-948B-1728B52AA6E4}">
-                <adec:decorative xmlns:adec="http://schemas.microsoft.com/office/drawing/2017/decorative" val="1"/>
-              </a:ext>
-            </a:extLst>
-          </p:cNvPr>
+          <p:cNvPr id="42" name="Rectangle 41"/>
           <p:cNvSpPr>
             <a:spLocks noGrp="1" noRot="1" noChangeAspect="1" noMove="1" noResize="1" noEditPoints="1" noAdjustHandles="1" noChangeArrowheads="1" noChangeShapeType="1" noTextEdit="1"/>
           </p:cNvSpPr>
-          <p:nvPr>
-            <p:extLst>
-              <p:ext uri="{386F3935-93C4-4BCD-93E2-E3B085C9AB24}">
-                <p16:designElem xmlns:p16="http://schemas.microsoft.com/office/powerpoint/2015/main" val="1"/>
-              </p:ext>
-            </p:extLst>
-          </p:nvPr>
+          <p:nvPr/>
         </p:nvSpPr>
         <p:spPr>
           <a:xfrm>
@@ -3423,26 +3156,11 @@
       </p:sp>
       <p:sp>
         <p:nvSpPr>
-          <p:cNvPr id="44" name="Freeform: Shape 43">
-            <a:extLst>
-              <a:ext uri="{FF2B5EF4-FFF2-40B4-BE49-F238E27FC236}">
-                <a16:creationId xmlns:a16="http://schemas.microsoft.com/office/drawing/2014/main" id="{8CF5E676-CA04-4CED-9F1E-5026ED66E66D}"/>
-              </a:ext>
-              <a:ext uri="{C183D7F6-B498-43B3-948B-1728B52AA6E4}">
-                <adec:decorative xmlns:adec="http://schemas.microsoft.com/office/drawing/2017/decorative" val="1"/>
-              </a:ext>
-            </a:extLst>
-          </p:cNvPr>
+          <p:cNvPr id="44" name="Freeform: Shape 43"/>
           <p:cNvSpPr>
             <a:spLocks noGrp="1" noRot="1" noChangeAspect="1" noMove="1" noResize="1" noEditPoints="1" noAdjustHandles="1" noChangeArrowheads="1" noChangeShapeType="1" noTextEdit="1"/>
           </p:cNvSpPr>
-          <p:nvPr>
-            <p:extLst>
-              <p:ext uri="{386F3935-93C4-4BCD-93E2-E3B085C9AB24}">
-                <p16:designElem xmlns:p16="http://schemas.microsoft.com/office/powerpoint/2015/main" val="1"/>
-              </p:ext>
-            </p:extLst>
-          </p:nvPr>
+          <p:nvPr/>
         </p:nvSpPr>
         <p:spPr>
           <a:xfrm>
@@ -3596,9 +3314,6 @@
         </p:style>
         <p:txBody>
           <a:bodyPr rot="0" spcFirstLastPara="0" vertOverflow="overflow" horzOverflow="overflow" vert="horz" wrap="square" lIns="91440" tIns="45720" rIns="91440" bIns="45720" numCol="1" spcCol="0" rtlCol="0" fromWordArt="0" anchor="ctr" anchorCtr="0" forceAA="0" compatLnSpc="1">
-            <a:prstTxWarp prst="textNoShape">
-              <a:avLst/>
-            </a:prstTxWarp>
             <a:noAutofit/>
           </a:bodyPr>
           <a:lstStyle/>
@@ -3614,26 +3329,11 @@
       </p:sp>
       <p:sp>
         <p:nvSpPr>
-          <p:cNvPr id="46" name="Freeform: Shape 45">
-            <a:extLst>
-              <a:ext uri="{FF2B5EF4-FFF2-40B4-BE49-F238E27FC236}">
-                <a16:creationId xmlns:a16="http://schemas.microsoft.com/office/drawing/2014/main" id="{AFD1189F-9598-4281-8056-2845388D4D05}"/>
-              </a:ext>
-              <a:ext uri="{C183D7F6-B498-43B3-948B-1728B52AA6E4}">
-                <adec:decorative xmlns:adec="http://schemas.microsoft.com/office/drawing/2017/decorative" val="1"/>
-              </a:ext>
-            </a:extLst>
-          </p:cNvPr>
+          <p:cNvPr id="46" name="Freeform: Shape 45"/>
           <p:cNvSpPr>
             <a:spLocks noGrp="1" noRot="1" noChangeAspect="1" noMove="1" noResize="1" noEditPoints="1" noAdjustHandles="1" noChangeArrowheads="1" noChangeShapeType="1" noTextEdit="1"/>
           </p:cNvSpPr>
-          <p:nvPr>
-            <p:extLst>
-              <p:ext uri="{386F3935-93C4-4BCD-93E2-E3B085C9AB24}">
-                <p16:designElem xmlns:p16="http://schemas.microsoft.com/office/powerpoint/2015/main" val="1"/>
-              </p:ext>
-            </p:extLst>
-          </p:nvPr>
+          <p:nvPr/>
         </p:nvSpPr>
         <p:spPr>
           <a:xfrm>
@@ -3789,9 +3489,6 @@
         </p:style>
         <p:txBody>
           <a:bodyPr rot="0" spcFirstLastPara="0" vertOverflow="overflow" horzOverflow="overflow" vert="horz" wrap="square" lIns="91440" tIns="45720" rIns="91440" bIns="45720" numCol="1" spcCol="0" rtlCol="0" fromWordArt="0" anchor="ctr" anchorCtr="0" forceAA="0" compatLnSpc="1">
-            <a:prstTxWarp prst="textNoShape">
-              <a:avLst/>
-            </a:prstTxWarp>
             <a:noAutofit/>
           </a:bodyPr>
           <a:lstStyle/>
@@ -3807,26 +3504,11 @@
       </p:sp>
       <p:sp>
         <p:nvSpPr>
-          <p:cNvPr id="48" name="Freeform: Shape 47">
-            <a:extLst>
-              <a:ext uri="{FF2B5EF4-FFF2-40B4-BE49-F238E27FC236}">
-                <a16:creationId xmlns:a16="http://schemas.microsoft.com/office/drawing/2014/main" id="{583E04E1-D74F-4ED6-972C-035F4FEC4B88}"/>
-              </a:ext>
-              <a:ext uri="{C183D7F6-B498-43B3-948B-1728B52AA6E4}">
-                <adec:decorative xmlns:adec="http://schemas.microsoft.com/office/drawing/2017/decorative" val="1"/>
-              </a:ext>
-            </a:extLst>
-          </p:cNvPr>
+          <p:cNvPr id="48" name="Freeform: Shape 47"/>
           <p:cNvSpPr>
             <a:spLocks noGrp="1" noRot="1" noChangeAspect="1" noMove="1" noResize="1" noEditPoints="1" noAdjustHandles="1" noChangeArrowheads="1" noChangeShapeType="1" noTextEdit="1"/>
           </p:cNvSpPr>
-          <p:nvPr>
-            <p:extLst>
-              <p:ext uri="{386F3935-93C4-4BCD-93E2-E3B085C9AB24}">
-                <p16:designElem xmlns:p16="http://schemas.microsoft.com/office/powerpoint/2015/main" val="1"/>
-              </p:ext>
-            </p:extLst>
-          </p:nvPr>
+          <p:nvPr/>
         </p:nvSpPr>
         <p:spPr>
           <a:xfrm>
@@ -3942,9 +3624,6 @@
         </p:style>
         <p:txBody>
           <a:bodyPr rot="0" spcFirstLastPara="0" vertOverflow="overflow" horzOverflow="overflow" vert="horz" wrap="square" lIns="91440" tIns="45720" rIns="91440" bIns="45720" numCol="1" spcCol="0" rtlCol="0" fromWordArt="0" anchor="ctr" anchorCtr="0" forceAA="0" compatLnSpc="1">
-            <a:prstTxWarp prst="textNoShape">
-              <a:avLst/>
-            </a:prstTxWarp>
             <a:noAutofit/>
           </a:bodyPr>
           <a:lstStyle/>
@@ -3956,26 +3635,11 @@
       </p:sp>
       <p:sp>
         <p:nvSpPr>
-          <p:cNvPr id="50" name="Freeform: Shape 49">
-            <a:extLst>
-              <a:ext uri="{FF2B5EF4-FFF2-40B4-BE49-F238E27FC236}">
-                <a16:creationId xmlns:a16="http://schemas.microsoft.com/office/drawing/2014/main" id="{A2B5CBEA-F125-49B6-8335-227C325B112B}"/>
-              </a:ext>
-              <a:ext uri="{C183D7F6-B498-43B3-948B-1728B52AA6E4}">
-                <adec:decorative xmlns:adec="http://schemas.microsoft.com/office/drawing/2017/decorative" val="1"/>
-              </a:ext>
-            </a:extLst>
-          </p:cNvPr>
+          <p:cNvPr id="50" name="Freeform: Shape 49"/>
           <p:cNvSpPr>
             <a:spLocks noGrp="1" noRot="1" noChangeAspect="1" noMove="1" noResize="1" noEditPoints="1" noAdjustHandles="1" noChangeArrowheads="1" noChangeShapeType="1" noTextEdit="1"/>
           </p:cNvSpPr>
-          <p:nvPr>
-            <p:extLst>
-              <p:ext uri="{386F3935-93C4-4BCD-93E2-E3B085C9AB24}">
-                <p16:designElem xmlns:p16="http://schemas.microsoft.com/office/powerpoint/2015/main" val="1"/>
-              </p:ext>
-            </p:extLst>
-          </p:nvPr>
+          <p:nvPr/>
         </p:nvSpPr>
         <p:spPr>
           <a:xfrm>
@@ -4093,9 +3757,6 @@
         </p:style>
         <p:txBody>
           <a:bodyPr rot="0" spcFirstLastPara="0" vertOverflow="overflow" horzOverflow="overflow" vert="horz" wrap="square" lIns="91440" tIns="45720" rIns="91440" bIns="45720" numCol="1" spcCol="0" rtlCol="0" fromWordArt="0" anchor="ctr" anchorCtr="0" forceAA="0" compatLnSpc="1">
-            <a:prstTxWarp prst="textNoShape">
-              <a:avLst/>
-            </a:prstTxWarp>
             <a:noAutofit/>
           </a:bodyPr>
           <a:lstStyle/>
@@ -4107,26 +3768,11 @@
       </p:sp>
       <p:sp>
         <p:nvSpPr>
-          <p:cNvPr id="52" name="Rectangle 51">
-            <a:extLst>
-              <a:ext uri="{FF2B5EF4-FFF2-40B4-BE49-F238E27FC236}">
-                <a16:creationId xmlns:a16="http://schemas.microsoft.com/office/drawing/2014/main" id="{E51A97D9-C694-4307-818B-0C5BBF413609}"/>
-              </a:ext>
-              <a:ext uri="{C183D7F6-B498-43B3-948B-1728B52AA6E4}">
-                <adec:decorative xmlns:adec="http://schemas.microsoft.com/office/drawing/2017/decorative" val="1"/>
-              </a:ext>
-            </a:extLst>
-          </p:cNvPr>
+          <p:cNvPr id="52" name="Rectangle 51"/>
           <p:cNvSpPr>
             <a:spLocks noGrp="1" noRot="1" noChangeAspect="1" noMove="1" noResize="1" noEditPoints="1" noAdjustHandles="1" noChangeArrowheads="1" noChangeShapeType="1" noTextEdit="1"/>
           </p:cNvSpPr>
-          <p:nvPr>
-            <p:extLst>
-              <p:ext uri="{386F3935-93C4-4BCD-93E2-E3B085C9AB24}">
-                <p16:designElem xmlns:p16="http://schemas.microsoft.com/office/powerpoint/2015/main" val="1"/>
-              </p:ext>
-            </p:extLst>
-          </p:nvPr>
+          <p:nvPr/>
         </p:nvSpPr>
         <p:spPr>
           <a:xfrm>
@@ -4172,26 +3818,11 @@
       </p:sp>
       <p:sp>
         <p:nvSpPr>
-          <p:cNvPr id="54" name="Rectangle 53">
-            <a:extLst>
-              <a:ext uri="{FF2B5EF4-FFF2-40B4-BE49-F238E27FC236}">
-                <a16:creationId xmlns:a16="http://schemas.microsoft.com/office/drawing/2014/main" id="{2C1D3151-5F97-4860-B56C-C98BD62CC255}"/>
-              </a:ext>
-              <a:ext uri="{C183D7F6-B498-43B3-948B-1728B52AA6E4}">
-                <adec:decorative xmlns:adec="http://schemas.microsoft.com/office/drawing/2017/decorative" val="1"/>
-              </a:ext>
-            </a:extLst>
-          </p:cNvPr>
+          <p:cNvPr id="54" name="Rectangle 53"/>
           <p:cNvSpPr>
             <a:spLocks noGrp="1" noRot="1" noChangeAspect="1" noMove="1" noResize="1" noEditPoints="1" noAdjustHandles="1" noChangeArrowheads="1" noChangeShapeType="1" noTextEdit="1"/>
           </p:cNvSpPr>
-          <p:nvPr>
-            <p:extLst>
-              <p:ext uri="{386F3935-93C4-4BCD-93E2-E3B085C9AB24}">
-                <p16:designElem xmlns:p16="http://schemas.microsoft.com/office/powerpoint/2015/main" val="1"/>
-              </p:ext>
-            </p:extLst>
-          </p:nvPr>
+          <p:nvPr/>
         </p:nvSpPr>
         <p:spPr>
           <a:xfrm>
@@ -4239,26 +3870,11 @@
       </p:sp>
       <p:sp>
         <p:nvSpPr>
-          <p:cNvPr id="56" name="Rectangle 55">
-            <a:extLst>
-              <a:ext uri="{FF2B5EF4-FFF2-40B4-BE49-F238E27FC236}">
-                <a16:creationId xmlns:a16="http://schemas.microsoft.com/office/drawing/2014/main" id="{8DE96824-E506-4448-8704-5EC7BF7BC51B}"/>
-              </a:ext>
-              <a:ext uri="{C183D7F6-B498-43B3-948B-1728B52AA6E4}">
-                <adec:decorative xmlns:adec="http://schemas.microsoft.com/office/drawing/2017/decorative" val="1"/>
-              </a:ext>
-            </a:extLst>
-          </p:cNvPr>
+          <p:cNvPr id="56" name="Rectangle 55"/>
           <p:cNvSpPr>
             <a:spLocks noGrp="1" noRot="1" noChangeAspect="1" noMove="1" noResize="1" noEditPoints="1" noAdjustHandles="1" noChangeArrowheads="1" noChangeShapeType="1" noTextEdit="1"/>
           </p:cNvSpPr>
-          <p:nvPr>
-            <p:extLst>
-              <p:ext uri="{386F3935-93C4-4BCD-93E2-E3B085C9AB24}">
-                <p16:designElem xmlns:p16="http://schemas.microsoft.com/office/powerpoint/2015/main" val="1"/>
-              </p:ext>
-            </p:extLst>
-          </p:nvPr>
+          <p:nvPr/>
         </p:nvSpPr>
         <p:spPr>
           <a:xfrm>
@@ -4304,13 +3920,7 @@
       </p:sp>
       <p:sp>
         <p:nvSpPr>
-          <p:cNvPr id="2" name="Title 1">
-            <a:extLst>
-              <a:ext uri="{FF2B5EF4-FFF2-40B4-BE49-F238E27FC236}">
-                <a16:creationId xmlns:a16="http://schemas.microsoft.com/office/drawing/2014/main" id="{D688410C-278F-A084-27F4-C5CBC083C2A7}"/>
-              </a:ext>
-            </a:extLst>
-          </p:cNvPr>
+          <p:cNvPr id="2" name="Title 1"/>
           <p:cNvSpPr>
             <a:spLocks noGrp="1"/>
           </p:cNvSpPr>
@@ -4338,18 +3948,17 @@
               </a:rPr>
               <a:t>Construction Cost Estimation</a:t>
             </a:r>
-          </a:p>
-        </p:txBody>
-      </p:sp>
-      <p:sp>
-        <p:nvSpPr>
-          <p:cNvPr id="3" name="Subtitle 2">
-            <a:extLst>
-              <a:ext uri="{FF2B5EF4-FFF2-40B4-BE49-F238E27FC236}">
-                <a16:creationId xmlns:a16="http://schemas.microsoft.com/office/drawing/2014/main" id="{5187621D-6904-FB97-71E0-FB6B759E03E0}"/>
-              </a:ext>
-            </a:extLst>
-          </p:cNvPr>
+            <a:endParaRPr lang="en-IN" sz="5400" dirty="0">
+              <a:solidFill>
+                <a:schemeClr val="bg1"/>
+              </a:solidFill>
+            </a:endParaRPr>
+          </a:p>
+        </p:txBody>
+      </p:sp>
+      <p:sp>
+        <p:nvSpPr>
+          <p:cNvPr id="3" name="Subtitle 2"/>
           <p:cNvSpPr>
             <a:spLocks noGrp="1"/>
           </p:cNvSpPr>
@@ -4379,26 +3988,11 @@
       </p:sp>
       <p:sp>
         <p:nvSpPr>
-          <p:cNvPr id="63" name="Freeform: Shape 62">
-            <a:extLst>
-              <a:ext uri="{FF2B5EF4-FFF2-40B4-BE49-F238E27FC236}">
-                <a16:creationId xmlns:a16="http://schemas.microsoft.com/office/drawing/2014/main" id="{E16C8D8F-10E9-4498-ABDB-0F923F8B6837}"/>
-              </a:ext>
-              <a:ext uri="{C183D7F6-B498-43B3-948B-1728B52AA6E4}">
-                <adec:decorative xmlns:adec="http://schemas.microsoft.com/office/drawing/2017/decorative" val="1"/>
-              </a:ext>
-            </a:extLst>
-          </p:cNvPr>
+          <p:cNvPr id="63" name="Freeform: Shape 62"/>
           <p:cNvSpPr>
             <a:spLocks noGrp="1" noRot="1" noChangeAspect="1" noMove="1" noResize="1" noEditPoints="1" noAdjustHandles="1" noChangeArrowheads="1" noChangeShapeType="1" noTextEdit="1"/>
           </p:cNvSpPr>
-          <p:nvPr>
-            <p:extLst>
-              <p:ext uri="{386F3935-93C4-4BCD-93E2-E3B085C9AB24}">
-                <p16:designElem xmlns:p16="http://schemas.microsoft.com/office/powerpoint/2015/main" val="1"/>
-              </p:ext>
-            </p:extLst>
-          </p:nvPr>
+          <p:nvPr/>
         </p:nvSpPr>
         <p:spPr>
           <a:xfrm>
@@ -4584,26 +4178,11 @@
       </p:sp>
       <p:sp>
         <p:nvSpPr>
-          <p:cNvPr id="65" name="Graphic 212">
-            <a:extLst>
-              <a:ext uri="{FF2B5EF4-FFF2-40B4-BE49-F238E27FC236}">
-                <a16:creationId xmlns:a16="http://schemas.microsoft.com/office/drawing/2014/main" id="{4FB204DF-284E-45F6-A017-79A4DF57BCCB}"/>
-              </a:ext>
-              <a:ext uri="{C183D7F6-B498-43B3-948B-1728B52AA6E4}">
-                <adec:decorative xmlns:adec="http://schemas.microsoft.com/office/drawing/2017/decorative" val="1"/>
-              </a:ext>
-            </a:extLst>
-          </p:cNvPr>
+          <p:cNvPr id="65" name="Graphic 212"/>
           <p:cNvSpPr>
             <a:spLocks noGrp="1" noRot="1" noChangeAspect="1" noMove="1" noResize="1" noEditPoints="1" noAdjustHandles="1" noChangeArrowheads="1" noChangeShapeType="1" noTextEdit="1"/>
           </p:cNvSpPr>
-          <p:nvPr>
-            <p:extLst>
-              <p:ext uri="{386F3935-93C4-4BCD-93E2-E3B085C9AB24}">
-                <p16:designElem xmlns:p16="http://schemas.microsoft.com/office/powerpoint/2015/main" val="1"/>
-              </p:ext>
-            </p:extLst>
-          </p:nvPr>
+          <p:nvPr/>
         </p:nvSpPr>
         <p:spPr>
           <a:xfrm>
@@ -4748,9 +4327,6 @@
         </p:style>
         <p:txBody>
           <a:bodyPr rot="0" spcFirstLastPara="0" vertOverflow="overflow" horzOverflow="overflow" vert="horz" wrap="square" lIns="91440" tIns="45720" rIns="91440" bIns="45720" numCol="1" spcCol="0" rtlCol="0" fromWordArt="0" anchor="ctr" anchorCtr="0" forceAA="0" compatLnSpc="1">
-            <a:prstTxWarp prst="textNoShape">
-              <a:avLst/>
-            </a:prstTxWarp>
             <a:noAutofit/>
           </a:bodyPr>
           <a:lstStyle/>
@@ -4766,26 +4342,11 @@
       </p:sp>
       <p:sp>
         <p:nvSpPr>
-          <p:cNvPr id="62" name="Graphic 212">
-            <a:extLst>
-              <a:ext uri="{FF2B5EF4-FFF2-40B4-BE49-F238E27FC236}">
-                <a16:creationId xmlns:a16="http://schemas.microsoft.com/office/drawing/2014/main" id="{5EC6B544-8C84-47A6-885D-A4F09EF5C0F7}"/>
-              </a:ext>
-              <a:ext uri="{C183D7F6-B498-43B3-948B-1728B52AA6E4}">
-                <adec:decorative xmlns:adec="http://schemas.microsoft.com/office/drawing/2017/decorative" val="1"/>
-              </a:ext>
-            </a:extLst>
-          </p:cNvPr>
+          <p:cNvPr id="62" name="Graphic 212"/>
           <p:cNvSpPr>
             <a:spLocks noGrp="1" noRot="1" noChangeAspect="1" noMove="1" noResize="1" noEditPoints="1" noAdjustHandles="1" noChangeArrowheads="1" noChangeShapeType="1" noTextEdit="1"/>
           </p:cNvSpPr>
-          <p:nvPr>
-            <p:extLst>
-              <p:ext uri="{386F3935-93C4-4BCD-93E2-E3B085C9AB24}">
-                <p16:designElem xmlns:p16="http://schemas.microsoft.com/office/powerpoint/2015/main" val="1"/>
-              </p:ext>
-            </p:extLst>
-          </p:nvPr>
+          <p:nvPr/>
         </p:nvSpPr>
         <p:spPr>
           <a:xfrm>
@@ -4932,9 +4493,6 @@
         </p:style>
         <p:txBody>
           <a:bodyPr rot="0" spcFirstLastPara="0" vertOverflow="overflow" horzOverflow="overflow" vert="horz" wrap="square" lIns="91440" tIns="45720" rIns="91440" bIns="45720" numCol="1" spcCol="0" rtlCol="0" fromWordArt="0" anchor="ctr" anchorCtr="0" forceAA="0" compatLnSpc="1">
-            <a:prstTxWarp prst="textNoShape">
-              <a:avLst/>
-            </a:prstTxWarp>
             <a:noAutofit/>
           </a:bodyPr>
           <a:lstStyle/>
@@ -4950,26 +4508,11 @@
       </p:sp>
       <p:sp>
         <p:nvSpPr>
-          <p:cNvPr id="64" name="Freeform: Shape 63">
-            <a:extLst>
-              <a:ext uri="{FF2B5EF4-FFF2-40B4-BE49-F238E27FC236}">
-                <a16:creationId xmlns:a16="http://schemas.microsoft.com/office/drawing/2014/main" id="{1E5A83E3-8A11-4492-BB6E-F5F2240316FB}"/>
-              </a:ext>
-              <a:ext uri="{C183D7F6-B498-43B3-948B-1728B52AA6E4}">
-                <adec:decorative xmlns:adec="http://schemas.microsoft.com/office/drawing/2017/decorative" val="1"/>
-              </a:ext>
-            </a:extLst>
-          </p:cNvPr>
+          <p:cNvPr id="64" name="Freeform: Shape 63"/>
           <p:cNvSpPr>
             <a:spLocks noGrp="1" noRot="1" noChangeAspect="1" noMove="1" noResize="1" noEditPoints="1" noAdjustHandles="1" noChangeArrowheads="1" noChangeShapeType="1" noTextEdit="1"/>
           </p:cNvSpPr>
-          <p:nvPr>
-            <p:extLst>
-              <p:ext uri="{386F3935-93C4-4BCD-93E2-E3B085C9AB24}">
-                <p16:designElem xmlns:p16="http://schemas.microsoft.com/office/powerpoint/2015/main" val="1"/>
-              </p:ext>
-            </p:extLst>
-          </p:nvPr>
+          <p:nvPr/>
         </p:nvSpPr>
         <p:spPr>
           <a:xfrm>
@@ -5155,26 +4698,11 @@
       </p:sp>
       <p:sp>
         <p:nvSpPr>
-          <p:cNvPr id="66" name="Oval 65">
-            <a:extLst>
-              <a:ext uri="{FF2B5EF4-FFF2-40B4-BE49-F238E27FC236}">
-                <a16:creationId xmlns:a16="http://schemas.microsoft.com/office/drawing/2014/main" id="{32C95C5C-6FBD-47FF-9CA6-066193539A10}"/>
-              </a:ext>
-              <a:ext uri="{C183D7F6-B498-43B3-948B-1728B52AA6E4}">
-                <adec:decorative xmlns:adec="http://schemas.microsoft.com/office/drawing/2017/decorative" val="1"/>
-              </a:ext>
-            </a:extLst>
-          </p:cNvPr>
+          <p:cNvPr id="66" name="Oval 65"/>
           <p:cNvSpPr>
             <a:spLocks noGrp="1" noRot="1" noChangeAspect="1" noMove="1" noResize="1" noEditPoints="1" noAdjustHandles="1" noChangeArrowheads="1" noChangeShapeType="1" noTextEdit="1"/>
           </p:cNvSpPr>
-          <p:nvPr>
-            <p:extLst>
-              <p:ext uri="{386F3935-93C4-4BCD-93E2-E3B085C9AB24}">
-                <p16:designElem xmlns:p16="http://schemas.microsoft.com/office/powerpoint/2015/main" val="1"/>
-              </p:ext>
-            </p:extLst>
-          </p:nvPr>
+          <p:nvPr/>
         </p:nvSpPr>
         <p:spPr>
           <a:xfrm>
@@ -5211,9 +4739,6 @@
         </p:style>
         <p:txBody>
           <a:bodyPr rot="0" spcFirstLastPara="0" vertOverflow="overflow" horzOverflow="overflow" vert="horz" wrap="square" lIns="91440" tIns="45720" rIns="91440" bIns="45720" numCol="1" spcCol="0" rtlCol="0" fromWordArt="0" anchor="ctr" anchorCtr="0" forceAA="0" compatLnSpc="1">
-            <a:prstTxWarp prst="textNoShape">
-              <a:avLst/>
-            </a:prstTxWarp>
             <a:noAutofit/>
           </a:bodyPr>
           <a:lstStyle/>
@@ -5225,26 +4750,11 @@
       </p:sp>
       <p:sp>
         <p:nvSpPr>
-          <p:cNvPr id="68" name="Oval 67">
-            <a:extLst>
-              <a:ext uri="{FF2B5EF4-FFF2-40B4-BE49-F238E27FC236}">
-                <a16:creationId xmlns:a16="http://schemas.microsoft.com/office/drawing/2014/main" id="{4D1A5E71-B6B6-486A-8CDC-C7ABD9B903F6}"/>
-              </a:ext>
-              <a:ext uri="{C183D7F6-B498-43B3-948B-1728B52AA6E4}">
-                <adec:decorative xmlns:adec="http://schemas.microsoft.com/office/drawing/2017/decorative" val="1"/>
-              </a:ext>
-            </a:extLst>
-          </p:cNvPr>
+          <p:cNvPr id="68" name="Oval 67"/>
           <p:cNvSpPr>
             <a:spLocks noGrp="1" noRot="1" noChangeAspect="1" noMove="1" noResize="1" noEditPoints="1" noAdjustHandles="1" noChangeArrowheads="1" noChangeShapeType="1" noTextEdit="1"/>
           </p:cNvSpPr>
-          <p:nvPr>
-            <p:extLst>
-              <p:ext uri="{386F3935-93C4-4BCD-93E2-E3B085C9AB24}">
-                <p16:designElem xmlns:p16="http://schemas.microsoft.com/office/powerpoint/2015/main" val="1"/>
-              </p:ext>
-            </p:extLst>
-          </p:nvPr>
+          <p:nvPr/>
         </p:nvSpPr>
         <p:spPr>
           <a:xfrm>
@@ -5283,9 +4793,6 @@
         </p:style>
         <p:txBody>
           <a:bodyPr rot="0" spcFirstLastPara="0" vertOverflow="overflow" horzOverflow="overflow" vert="horz" wrap="square" lIns="91440" tIns="45720" rIns="91440" bIns="45720" numCol="1" spcCol="0" rtlCol="0" fromWordArt="0" anchor="ctr" anchorCtr="0" forceAA="0" compatLnSpc="1">
-            <a:prstTxWarp prst="textNoShape">
-              <a:avLst/>
-            </a:prstTxWarp>
             <a:noAutofit/>
           </a:bodyPr>
           <a:lstStyle/>
@@ -5297,26 +4804,11 @@
       </p:sp>
       <p:grpSp>
         <p:nvGrpSpPr>
-          <p:cNvPr id="70" name="Graphic 185">
-            <a:extLst>
-              <a:ext uri="{FF2B5EF4-FFF2-40B4-BE49-F238E27FC236}">
-                <a16:creationId xmlns:a16="http://schemas.microsoft.com/office/drawing/2014/main" id="{FB9739EB-7F66-433D-841F-AB3CD18700B7}"/>
-              </a:ext>
-              <a:ext uri="{C183D7F6-B498-43B3-948B-1728B52AA6E4}">
-                <adec:decorative xmlns:adec="http://schemas.microsoft.com/office/drawing/2017/decorative" val="1"/>
-              </a:ext>
-            </a:extLst>
-          </p:cNvPr>
+          <p:cNvPr id="70" name="Graphic 185"/>
           <p:cNvGrpSpPr>
-            <a:grpSpLocks noGrp="1" noUngrp="1" noRot="1" noChangeAspect="1" noMove="1" noResize="1"/>
+            <a:grpSpLocks noGrp="1" noRot="1" noChangeAspect="1" noMove="1" noResize="1" noUngrp="1"/>
           </p:cNvGrpSpPr>
-          <p:nvPr>
-            <p:extLst>
-              <p:ext uri="{386F3935-93C4-4BCD-93E2-E3B085C9AB24}">
-                <p16:designElem xmlns:p16="http://schemas.microsoft.com/office/powerpoint/2015/main" val="1"/>
-              </p:ext>
-            </p:extLst>
-          </p:nvPr>
+          <p:nvPr/>
         </p:nvGrpSpPr>
         <p:grpSpPr>
           <a:xfrm>
@@ -5331,24 +4823,9 @@
         </p:grpSpPr>
         <p:sp>
           <p:nvSpPr>
-            <p:cNvPr id="71" name="Freeform: Shape 70">
-              <a:extLst>
-                <a:ext uri="{FF2B5EF4-FFF2-40B4-BE49-F238E27FC236}">
-                  <a16:creationId xmlns:a16="http://schemas.microsoft.com/office/drawing/2014/main" id="{104F2BBD-A005-4DCB-9566-F2351050BEE6}"/>
-                </a:ext>
-                <a:ext uri="{C183D7F6-B498-43B3-948B-1728B52AA6E4}">
-                  <adec:decorative xmlns:adec="http://schemas.microsoft.com/office/drawing/2017/decorative" val="1"/>
-                </a:ext>
-              </a:extLst>
-            </p:cNvPr>
+            <p:cNvPr id="71" name="Freeform: Shape 70"/>
             <p:cNvSpPr/>
-            <p:nvPr>
-              <p:extLst>
-                <p:ext uri="{386F3935-93C4-4BCD-93E2-E3B085C9AB24}">
-                  <p16:designElem xmlns:p16="http://schemas.microsoft.com/office/powerpoint/2015/main" val="1"/>
-                </p:ext>
-              </p:extLst>
-            </p:nvPr>
+            <p:nvPr/>
           </p:nvSpPr>
           <p:spPr>
             <a:xfrm>
@@ -5418,24 +4895,9 @@
         </p:sp>
         <p:sp>
           <p:nvSpPr>
-            <p:cNvPr id="72" name="Freeform: Shape 71">
-              <a:extLst>
-                <a:ext uri="{FF2B5EF4-FFF2-40B4-BE49-F238E27FC236}">
-                  <a16:creationId xmlns:a16="http://schemas.microsoft.com/office/drawing/2014/main" id="{8B00DEC7-198B-49D1-98FD-018F3ECFCF4C}"/>
-                </a:ext>
-                <a:ext uri="{C183D7F6-B498-43B3-948B-1728B52AA6E4}">
-                  <adec:decorative xmlns:adec="http://schemas.microsoft.com/office/drawing/2017/decorative" val="1"/>
-                </a:ext>
-              </a:extLst>
-            </p:cNvPr>
+            <p:cNvPr id="72" name="Freeform: Shape 71"/>
             <p:cNvSpPr/>
-            <p:nvPr>
-              <p:extLst>
-                <p:ext uri="{386F3935-93C4-4BCD-93E2-E3B085C9AB24}">
-                  <p16:designElem xmlns:p16="http://schemas.microsoft.com/office/powerpoint/2015/main" val="1"/>
-                </p:ext>
-              </p:extLst>
-            </p:nvPr>
+            <p:nvPr/>
           </p:nvSpPr>
           <p:spPr>
             <a:xfrm>
@@ -5505,24 +4967,9 @@
         </p:sp>
         <p:sp>
           <p:nvSpPr>
-            <p:cNvPr id="73" name="Freeform: Shape 72">
-              <a:extLst>
-                <a:ext uri="{FF2B5EF4-FFF2-40B4-BE49-F238E27FC236}">
-                  <a16:creationId xmlns:a16="http://schemas.microsoft.com/office/drawing/2014/main" id="{F14DFC82-B3B3-468E-91B3-1302CFC68468}"/>
-                </a:ext>
-                <a:ext uri="{C183D7F6-B498-43B3-948B-1728B52AA6E4}">
-                  <adec:decorative xmlns:adec="http://schemas.microsoft.com/office/drawing/2017/decorative" val="1"/>
-                </a:ext>
-              </a:extLst>
-            </p:cNvPr>
+            <p:cNvPr id="73" name="Freeform: Shape 72"/>
             <p:cNvSpPr/>
-            <p:nvPr>
-              <p:extLst>
-                <p:ext uri="{386F3935-93C4-4BCD-93E2-E3B085C9AB24}">
-                  <p16:designElem xmlns:p16="http://schemas.microsoft.com/office/powerpoint/2015/main" val="1"/>
-                </p:ext>
-              </p:extLst>
-            </p:nvPr>
+            <p:nvPr/>
           </p:nvSpPr>
           <p:spPr>
             <a:xfrm>
@@ -5592,24 +5039,9 @@
         </p:sp>
         <p:sp>
           <p:nvSpPr>
-            <p:cNvPr id="74" name="Freeform: Shape 73">
-              <a:extLst>
-                <a:ext uri="{FF2B5EF4-FFF2-40B4-BE49-F238E27FC236}">
-                  <a16:creationId xmlns:a16="http://schemas.microsoft.com/office/drawing/2014/main" id="{D3250EFE-214E-4B8E-AF96-036A514FFB2D}"/>
-                </a:ext>
-                <a:ext uri="{C183D7F6-B498-43B3-948B-1728B52AA6E4}">
-                  <adec:decorative xmlns:adec="http://schemas.microsoft.com/office/drawing/2017/decorative" val="1"/>
-                </a:ext>
-              </a:extLst>
-            </p:cNvPr>
+            <p:cNvPr id="74" name="Freeform: Shape 73"/>
             <p:cNvSpPr/>
-            <p:nvPr>
-              <p:extLst>
-                <p:ext uri="{386F3935-93C4-4BCD-93E2-E3B085C9AB24}">
-                  <p16:designElem xmlns:p16="http://schemas.microsoft.com/office/powerpoint/2015/main" val="1"/>
-                </p:ext>
-              </p:extLst>
-            </p:nvPr>
+            <p:nvPr/>
           </p:nvSpPr>
           <p:spPr>
             <a:xfrm>
@@ -5679,24 +5111,9 @@
         </p:sp>
         <p:sp>
           <p:nvSpPr>
-            <p:cNvPr id="75" name="Freeform: Shape 74">
-              <a:extLst>
-                <a:ext uri="{FF2B5EF4-FFF2-40B4-BE49-F238E27FC236}">
-                  <a16:creationId xmlns:a16="http://schemas.microsoft.com/office/drawing/2014/main" id="{AD058EBE-D4A5-4C43-B170-6A451F87A7B2}"/>
-                </a:ext>
-                <a:ext uri="{C183D7F6-B498-43B3-948B-1728B52AA6E4}">
-                  <adec:decorative xmlns:adec="http://schemas.microsoft.com/office/drawing/2017/decorative" val="1"/>
-                </a:ext>
-              </a:extLst>
-            </p:cNvPr>
+            <p:cNvPr id="75" name="Freeform: Shape 74"/>
             <p:cNvSpPr/>
-            <p:nvPr>
-              <p:extLst>
-                <p:ext uri="{386F3935-93C4-4BCD-93E2-E3B085C9AB24}">
-                  <p16:designElem xmlns:p16="http://schemas.microsoft.com/office/powerpoint/2015/main" val="1"/>
-                </p:ext>
-              </p:extLst>
-            </p:nvPr>
+            <p:nvPr/>
           </p:nvSpPr>
           <p:spPr>
             <a:xfrm>
@@ -5766,11 +5183,204 @@
         </p:sp>
       </p:grpSp>
     </p:spTree>
-    <p:extLst>
-      <p:ext uri="{BB962C8B-B14F-4D97-AF65-F5344CB8AC3E}">
-        <p14:creationId xmlns:p14="http://schemas.microsoft.com/office/powerpoint/2010/main" val="4225862757"/>
-      </p:ext>
-    </p:extLst>
+  </p:cSld>
+  <p:clrMapOvr>
+    <a:masterClrMapping/>
+  </p:clrMapOvr>
+</p:sld>
+</file>
+
+<file path=ppt/slides/slide10.xml><?xml version="1.0" encoding="utf-8"?>
+<p:sld xmlns:a="http://schemas.openxmlformats.org/drawingml/2006/main" xmlns:r="http://schemas.openxmlformats.org/officeDocument/2006/relationships" xmlns:p="http://schemas.openxmlformats.org/presentationml/2006/main">
+  <p:cSld>
+    <p:spTree>
+      <p:nvGrpSpPr>
+        <p:cNvPr id="1" name=""/>
+        <p:cNvGrpSpPr/>
+        <p:nvPr/>
+      </p:nvGrpSpPr>
+      <p:grpSpPr>
+        <a:xfrm>
+          <a:off x="0" y="0"/>
+          <a:ext cx="0" cy="0"/>
+          <a:chOff x="0" y="0"/>
+          <a:chExt cx="0" cy="0"/>
+        </a:xfrm>
+      </p:grpSpPr>
+      <p:sp>
+        <p:nvSpPr>
+          <p:cNvPr id="2" name="Title 1"/>
+          <p:cNvSpPr>
+            <a:spLocks noGrp="1"/>
+          </p:cNvSpPr>
+          <p:nvPr>
+            <p:ph type="title"/>
+          </p:nvPr>
+        </p:nvSpPr>
+        <p:spPr/>
+        <p:txBody>
+          <a:bodyPr/>
+          <a:lstStyle/>
+          <a:p>
+            <a:r>
+              <a:rPr lang="en-GB" sz="4400" b="1" dirty="0">
+                <a:latin typeface="Agency FB" panose="020B0503020202020204" pitchFamily="34" charset="0"/>
+                <a:ea typeface="Arial" panose="020B0604020202020204"/>
+                <a:cs typeface="Arial" panose="020B0604020202020204"/>
+                <a:sym typeface="Arial" panose="020B0604020202020204"/>
+              </a:rPr>
+              <a:t>Future Enhancements</a:t>
+            </a:r>
+            <a:endParaRPr lang="en-IN" dirty="0">
+              <a:latin typeface="Agency FB" panose="020B0503020202020204" pitchFamily="34" charset="0"/>
+            </a:endParaRPr>
+          </a:p>
+        </p:txBody>
+      </p:sp>
+      <p:sp>
+        <p:nvSpPr>
+          <p:cNvPr id="3" name="Content Placeholder 2"/>
+          <p:cNvSpPr>
+            <a:spLocks noGrp="1"/>
+          </p:cNvSpPr>
+          <p:nvPr>
+            <p:ph idx="1"/>
+          </p:nvPr>
+        </p:nvSpPr>
+        <p:spPr/>
+        <p:txBody>
+          <a:bodyPr/>
+          <a:lstStyle/>
+          <a:p>
+            <a:pPr marL="457200" lvl="0" indent="-304800" algn="l" rtl="0">
+              <a:lnSpc>
+                <a:spcPct val="200000"/>
+              </a:lnSpc>
+              <a:spcBef>
+                <a:spcPts val="0"/>
+              </a:spcBef>
+              <a:spcAft>
+                <a:spcPts val="0"/>
+              </a:spcAft>
+              <a:buSzPts val="1200"/>
+              <a:buFont typeface="Arial" panose="020B0604020202020204"/>
+              <a:buChar char="●"/>
+            </a:pPr>
+            <a:r>
+              <a:rPr lang="en-US" sz="2000" dirty="0">
+                <a:latin typeface="Aptos" panose="020B0004020202020204" pitchFamily="34" charset="0"/>
+                <a:ea typeface="Arial" panose="020B0604020202020204"/>
+                <a:cs typeface="Arial" panose="020B0604020202020204"/>
+                <a:sym typeface="Arial" panose="020B0604020202020204"/>
+              </a:rPr>
+              <a:t>Payment gateway integration for secure transactions.</a:t>
+            </a:r>
+            <a:endParaRPr lang="en-US" sz="2000" dirty="0">
+              <a:latin typeface="Aptos" panose="020B0004020202020204" pitchFamily="34" charset="0"/>
+              <a:ea typeface="Arial" panose="020B0604020202020204"/>
+              <a:cs typeface="Arial" panose="020B0604020202020204"/>
+              <a:sym typeface="Arial" panose="020B0604020202020204"/>
+            </a:endParaRPr>
+          </a:p>
+          <a:p>
+            <a:pPr marL="457200" lvl="0" indent="-304800" algn="l" rtl="0">
+              <a:lnSpc>
+                <a:spcPct val="200000"/>
+              </a:lnSpc>
+              <a:spcBef>
+                <a:spcPts val="0"/>
+              </a:spcBef>
+              <a:spcAft>
+                <a:spcPts val="0"/>
+              </a:spcAft>
+              <a:buSzPts val="1200"/>
+              <a:buFont typeface="Arial" panose="020B0604020202020204"/>
+              <a:buChar char="●"/>
+            </a:pPr>
+            <a:r>
+              <a:rPr lang="en-US" sz="2000" dirty="0">
+                <a:latin typeface="Aptos" panose="020B0004020202020204" pitchFamily="34" charset="0"/>
+                <a:ea typeface="Arial" panose="020B0604020202020204"/>
+                <a:cs typeface="Arial" panose="020B0604020202020204"/>
+                <a:sym typeface="Arial" panose="020B0604020202020204"/>
+              </a:rPr>
+              <a:t>Real-time chat between users and constructors.</a:t>
+            </a:r>
+            <a:endParaRPr lang="en-US" sz="2000" dirty="0">
+              <a:latin typeface="Aptos" panose="020B0004020202020204" pitchFamily="34" charset="0"/>
+              <a:ea typeface="Arial" panose="020B0604020202020204"/>
+              <a:cs typeface="Arial" panose="020B0604020202020204"/>
+              <a:sym typeface="Arial" panose="020B0604020202020204"/>
+            </a:endParaRPr>
+          </a:p>
+          <a:p>
+            <a:pPr marL="457200" lvl="0" indent="-304800" algn="l" rtl="0">
+              <a:lnSpc>
+                <a:spcPct val="200000"/>
+              </a:lnSpc>
+              <a:spcBef>
+                <a:spcPts val="0"/>
+              </a:spcBef>
+              <a:spcAft>
+                <a:spcPts val="0"/>
+              </a:spcAft>
+              <a:buSzPts val="1200"/>
+              <a:buFont typeface="Arial" panose="020B0604020202020204"/>
+              <a:buChar char="●"/>
+            </a:pPr>
+            <a:r>
+              <a:rPr lang="en-US" sz="2000" dirty="0">
+                <a:latin typeface="Aptos" panose="020B0004020202020204" pitchFamily="34" charset="0"/>
+                <a:ea typeface="Arial" panose="020B0604020202020204"/>
+                <a:cs typeface="Arial" panose="020B0604020202020204"/>
+                <a:sym typeface="Arial" panose="020B0604020202020204"/>
+              </a:rPr>
+              <a:t>Track constructors estimation history and recommend areas.</a:t>
+            </a:r>
+            <a:endParaRPr lang="en-US" sz="2000" dirty="0">
+              <a:latin typeface="Aptos" panose="020B0004020202020204" pitchFamily="34" charset="0"/>
+              <a:ea typeface="Arial" panose="020B0604020202020204"/>
+              <a:cs typeface="Arial" panose="020B0604020202020204"/>
+              <a:sym typeface="Arial" panose="020B0604020202020204"/>
+            </a:endParaRPr>
+          </a:p>
+          <a:p>
+            <a:pPr marL="457200" lvl="0" indent="-304800" algn="l" rtl="0">
+              <a:lnSpc>
+                <a:spcPct val="200000"/>
+              </a:lnSpc>
+              <a:spcBef>
+                <a:spcPts val="0"/>
+              </a:spcBef>
+              <a:spcAft>
+                <a:spcPts val="0"/>
+              </a:spcAft>
+              <a:buSzPts val="1200"/>
+              <a:buFont typeface="Arial" panose="020B0604020202020204"/>
+              <a:buChar char="●"/>
+            </a:pPr>
+            <a:r>
+              <a:rPr lang="en-US" sz="2000" dirty="0">
+                <a:latin typeface="Aptos" panose="020B0004020202020204" pitchFamily="34" charset="0"/>
+                <a:ea typeface="Arial" panose="020B0604020202020204"/>
+                <a:cs typeface="Arial" panose="020B0604020202020204"/>
+                <a:sym typeface="Arial" panose="020B0604020202020204"/>
+              </a:rPr>
+              <a:t>Add land image and verify land image.</a:t>
+            </a:r>
+            <a:endParaRPr lang="en-US" sz="2000" dirty="0">
+              <a:latin typeface="Aptos" panose="020B0004020202020204" pitchFamily="34" charset="0"/>
+              <a:ea typeface="Arial" panose="020B0604020202020204"/>
+              <a:cs typeface="Arial" panose="020B0604020202020204"/>
+              <a:sym typeface="Arial" panose="020B0604020202020204"/>
+            </a:endParaRPr>
+          </a:p>
+          <a:p>
+            <a:endParaRPr lang="en-IN" dirty="0"/>
+          </a:p>
+        </p:txBody>
+      </p:sp>
+    </p:spTree>
   </p:cSld>
   <p:clrMapOvr>
     <a:masterClrMapping/>
@@ -5797,13 +5407,7 @@
       </p:grpSpPr>
       <p:sp>
         <p:nvSpPr>
-          <p:cNvPr id="2" name="Title 1">
-            <a:extLst>
-              <a:ext uri="{FF2B5EF4-FFF2-40B4-BE49-F238E27FC236}">
-                <a16:creationId xmlns:a16="http://schemas.microsoft.com/office/drawing/2014/main" id="{36E4B0D1-C35F-88E4-9D34-54DC86F737DE}"/>
-              </a:ext>
-            </a:extLst>
-          </p:cNvPr>
+          <p:cNvPr id="2" name="Title 1"/>
           <p:cNvSpPr>
             <a:spLocks noGrp="1"/>
           </p:cNvSpPr>
@@ -5818,7 +5422,7 @@
           <a:p>
             <a:pPr algn="ctr"/>
             <a:r>
-              <a:rPr lang="en" b="1" dirty="0">
+              <a:rPr lang="en-GB" b="1" dirty="0">
                 <a:latin typeface="Agency FB" panose="020B0503020202020204" pitchFamily="34" charset="0"/>
                 <a:cs typeface="Aharoni" panose="020F0502020204030204" pitchFamily="2" charset="-79"/>
               </a:rPr>
@@ -5833,13 +5437,7 @@
       </p:sp>
       <p:sp>
         <p:nvSpPr>
-          <p:cNvPr id="3" name="Content Placeholder 2">
-            <a:extLst>
-              <a:ext uri="{FF2B5EF4-FFF2-40B4-BE49-F238E27FC236}">
-                <a16:creationId xmlns:a16="http://schemas.microsoft.com/office/drawing/2014/main" id="{BCE39099-B9E3-7AA2-38F2-317E4E3EDB50}"/>
-              </a:ext>
-            </a:extLst>
-          </p:cNvPr>
+          <p:cNvPr id="3" name="Content Placeholder 2"/>
           <p:cNvSpPr>
             <a:spLocks noGrp="1"/>
           </p:cNvSpPr>
@@ -5874,6 +5472,9 @@
               </a:rPr>
               <a:t>Project overview</a:t>
             </a:r>
+            <a:endParaRPr lang="en-US" dirty="0">
+              <a:latin typeface="Aptos" panose="020B0004020202020204" pitchFamily="34" charset="0"/>
+            </a:endParaRPr>
           </a:p>
           <a:p>
             <a:pPr marL="666750" indent="-514350">
@@ -5891,6 +5492,9 @@
               </a:rPr>
               <a:t>Core features</a:t>
             </a:r>
+            <a:endParaRPr lang="en-US" dirty="0">
+              <a:latin typeface="Aptos" panose="020B0004020202020204" pitchFamily="34" charset="0"/>
+            </a:endParaRPr>
           </a:p>
           <a:p>
             <a:pPr marL="666750" indent="-514350">
@@ -5908,6 +5512,9 @@
               </a:rPr>
               <a:t>Technology stack</a:t>
             </a:r>
+            <a:endParaRPr lang="en-US" dirty="0">
+              <a:latin typeface="Aptos" panose="020B0004020202020204" pitchFamily="34" charset="0"/>
+            </a:endParaRPr>
           </a:p>
           <a:p>
             <a:pPr marL="666750" indent="-514350">
@@ -5925,6 +5532,9 @@
               </a:rPr>
               <a:t>Architecture overview</a:t>
             </a:r>
+            <a:endParaRPr lang="en-US" dirty="0">
+              <a:latin typeface="Aptos" panose="020B0004020202020204" pitchFamily="34" charset="0"/>
+            </a:endParaRPr>
           </a:p>
           <a:p>
             <a:pPr marL="666750" indent="-514350">
@@ -5942,6 +5552,9 @@
               </a:rPr>
               <a:t>Key integrations</a:t>
             </a:r>
+            <a:endParaRPr lang="en-US" dirty="0">
+              <a:latin typeface="Aptos" panose="020B0004020202020204" pitchFamily="34" charset="0"/>
+            </a:endParaRPr>
           </a:p>
           <a:p>
             <a:pPr marL="666750" indent="-514350">
@@ -5959,6 +5572,9 @@
               </a:rPr>
               <a:t>Challenges and solutions</a:t>
             </a:r>
+            <a:endParaRPr lang="en-US" dirty="0">
+              <a:latin typeface="Aptos" panose="020B0004020202020204" pitchFamily="34" charset="0"/>
+            </a:endParaRPr>
           </a:p>
           <a:p>
             <a:pPr marL="666750" indent="-514350">
@@ -5976,6 +5592,9 @@
               </a:rPr>
               <a:t>Future enhancements</a:t>
             </a:r>
+            <a:endParaRPr lang="en-US" dirty="0">
+              <a:latin typeface="Aptos" panose="020B0004020202020204" pitchFamily="34" charset="0"/>
+            </a:endParaRPr>
           </a:p>
           <a:p>
             <a:endParaRPr lang="en-IN" dirty="0"/>
@@ -5983,11 +5602,6 @@
         </p:txBody>
       </p:sp>
     </p:spTree>
-    <p:extLst>
-      <p:ext uri="{BB962C8B-B14F-4D97-AF65-F5344CB8AC3E}">
-        <p14:creationId xmlns:p14="http://schemas.microsoft.com/office/powerpoint/2010/main" val="3031507082"/>
-      </p:ext>
-    </p:extLst>
   </p:cSld>
   <p:clrMapOvr>
     <a:masterClrMapping/>
@@ -6014,13 +5628,7 @@
       </p:grpSpPr>
       <p:sp>
         <p:nvSpPr>
-          <p:cNvPr id="2" name="Title 1">
-            <a:extLst>
-              <a:ext uri="{FF2B5EF4-FFF2-40B4-BE49-F238E27FC236}">
-                <a16:creationId xmlns:a16="http://schemas.microsoft.com/office/drawing/2014/main" id="{14289C68-B2E6-D052-5A56-7AE2AE5E8A0F}"/>
-              </a:ext>
-            </a:extLst>
-          </p:cNvPr>
+          <p:cNvPr id="2" name="Title 1"/>
           <p:cNvSpPr>
             <a:spLocks noGrp="1"/>
           </p:cNvSpPr>
@@ -6034,7 +5642,7 @@
           <a:lstStyle/>
           <a:p>
             <a:r>
-              <a:rPr lang="en" sz="4400" b="1" dirty="0">
+              <a:rPr lang="en-GB" sz="4400" b="1" dirty="0">
                 <a:latin typeface="Agency FB" panose="020B0503020202020204" pitchFamily="34" charset="0"/>
                 <a:ea typeface="Roboto"/>
                 <a:cs typeface="Roboto"/>
@@ -6050,13 +5658,7 @@
       </p:sp>
       <p:sp>
         <p:nvSpPr>
-          <p:cNvPr id="3" name="Content Placeholder 2">
-            <a:extLst>
-              <a:ext uri="{FF2B5EF4-FFF2-40B4-BE49-F238E27FC236}">
-                <a16:creationId xmlns:a16="http://schemas.microsoft.com/office/drawing/2014/main" id="{AA9E507E-F8E4-8FC7-F3D6-11ADCCC9B435}"/>
-              </a:ext>
-            </a:extLst>
-          </p:cNvPr>
+          <p:cNvPr id="3" name="Content Placeholder 2"/>
           <p:cNvSpPr>
             <a:spLocks noGrp="1"/>
           </p:cNvSpPr>
@@ -6081,21 +5683,27 @@
             <a:r>
               <a:rPr lang="en-US" sz="2000" b="1" dirty="0">
                 <a:latin typeface="Aptos" panose="020B0004020202020204" pitchFamily="34" charset="0"/>
-                <a:ea typeface="Arial"/>
-                <a:cs typeface="Arial"/>
-                <a:sym typeface="Arial"/>
+                <a:ea typeface="Arial" panose="020B0604020202020204"/>
+                <a:cs typeface="Arial" panose="020B0604020202020204"/>
+                <a:sym typeface="Arial" panose="020B0604020202020204"/>
               </a:rPr>
               <a:t>Goal</a:t>
             </a:r>
             <a:r>
               <a:rPr lang="en-US" sz="2000" dirty="0">
                 <a:latin typeface="Aptos" panose="020B0004020202020204" pitchFamily="34" charset="0"/>
-                <a:ea typeface="Arial"/>
-                <a:cs typeface="Arial"/>
-                <a:sym typeface="Arial"/>
+                <a:ea typeface="Arial" panose="020B0604020202020204"/>
+                <a:cs typeface="Arial" panose="020B0604020202020204"/>
+                <a:sym typeface="Arial" panose="020B0604020202020204"/>
               </a:rPr>
               <a:t>:</a:t>
             </a:r>
+            <a:endParaRPr lang="en-US" sz="2000" dirty="0">
+              <a:latin typeface="Aptos" panose="020B0004020202020204" pitchFamily="34" charset="0"/>
+              <a:ea typeface="Arial" panose="020B0604020202020204"/>
+              <a:cs typeface="Arial" panose="020B0604020202020204"/>
+              <a:sym typeface="Arial" panose="020B0604020202020204"/>
+            </a:endParaRPr>
           </a:p>
           <a:p>
             <a:pPr marL="457200" lvl="0" indent="-298450" algn="l" rtl="0">
@@ -6109,18 +5717,24 @@
                 <a:spcPts val="0"/>
               </a:spcAft>
               <a:buSzPts val="1100"/>
-              <a:buFont typeface="Arial"/>
+              <a:buFont typeface="Arial" panose="020B0604020202020204"/>
               <a:buChar char="●"/>
             </a:pPr>
             <a:r>
               <a:rPr lang="en-US" sz="2000" dirty="0">
                 <a:latin typeface="Aptos" panose="020B0004020202020204" pitchFamily="34" charset="0"/>
-                <a:ea typeface="Arial"/>
-                <a:cs typeface="Arial"/>
-                <a:sym typeface="Arial"/>
+                <a:ea typeface="Arial" panose="020B0604020202020204"/>
+                <a:cs typeface="Arial" panose="020B0604020202020204"/>
+                <a:sym typeface="Arial" panose="020B0604020202020204"/>
               </a:rPr>
               <a:t>To create a web application that connects users with constructors, providing accurate construction cost estimates based on the preferences of the user.</a:t>
             </a:r>
+            <a:endParaRPr lang="en-US" sz="2000" dirty="0">
+              <a:latin typeface="Aptos" panose="020B0004020202020204" pitchFamily="34" charset="0"/>
+              <a:ea typeface="Arial" panose="020B0604020202020204"/>
+              <a:cs typeface="Arial" panose="020B0604020202020204"/>
+              <a:sym typeface="Arial" panose="020B0604020202020204"/>
+            </a:endParaRPr>
           </a:p>
           <a:p>
             <a:pPr marL="0" lvl="0" indent="0" algn="l" rtl="0">
@@ -6138,21 +5752,27 @@
             <a:r>
               <a:rPr lang="en-US" sz="2000" b="1" dirty="0">
                 <a:latin typeface="Aptos" panose="020B0004020202020204" pitchFamily="34" charset="0"/>
-                <a:ea typeface="Arial"/>
-                <a:cs typeface="Arial"/>
-                <a:sym typeface="Arial"/>
+                <a:ea typeface="Arial" panose="020B0604020202020204"/>
+                <a:cs typeface="Arial" panose="020B0604020202020204"/>
+                <a:sym typeface="Arial" panose="020B0604020202020204"/>
               </a:rPr>
               <a:t>Objectives</a:t>
             </a:r>
             <a:r>
               <a:rPr lang="en-US" sz="2000" dirty="0">
                 <a:latin typeface="Aptos" panose="020B0004020202020204" pitchFamily="34" charset="0"/>
-                <a:ea typeface="Arial"/>
-                <a:cs typeface="Arial"/>
-                <a:sym typeface="Arial"/>
+                <a:ea typeface="Arial" panose="020B0604020202020204"/>
+                <a:cs typeface="Arial" panose="020B0604020202020204"/>
+                <a:sym typeface="Arial" panose="020B0604020202020204"/>
               </a:rPr>
               <a:t>:</a:t>
             </a:r>
+            <a:endParaRPr lang="en-US" sz="2000" dirty="0">
+              <a:latin typeface="Aptos" panose="020B0004020202020204" pitchFamily="34" charset="0"/>
+              <a:ea typeface="Arial" panose="020B0604020202020204"/>
+              <a:cs typeface="Arial" panose="020B0604020202020204"/>
+              <a:sym typeface="Arial" panose="020B0604020202020204"/>
+            </a:endParaRPr>
           </a:p>
           <a:p>
             <a:pPr marL="457200" lvl="0" indent="-298450" algn="l" rtl="0">
@@ -6166,18 +5786,24 @@
                 <a:spcPts val="0"/>
               </a:spcAft>
               <a:buSzPts val="1100"/>
-              <a:buFont typeface="Arial"/>
+              <a:buFont typeface="Arial" panose="020B0604020202020204"/>
               <a:buChar char="●"/>
             </a:pPr>
             <a:r>
               <a:rPr lang="en-US" sz="2000" dirty="0">
                 <a:latin typeface="Aptos" panose="020B0004020202020204" pitchFamily="34" charset="0"/>
-                <a:ea typeface="Arial"/>
-                <a:cs typeface="Arial"/>
-                <a:sym typeface="Arial"/>
+                <a:ea typeface="Arial" panose="020B0604020202020204"/>
+                <a:cs typeface="Arial" panose="020B0604020202020204"/>
+                <a:sym typeface="Arial" panose="020B0604020202020204"/>
               </a:rPr>
               <a:t>Streamline user interactions in a secure environment.</a:t>
             </a:r>
+            <a:endParaRPr lang="en-US" sz="2000" dirty="0">
+              <a:latin typeface="Aptos" panose="020B0004020202020204" pitchFamily="34" charset="0"/>
+              <a:ea typeface="Arial" panose="020B0604020202020204"/>
+              <a:cs typeface="Arial" panose="020B0604020202020204"/>
+              <a:sym typeface="Arial" panose="020B0604020202020204"/>
+            </a:endParaRPr>
           </a:p>
           <a:p>
             <a:pPr marL="457200" lvl="0" indent="-298450" algn="l" rtl="0">
@@ -6191,18 +5817,24 @@
                 <a:spcPts val="0"/>
               </a:spcAft>
               <a:buSzPts val="1100"/>
-              <a:buFont typeface="Arial"/>
+              <a:buFont typeface="Arial" panose="020B0604020202020204"/>
               <a:buChar char="●"/>
             </a:pPr>
             <a:r>
               <a:rPr lang="en-US" sz="2000" dirty="0">
                 <a:latin typeface="Aptos" panose="020B0004020202020204" pitchFamily="34" charset="0"/>
-                <a:ea typeface="Arial"/>
-                <a:cs typeface="Arial"/>
-                <a:sym typeface="Arial"/>
+                <a:ea typeface="Arial" panose="020B0604020202020204"/>
+                <a:cs typeface="Arial" panose="020B0604020202020204"/>
+                <a:sym typeface="Arial" panose="020B0604020202020204"/>
               </a:rPr>
               <a:t>Provide an accurate cost estimator for the constructor to estimate costs.</a:t>
             </a:r>
+            <a:endParaRPr lang="en-US" sz="2000" dirty="0">
+              <a:latin typeface="Aptos" panose="020B0004020202020204" pitchFamily="34" charset="0"/>
+              <a:ea typeface="Arial" panose="020B0604020202020204"/>
+              <a:cs typeface="Arial" panose="020B0604020202020204"/>
+              <a:sym typeface="Arial" panose="020B0604020202020204"/>
+            </a:endParaRPr>
           </a:p>
           <a:p>
             <a:pPr marL="457200" lvl="0" indent="-298450" algn="l" rtl="0">
@@ -6216,18 +5848,24 @@
                 <a:spcPts val="0"/>
               </a:spcAft>
               <a:buSzPts val="1100"/>
-              <a:buFont typeface="Arial"/>
+              <a:buFont typeface="Arial" panose="020B0604020202020204"/>
               <a:buChar char="●"/>
             </a:pPr>
             <a:r>
               <a:rPr lang="en-US" sz="2000" dirty="0">
                 <a:latin typeface="Aptos" panose="020B0004020202020204" pitchFamily="34" charset="0"/>
-                <a:ea typeface="Arial"/>
-                <a:cs typeface="Arial"/>
-                <a:sym typeface="Arial"/>
+                <a:ea typeface="Arial" panose="020B0604020202020204"/>
+                <a:cs typeface="Arial" panose="020B0604020202020204"/>
+                <a:sym typeface="Arial" panose="020B0604020202020204"/>
               </a:rPr>
               <a:t>Provide seamless communication between user and constructor.</a:t>
             </a:r>
+            <a:endParaRPr lang="en-US" sz="2000" dirty="0">
+              <a:latin typeface="Aptos" panose="020B0004020202020204" pitchFamily="34" charset="0"/>
+              <a:ea typeface="Arial" panose="020B0604020202020204"/>
+              <a:cs typeface="Arial" panose="020B0604020202020204"/>
+              <a:sym typeface="Arial" panose="020B0604020202020204"/>
+            </a:endParaRPr>
           </a:p>
           <a:p>
             <a:pPr marL="0" indent="0">
@@ -6238,11 +5876,6 @@
         </p:txBody>
       </p:sp>
     </p:spTree>
-    <p:extLst>
-      <p:ext uri="{BB962C8B-B14F-4D97-AF65-F5344CB8AC3E}">
-        <p14:creationId xmlns:p14="http://schemas.microsoft.com/office/powerpoint/2010/main" val="3663239005"/>
-      </p:ext>
-    </p:extLst>
   </p:cSld>
   <p:clrMapOvr>
     <a:masterClrMapping/>
@@ -6269,13 +5902,7 @@
       </p:grpSpPr>
       <p:sp>
         <p:nvSpPr>
-          <p:cNvPr id="2" name="Title 1">
-            <a:extLst>
-              <a:ext uri="{FF2B5EF4-FFF2-40B4-BE49-F238E27FC236}">
-                <a16:creationId xmlns:a16="http://schemas.microsoft.com/office/drawing/2014/main" id="{804EAEA0-DFF9-FAC6-39B7-124D4DE937CC}"/>
-              </a:ext>
-            </a:extLst>
-          </p:cNvPr>
+          <p:cNvPr id="2" name="Title 1"/>
           <p:cNvSpPr>
             <a:spLocks noGrp="1"/>
           </p:cNvSpPr>
@@ -6289,7 +5916,7 @@
           <a:lstStyle/>
           <a:p>
             <a:r>
-              <a:rPr lang="en" sz="4400" b="1" dirty="0">
+              <a:rPr lang="en-GB" sz="4400" b="1" dirty="0">
                 <a:latin typeface="Agency FB" panose="020B0503020202020204" pitchFamily="34" charset="0"/>
                 <a:ea typeface="Roboto"/>
                 <a:cs typeface="Roboto"/>
@@ -6305,13 +5932,7 @@
       </p:sp>
       <p:sp>
         <p:nvSpPr>
-          <p:cNvPr id="3" name="Content Placeholder 2">
-            <a:extLst>
-              <a:ext uri="{FF2B5EF4-FFF2-40B4-BE49-F238E27FC236}">
-                <a16:creationId xmlns:a16="http://schemas.microsoft.com/office/drawing/2014/main" id="{FA894328-8643-BE56-EAD7-49E4E7B4BD2B}"/>
-              </a:ext>
-            </a:extLst>
-          </p:cNvPr>
+          <p:cNvPr id="3" name="Content Placeholder 2"/>
           <p:cNvSpPr>
             <a:spLocks noGrp="1"/>
           </p:cNvSpPr>
@@ -6337,27 +5958,33 @@
                 <a:schemeClr val="dk1"/>
               </a:buClr>
               <a:buSzPts val="1100"/>
-              <a:buFont typeface="Arial"/>
+              <a:buFont typeface="Arial" panose="020B0604020202020204"/>
               <a:buNone/>
             </a:pPr>
             <a:r>
               <a:rPr lang="en-US" sz="2000" b="1" dirty="0">
                 <a:latin typeface="Aptos" panose="020B0004020202020204" pitchFamily="34" charset="0"/>
-                <a:ea typeface="Arial"/>
-                <a:cs typeface="Arial"/>
-                <a:sym typeface="Arial"/>
+                <a:ea typeface="Arial" panose="020B0604020202020204"/>
+                <a:cs typeface="Arial" panose="020B0604020202020204"/>
+                <a:sym typeface="Arial" panose="020B0604020202020204"/>
               </a:rPr>
               <a:t>User Features</a:t>
             </a:r>
             <a:r>
               <a:rPr lang="en-US" sz="2000" dirty="0">
                 <a:latin typeface="Aptos" panose="020B0004020202020204" pitchFamily="34" charset="0"/>
-                <a:ea typeface="Arial"/>
-                <a:cs typeface="Arial"/>
-                <a:sym typeface="Arial"/>
+                <a:ea typeface="Arial" panose="020B0604020202020204"/>
+                <a:cs typeface="Arial" panose="020B0604020202020204"/>
+                <a:sym typeface="Arial" panose="020B0604020202020204"/>
               </a:rPr>
               <a:t>:</a:t>
             </a:r>
+            <a:endParaRPr lang="en-US" sz="2000" dirty="0">
+              <a:latin typeface="Aptos" panose="020B0004020202020204" pitchFamily="34" charset="0"/>
+              <a:ea typeface="Arial" panose="020B0604020202020204"/>
+              <a:cs typeface="Arial" panose="020B0604020202020204"/>
+              <a:sym typeface="Arial" panose="020B0604020202020204"/>
+            </a:endParaRPr>
           </a:p>
           <a:p>
             <a:pPr marL="457200" lvl="0" indent="-304800" algn="l" rtl="0">
@@ -6368,18 +5995,24 @@
                 <a:spcPts val="0"/>
               </a:spcAft>
               <a:buSzPts val="1200"/>
-              <a:buFont typeface="Arial"/>
+              <a:buFont typeface="Arial" panose="020B0604020202020204"/>
               <a:buChar char="●"/>
             </a:pPr>
             <a:r>
               <a:rPr lang="en-US" sz="2000" dirty="0">
                 <a:latin typeface="Aptos" panose="020B0004020202020204" pitchFamily="34" charset="0"/>
-                <a:ea typeface="Arial"/>
-                <a:cs typeface="Arial"/>
-                <a:sym typeface="Arial"/>
+                <a:ea typeface="Arial" panose="020B0604020202020204"/>
+                <a:cs typeface="Arial" panose="020B0604020202020204"/>
+                <a:sym typeface="Arial" panose="020B0604020202020204"/>
               </a:rPr>
               <a:t>Create requests for area that is to be estimated.</a:t>
             </a:r>
+            <a:endParaRPr lang="en-US" sz="2000" dirty="0">
+              <a:latin typeface="Aptos" panose="020B0004020202020204" pitchFamily="34" charset="0"/>
+              <a:ea typeface="Arial" panose="020B0604020202020204"/>
+              <a:cs typeface="Arial" panose="020B0604020202020204"/>
+              <a:sym typeface="Arial" panose="020B0604020202020204"/>
+            </a:endParaRPr>
           </a:p>
           <a:p>
             <a:pPr marL="457200" lvl="0" indent="-304800" algn="l" rtl="0">
@@ -6390,18 +6023,24 @@
                 <a:spcPts val="0"/>
               </a:spcAft>
               <a:buSzPts val="1200"/>
-              <a:buFont typeface="Arial"/>
+              <a:buFont typeface="Arial" panose="020B0604020202020204"/>
               <a:buChar char="●"/>
             </a:pPr>
             <a:r>
               <a:rPr lang="en-US" sz="2000" dirty="0">
                 <a:latin typeface="Aptos" panose="020B0004020202020204" pitchFamily="34" charset="0"/>
-                <a:ea typeface="Arial"/>
-                <a:cs typeface="Arial"/>
-                <a:sym typeface="Arial"/>
+                <a:ea typeface="Arial" panose="020B0604020202020204"/>
+                <a:cs typeface="Arial" panose="020B0604020202020204"/>
+                <a:sym typeface="Arial" panose="020B0604020202020204"/>
               </a:rPr>
               <a:t>Access the reports generated by the constructor.</a:t>
             </a:r>
+            <a:endParaRPr lang="en-US" sz="2000" dirty="0">
+              <a:latin typeface="Aptos" panose="020B0004020202020204" pitchFamily="34" charset="0"/>
+              <a:ea typeface="Arial" panose="020B0604020202020204"/>
+              <a:cs typeface="Arial" panose="020B0604020202020204"/>
+              <a:sym typeface="Arial" panose="020B0604020202020204"/>
+            </a:endParaRPr>
           </a:p>
           <a:p>
             <a:pPr marL="457200" lvl="0" indent="-304800" algn="l" rtl="0">
@@ -6412,18 +6051,24 @@
                 <a:spcPts val="0"/>
               </a:spcAft>
               <a:buSzPts val="1200"/>
-              <a:buFont typeface="Arial"/>
+              <a:buFont typeface="Arial" panose="020B0604020202020204"/>
               <a:buChar char="●"/>
             </a:pPr>
             <a:r>
               <a:rPr lang="en-US" sz="2000" dirty="0">
                 <a:latin typeface="Aptos" panose="020B0004020202020204" pitchFamily="34" charset="0"/>
-                <a:ea typeface="Arial"/>
-                <a:cs typeface="Arial"/>
-                <a:sym typeface="Arial"/>
+                <a:ea typeface="Arial" panose="020B0604020202020204"/>
+                <a:cs typeface="Arial" panose="020B0604020202020204"/>
+                <a:sym typeface="Arial" panose="020B0604020202020204"/>
               </a:rPr>
               <a:t>View reports generated by different constructors.</a:t>
             </a:r>
+            <a:endParaRPr lang="en-US" sz="2000" dirty="0">
+              <a:latin typeface="Aptos" panose="020B0004020202020204" pitchFamily="34" charset="0"/>
+              <a:ea typeface="Arial" panose="020B0604020202020204"/>
+              <a:cs typeface="Arial" panose="020B0604020202020204"/>
+              <a:sym typeface="Arial" panose="020B0604020202020204"/>
+            </a:endParaRPr>
           </a:p>
           <a:p>
             <a:pPr marL="0" lvl="0" indent="0" algn="l" rtl="0">
@@ -6437,27 +6082,33 @@
                 <a:schemeClr val="dk1"/>
               </a:buClr>
               <a:buSzPts val="1100"/>
-              <a:buFont typeface="Arial"/>
+              <a:buFont typeface="Arial" panose="020B0604020202020204"/>
               <a:buNone/>
             </a:pPr>
             <a:r>
               <a:rPr lang="en-US" sz="2000" b="1" dirty="0">
                 <a:latin typeface="Aptos" panose="020B0004020202020204" pitchFamily="34" charset="0"/>
-                <a:ea typeface="Arial"/>
-                <a:cs typeface="Arial"/>
-                <a:sym typeface="Arial"/>
+                <a:ea typeface="Arial" panose="020B0604020202020204"/>
+                <a:cs typeface="Arial" panose="020B0604020202020204"/>
+                <a:sym typeface="Arial" panose="020B0604020202020204"/>
               </a:rPr>
               <a:t>Constructor Features</a:t>
             </a:r>
             <a:r>
               <a:rPr lang="en-US" sz="2000" dirty="0">
                 <a:latin typeface="Aptos" panose="020B0004020202020204" pitchFamily="34" charset="0"/>
-                <a:ea typeface="Arial"/>
-                <a:cs typeface="Arial"/>
-                <a:sym typeface="Arial"/>
+                <a:ea typeface="Arial" panose="020B0604020202020204"/>
+                <a:cs typeface="Arial" panose="020B0604020202020204"/>
+                <a:sym typeface="Arial" panose="020B0604020202020204"/>
               </a:rPr>
               <a:t>:</a:t>
             </a:r>
+            <a:endParaRPr lang="en-US" sz="2000" dirty="0">
+              <a:latin typeface="Aptos" panose="020B0004020202020204" pitchFamily="34" charset="0"/>
+              <a:ea typeface="Arial" panose="020B0604020202020204"/>
+              <a:cs typeface="Arial" panose="020B0604020202020204"/>
+              <a:sym typeface="Arial" panose="020B0604020202020204"/>
+            </a:endParaRPr>
           </a:p>
           <a:p>
             <a:pPr marL="457200" lvl="0" indent="-304800" algn="l" rtl="0">
@@ -6468,18 +6119,24 @@
                 <a:spcPts val="0"/>
               </a:spcAft>
               <a:buSzPts val="1200"/>
-              <a:buFont typeface="Arial"/>
+              <a:buFont typeface="Arial" panose="020B0604020202020204"/>
               <a:buChar char="●"/>
             </a:pPr>
             <a:r>
               <a:rPr lang="en-US" sz="2000" dirty="0">
                 <a:latin typeface="Aptos" panose="020B0004020202020204" pitchFamily="34" charset="0"/>
-                <a:ea typeface="Arial"/>
-                <a:cs typeface="Arial"/>
-                <a:sym typeface="Arial"/>
+                <a:ea typeface="Arial" panose="020B0604020202020204"/>
+                <a:cs typeface="Arial" panose="020B0604020202020204"/>
+                <a:sym typeface="Arial" panose="020B0604020202020204"/>
               </a:rPr>
               <a:t>View all the area requests generated by users.</a:t>
             </a:r>
+            <a:endParaRPr lang="en-US" sz="2000" dirty="0">
+              <a:latin typeface="Aptos" panose="020B0004020202020204" pitchFamily="34" charset="0"/>
+              <a:ea typeface="Arial" panose="020B0604020202020204"/>
+              <a:cs typeface="Arial" panose="020B0604020202020204"/>
+              <a:sym typeface="Arial" panose="020B0604020202020204"/>
+            </a:endParaRPr>
           </a:p>
           <a:p>
             <a:pPr marL="457200" lvl="0" indent="-304800" algn="l" rtl="0">
@@ -6490,18 +6147,24 @@
                 <a:spcPts val="0"/>
               </a:spcAft>
               <a:buSzPts val="1200"/>
-              <a:buFont typeface="Arial"/>
+              <a:buFont typeface="Arial" panose="020B0604020202020204"/>
               <a:buChar char="●"/>
             </a:pPr>
             <a:r>
               <a:rPr lang="en-US" sz="2000" dirty="0">
                 <a:latin typeface="Aptos" panose="020B0004020202020204" pitchFamily="34" charset="0"/>
-                <a:ea typeface="Arial"/>
-                <a:cs typeface="Arial"/>
-                <a:sym typeface="Arial"/>
+                <a:ea typeface="Arial" panose="020B0604020202020204"/>
+                <a:cs typeface="Arial" panose="020B0604020202020204"/>
+                <a:sym typeface="Arial" panose="020B0604020202020204"/>
               </a:rPr>
               <a:t>Estimate the cost for user’s area request based on various factors.</a:t>
             </a:r>
+            <a:endParaRPr lang="en-US" sz="2000" dirty="0">
+              <a:latin typeface="Aptos" panose="020B0004020202020204" pitchFamily="34" charset="0"/>
+              <a:ea typeface="Arial" panose="020B0604020202020204"/>
+              <a:cs typeface="Arial" panose="020B0604020202020204"/>
+              <a:sym typeface="Arial" panose="020B0604020202020204"/>
+            </a:endParaRPr>
           </a:p>
           <a:p>
             <a:pPr marL="457200" lvl="0" indent="-304800" algn="l" rtl="0">
@@ -6512,18 +6175,24 @@
                 <a:spcPts val="0"/>
               </a:spcAft>
               <a:buSzPts val="1200"/>
-              <a:buFont typeface="Arial"/>
+              <a:buFont typeface="Arial" panose="020B0604020202020204"/>
               <a:buChar char="●"/>
             </a:pPr>
             <a:r>
               <a:rPr lang="en-US" sz="2000" dirty="0">
                 <a:latin typeface="Aptos" panose="020B0004020202020204" pitchFamily="34" charset="0"/>
-                <a:ea typeface="Arial"/>
-                <a:cs typeface="Arial"/>
-                <a:sym typeface="Arial"/>
+                <a:ea typeface="Arial" panose="020B0604020202020204"/>
+                <a:cs typeface="Arial" panose="020B0604020202020204"/>
+                <a:sym typeface="Arial" panose="020B0604020202020204"/>
               </a:rPr>
               <a:t>Share the report to user</a:t>
             </a:r>
+            <a:endParaRPr lang="en-US" sz="2000" dirty="0">
+              <a:latin typeface="Aptos" panose="020B0004020202020204" pitchFamily="34" charset="0"/>
+              <a:ea typeface="Arial" panose="020B0604020202020204"/>
+              <a:cs typeface="Arial" panose="020B0604020202020204"/>
+              <a:sym typeface="Arial" panose="020B0604020202020204"/>
+            </a:endParaRPr>
           </a:p>
           <a:p>
             <a:pPr marL="0" lvl="0" indent="0" algn="l" rtl="0">
@@ -6537,27 +6206,33 @@
                 <a:schemeClr val="dk1"/>
               </a:buClr>
               <a:buSzPts val="1100"/>
-              <a:buFont typeface="Arial"/>
+              <a:buFont typeface="Arial" panose="020B0604020202020204"/>
               <a:buNone/>
             </a:pPr>
             <a:r>
               <a:rPr lang="en-US" sz="2000" b="1" dirty="0">
                 <a:latin typeface="Aptos" panose="020B0004020202020204" pitchFamily="34" charset="0"/>
-                <a:ea typeface="Arial"/>
-                <a:cs typeface="Arial"/>
-                <a:sym typeface="Arial"/>
+                <a:ea typeface="Arial" panose="020B0604020202020204"/>
+                <a:cs typeface="Arial" panose="020B0604020202020204"/>
+                <a:sym typeface="Arial" panose="020B0604020202020204"/>
               </a:rPr>
               <a:t>Other Functionalities</a:t>
             </a:r>
             <a:r>
               <a:rPr lang="en-US" sz="2000" dirty="0">
                 <a:latin typeface="Aptos" panose="020B0004020202020204" pitchFamily="34" charset="0"/>
-                <a:ea typeface="Arial"/>
-                <a:cs typeface="Arial"/>
-                <a:sym typeface="Arial"/>
+                <a:ea typeface="Arial" panose="020B0604020202020204"/>
+                <a:cs typeface="Arial" panose="020B0604020202020204"/>
+                <a:sym typeface="Arial" panose="020B0604020202020204"/>
               </a:rPr>
               <a:t>:</a:t>
             </a:r>
+            <a:endParaRPr lang="en-US" sz="2000" dirty="0">
+              <a:latin typeface="Aptos" panose="020B0004020202020204" pitchFamily="34" charset="0"/>
+              <a:ea typeface="Arial" panose="020B0604020202020204"/>
+              <a:cs typeface="Arial" panose="020B0604020202020204"/>
+              <a:sym typeface="Arial" panose="020B0604020202020204"/>
+            </a:endParaRPr>
           </a:p>
           <a:p>
             <a:pPr marL="457200" lvl="0" indent="-304800" algn="l" rtl="0">
@@ -6568,18 +6243,24 @@
                 <a:spcPts val="0"/>
               </a:spcAft>
               <a:buSzPts val="1200"/>
-              <a:buFont typeface="Arial"/>
+              <a:buFont typeface="Arial" panose="020B0604020202020204"/>
               <a:buChar char="●"/>
             </a:pPr>
             <a:r>
               <a:rPr lang="en-US" sz="2000" dirty="0">
                 <a:latin typeface="Aptos" panose="020B0004020202020204" pitchFamily="34" charset="0"/>
-                <a:ea typeface="Arial"/>
-                <a:cs typeface="Arial"/>
-                <a:sym typeface="Arial"/>
+                <a:ea typeface="Arial" panose="020B0604020202020204"/>
+                <a:cs typeface="Arial" panose="020B0604020202020204"/>
+                <a:sym typeface="Arial" panose="020B0604020202020204"/>
               </a:rPr>
               <a:t>JWT-based authentication for user and constructor.</a:t>
             </a:r>
+            <a:endParaRPr lang="en-US" sz="2000" dirty="0">
+              <a:latin typeface="Aptos" panose="020B0004020202020204" pitchFamily="34" charset="0"/>
+              <a:ea typeface="Arial" panose="020B0604020202020204"/>
+              <a:cs typeface="Arial" panose="020B0604020202020204"/>
+              <a:sym typeface="Arial" panose="020B0604020202020204"/>
+            </a:endParaRPr>
           </a:p>
           <a:p>
             <a:pPr marL="457200" lvl="0" indent="-304800" algn="l" rtl="0">
@@ -6590,27 +6271,28 @@
                 <a:spcPts val="0"/>
               </a:spcAft>
               <a:buSzPts val="1200"/>
-              <a:buFont typeface="Arial"/>
+              <a:buFont typeface="Arial" panose="020B0604020202020204"/>
               <a:buChar char="●"/>
             </a:pPr>
             <a:r>
               <a:rPr lang="en-US" sz="2000" dirty="0">
                 <a:latin typeface="Aptos" panose="020B0004020202020204" pitchFamily="34" charset="0"/>
-                <a:ea typeface="Arial"/>
-                <a:cs typeface="Arial"/>
-                <a:sym typeface="Arial"/>
+                <a:ea typeface="Arial" panose="020B0604020202020204"/>
+                <a:cs typeface="Arial" panose="020B0604020202020204"/>
+                <a:sym typeface="Arial" panose="020B0604020202020204"/>
               </a:rPr>
               <a:t>Admin dashboard to view all the reports.</a:t>
             </a:r>
+            <a:endParaRPr lang="en-US" sz="2000" dirty="0">
+              <a:latin typeface="Aptos" panose="020B0004020202020204" pitchFamily="34" charset="0"/>
+              <a:ea typeface="Arial" panose="020B0604020202020204"/>
+              <a:cs typeface="Arial" panose="020B0604020202020204"/>
+              <a:sym typeface="Arial" panose="020B0604020202020204"/>
+            </a:endParaRPr>
           </a:p>
         </p:txBody>
       </p:sp>
     </p:spTree>
-    <p:extLst>
-      <p:ext uri="{BB962C8B-B14F-4D97-AF65-F5344CB8AC3E}">
-        <p14:creationId xmlns:p14="http://schemas.microsoft.com/office/powerpoint/2010/main" val="1542632112"/>
-      </p:ext>
-    </p:extLst>
   </p:cSld>
   <p:clrMapOvr>
     <a:masterClrMapping/>
@@ -6645,26 +6327,11 @@
       </p:grpSpPr>
       <p:sp useBgFill="1">
         <p:nvSpPr>
-          <p:cNvPr id="1031" name="Rectangle 1030">
-            <a:extLst>
-              <a:ext uri="{FF2B5EF4-FFF2-40B4-BE49-F238E27FC236}">
-                <a16:creationId xmlns:a16="http://schemas.microsoft.com/office/drawing/2014/main" id="{131BAD53-4E89-4F62-BBB7-26359763ED39}"/>
-              </a:ext>
-              <a:ext uri="{C183D7F6-B498-43B3-948B-1728B52AA6E4}">
-                <adec:decorative xmlns:adec="http://schemas.microsoft.com/office/drawing/2017/decorative" val="1"/>
-              </a:ext>
-            </a:extLst>
-          </p:cNvPr>
+          <p:cNvPr id="1031" name="Rectangle 1030"/>
           <p:cNvSpPr>
             <a:spLocks noGrp="1" noRot="1" noChangeAspect="1" noMove="1" noResize="1" noEditPoints="1" noAdjustHandles="1" noChangeArrowheads="1" noChangeShapeType="1" noTextEdit="1"/>
           </p:cNvSpPr>
-          <p:nvPr>
-            <p:extLst>
-              <p:ext uri="{386F3935-93C4-4BCD-93E2-E3B085C9AB24}">
-                <p16:designElem xmlns:p16="http://schemas.microsoft.com/office/powerpoint/2015/main" val="1"/>
-              </p:ext>
-            </p:extLst>
-          </p:nvPr>
+          <p:nvPr/>
         </p:nvSpPr>
         <p:spPr>
           <a:xfrm>
@@ -6682,7 +6349,7 @@
           <a:effectLst/>
           <a:extLst>
             <a:ext uri="{91240B29-F687-4F45-9708-019B960494DF}">
-              <a14:hiddenLine xmlns:a14="http://schemas.microsoft.com/office/drawing/2010/main" w="12700" cap="flat" cmpd="sng" algn="ctr">
+              <a14:hiddenLine xmlns:a14="http://schemas.microsoft.com/office/drawing/2010/main" w="12700">
                 <a:solidFill>
                   <a:schemeClr val="accent1">
                     <a:shade val="50000"/>
@@ -6690,6 +6357,8 @@
                 </a:solidFill>
                 <a:prstDash val="solid"/>
                 <a:miter lim="800000"/>
+                <a:headEnd/>
+                <a:tailEnd/>
               </a14:hiddenLine>
             </a:ext>
           </a:extLst>
@@ -6721,26 +6390,11 @@
       </p:sp>
       <p:sp>
         <p:nvSpPr>
-          <p:cNvPr id="1033" name="Freeform: Shape 1032">
-            <a:extLst>
-              <a:ext uri="{FF2B5EF4-FFF2-40B4-BE49-F238E27FC236}">
-                <a16:creationId xmlns:a16="http://schemas.microsoft.com/office/drawing/2014/main" id="{62756DA2-40EB-4C6F-B962-5822FFB54FB6}"/>
-              </a:ext>
-              <a:ext uri="{C183D7F6-B498-43B3-948B-1728B52AA6E4}">
-                <adec:decorative xmlns:adec="http://schemas.microsoft.com/office/drawing/2017/decorative" val="1"/>
-              </a:ext>
-            </a:extLst>
-          </p:cNvPr>
+          <p:cNvPr id="1033" name="Freeform: Shape 1032"/>
           <p:cNvSpPr>
             <a:spLocks noGrp="1" noRot="1" noChangeAspect="1" noMove="1" noResize="1" noEditPoints="1" noAdjustHandles="1" noChangeArrowheads="1" noChangeShapeType="1" noTextEdit="1"/>
           </p:cNvSpPr>
-          <p:nvPr>
-            <p:extLst>
-              <p:ext uri="{386F3935-93C4-4BCD-93E2-E3B085C9AB24}">
-                <p16:designElem xmlns:p16="http://schemas.microsoft.com/office/powerpoint/2015/main" val="1"/>
-              </p:ext>
-            </p:extLst>
-          </p:nvPr>
+          <p:nvPr/>
         </p:nvSpPr>
         <p:spPr>
           <a:xfrm>
@@ -8259,13 +7913,7 @@
       </p:sp>
       <p:sp>
         <p:nvSpPr>
-          <p:cNvPr id="2" name="Title 1">
-            <a:extLst>
-              <a:ext uri="{FF2B5EF4-FFF2-40B4-BE49-F238E27FC236}">
-                <a16:creationId xmlns:a16="http://schemas.microsoft.com/office/drawing/2014/main" id="{9F6E2878-BAF7-C188-763A-5177E9202497}"/>
-              </a:ext>
-            </a:extLst>
-          </p:cNvPr>
+          <p:cNvPr id="2" name="Title 1"/>
           <p:cNvSpPr>
             <a:spLocks noGrp="1"/>
           </p:cNvSpPr>
@@ -8286,7 +7934,7 @@
           <a:lstStyle/>
           <a:p>
             <a:r>
-              <a:rPr lang="en" b="1">
+              <a:rPr lang="en-GB" b="1">
                 <a:latin typeface="Agency FB" panose="020B0503020202020204" pitchFamily="34" charset="0"/>
                 <a:ea typeface="Roboto"/>
                 <a:cs typeface="Roboto"/>
@@ -8302,13 +7950,7 @@
       </p:sp>
       <p:sp>
         <p:nvSpPr>
-          <p:cNvPr id="3" name="Content Placeholder 2">
-            <a:extLst>
-              <a:ext uri="{FF2B5EF4-FFF2-40B4-BE49-F238E27FC236}">
-                <a16:creationId xmlns:a16="http://schemas.microsoft.com/office/drawing/2014/main" id="{5EE782B0-47C4-49FE-380A-6AEEF5501CAF}"/>
-              </a:ext>
-            </a:extLst>
-          </p:cNvPr>
+          <p:cNvPr id="3" name="Content Placeholder 2"/>
           <p:cNvSpPr>
             <a:spLocks noGrp="1"/>
           </p:cNvSpPr>
@@ -8339,27 +7981,33 @@
                 <a:spcPts val="0"/>
               </a:spcAft>
               <a:buSzPts val="1200"/>
-              <a:buFont typeface="Arial"/>
+              <a:buFont typeface="Arial" panose="020B0604020202020204"/>
               <a:buChar char="●"/>
             </a:pPr>
             <a:r>
               <a:rPr lang="en-US" sz="2000" b="1" dirty="0">
                 <a:latin typeface="Aptos" panose="020B0004020202020204" pitchFamily="34" charset="0"/>
-                <a:ea typeface="Arial"/>
-                <a:cs typeface="Arial"/>
-                <a:sym typeface="Arial"/>
+                <a:ea typeface="Arial" panose="020B0604020202020204"/>
+                <a:cs typeface="Arial" panose="020B0604020202020204"/>
+                <a:sym typeface="Arial" panose="020B0604020202020204"/>
               </a:rPr>
               <a:t>Frontend</a:t>
             </a:r>
             <a:r>
               <a:rPr lang="en-US" sz="2000" dirty="0">
                 <a:latin typeface="Aptos" panose="020B0004020202020204" pitchFamily="34" charset="0"/>
-                <a:ea typeface="Arial"/>
-                <a:cs typeface="Arial"/>
-                <a:sym typeface="Arial"/>
+                <a:ea typeface="Arial" panose="020B0604020202020204"/>
+                <a:cs typeface="Arial" panose="020B0604020202020204"/>
+                <a:sym typeface="Arial" panose="020B0604020202020204"/>
               </a:rPr>
               <a:t>:</a:t>
             </a:r>
+            <a:endParaRPr lang="en-US" sz="2000" dirty="0">
+              <a:latin typeface="Aptos" panose="020B0004020202020204" pitchFamily="34" charset="0"/>
+              <a:ea typeface="Arial" panose="020B0604020202020204"/>
+              <a:cs typeface="Arial" panose="020B0604020202020204"/>
+              <a:sym typeface="Arial" panose="020B0604020202020204"/>
+            </a:endParaRPr>
           </a:p>
           <a:p>
             <a:pPr marL="914400" lvl="1" indent="-304800" rtl="0">
@@ -8373,63 +8021,69 @@
                 <a:spcPts val="0"/>
               </a:spcAft>
               <a:buSzPts val="1200"/>
-              <a:buFont typeface="Arial"/>
+              <a:buFont typeface="Arial" panose="020B0604020202020204"/>
               <a:buChar char="○"/>
             </a:pPr>
             <a:r>
               <a:rPr lang="en-US" sz="2000" b="1" dirty="0">
                 <a:latin typeface="Aptos" panose="020B0004020202020204" pitchFamily="34" charset="0"/>
-                <a:ea typeface="Arial"/>
-                <a:cs typeface="Arial"/>
-                <a:sym typeface="Arial"/>
+                <a:ea typeface="Arial" panose="020B0604020202020204"/>
+                <a:cs typeface="Arial" panose="020B0604020202020204"/>
+                <a:sym typeface="Arial" panose="020B0604020202020204"/>
               </a:rPr>
               <a:t>React</a:t>
             </a:r>
             <a:r>
               <a:rPr lang="en-US" sz="2000" dirty="0">
                 <a:latin typeface="Aptos" panose="020B0004020202020204" pitchFamily="34" charset="0"/>
-                <a:ea typeface="Arial"/>
-                <a:cs typeface="Arial"/>
-                <a:sym typeface="Arial"/>
+                <a:ea typeface="Arial" panose="020B0604020202020204"/>
+                <a:cs typeface="Arial" panose="020B0604020202020204"/>
+                <a:sym typeface="Arial" panose="020B0604020202020204"/>
               </a:rPr>
               <a:t> with </a:t>
             </a:r>
             <a:r>
               <a:rPr lang="en-US" sz="2000" b="1" dirty="0">
                 <a:latin typeface="Aptos" panose="020B0004020202020204" pitchFamily="34" charset="0"/>
-                <a:ea typeface="Arial"/>
-                <a:cs typeface="Arial"/>
-                <a:sym typeface="Arial"/>
+                <a:ea typeface="Arial" panose="020B0604020202020204"/>
+                <a:cs typeface="Arial" panose="020B0604020202020204"/>
+                <a:sym typeface="Arial" panose="020B0604020202020204"/>
               </a:rPr>
               <a:t>TypeScript</a:t>
             </a:r>
             <a:r>
               <a:rPr lang="en-US" sz="2000" dirty="0">
                 <a:latin typeface="Aptos" panose="020B0004020202020204" pitchFamily="34" charset="0"/>
-                <a:ea typeface="Arial"/>
-                <a:cs typeface="Arial"/>
-                <a:sym typeface="Arial"/>
+                <a:ea typeface="Arial" panose="020B0604020202020204"/>
+                <a:cs typeface="Arial" panose="020B0604020202020204"/>
+                <a:sym typeface="Arial" panose="020B0604020202020204"/>
               </a:rPr>
               <a:t> and </a:t>
             </a:r>
             <a:r>
               <a:rPr lang="en-US" sz="2000" b="1" dirty="0">
                 <a:latin typeface="Aptos" panose="020B0004020202020204" pitchFamily="34" charset="0"/>
-                <a:ea typeface="Arial"/>
-                <a:cs typeface="Arial"/>
-                <a:sym typeface="Arial"/>
+                <a:ea typeface="Arial" panose="020B0604020202020204"/>
+                <a:cs typeface="Arial" panose="020B0604020202020204"/>
+                <a:sym typeface="Arial" panose="020B0604020202020204"/>
               </a:rPr>
               <a:t>Context API</a:t>
             </a:r>
             <a:r>
               <a:rPr lang="en-US" sz="2000" dirty="0">
                 <a:latin typeface="Aptos" panose="020B0004020202020204" pitchFamily="34" charset="0"/>
-                <a:ea typeface="Arial"/>
-                <a:cs typeface="Arial"/>
-                <a:sym typeface="Arial"/>
+                <a:ea typeface="Arial" panose="020B0604020202020204"/>
+                <a:cs typeface="Arial" panose="020B0604020202020204"/>
+                <a:sym typeface="Arial" panose="020B0604020202020204"/>
               </a:rPr>
               <a:t>.</a:t>
             </a:r>
+            <a:endParaRPr lang="en-US" sz="2000" dirty="0">
+              <a:latin typeface="Aptos" panose="020B0004020202020204" pitchFamily="34" charset="0"/>
+              <a:ea typeface="Arial" panose="020B0604020202020204"/>
+              <a:cs typeface="Arial" panose="020B0604020202020204"/>
+              <a:sym typeface="Arial" panose="020B0604020202020204"/>
+            </a:endParaRPr>
           </a:p>
           <a:p>
             <a:pPr marL="914400" lvl="1" indent="-304800" rtl="0">
@@ -8443,23 +8097,23 @@
                 <a:spcPts val="0"/>
               </a:spcAft>
               <a:buSzPts val="1200"/>
-              <a:buFont typeface="Arial"/>
+              <a:buFont typeface="Arial" panose="020B0604020202020204"/>
               <a:buChar char="○"/>
             </a:pPr>
             <a:r>
               <a:rPr lang="en-US" sz="2000" b="1" dirty="0">
                 <a:latin typeface="Aptos" panose="020B0004020202020204" pitchFamily="34" charset="0"/>
-                <a:ea typeface="Arial"/>
-                <a:cs typeface="Arial"/>
-                <a:sym typeface="Arial"/>
+                <a:ea typeface="Arial" panose="020B0604020202020204"/>
+                <a:cs typeface="Arial" panose="020B0604020202020204"/>
+                <a:sym typeface="Arial" panose="020B0604020202020204"/>
               </a:rPr>
               <a:t>Material UI</a:t>
             </a:r>
             <a:endParaRPr lang="en-US" sz="2000" dirty="0">
               <a:latin typeface="Aptos" panose="020B0004020202020204" pitchFamily="34" charset="0"/>
-              <a:ea typeface="Arial"/>
-              <a:cs typeface="Arial"/>
-              <a:sym typeface="Arial"/>
+              <a:ea typeface="Arial" panose="020B0604020202020204"/>
+              <a:cs typeface="Arial" panose="020B0604020202020204"/>
+              <a:sym typeface="Arial" panose="020B0604020202020204"/>
             </a:endParaRPr>
           </a:p>
           <a:p>
@@ -8474,27 +8128,33 @@
                 <a:spcPts val="0"/>
               </a:spcAft>
               <a:buSzPts val="1200"/>
-              <a:buFont typeface="Arial"/>
+              <a:buFont typeface="Arial" panose="020B0604020202020204"/>
               <a:buChar char="●"/>
             </a:pPr>
             <a:r>
               <a:rPr lang="en-US" sz="2000" b="1" dirty="0">
                 <a:latin typeface="Aptos" panose="020B0004020202020204" pitchFamily="34" charset="0"/>
-                <a:ea typeface="Arial"/>
-                <a:cs typeface="Arial"/>
-                <a:sym typeface="Arial"/>
+                <a:ea typeface="Arial" panose="020B0604020202020204"/>
+                <a:cs typeface="Arial" panose="020B0604020202020204"/>
+                <a:sym typeface="Arial" panose="020B0604020202020204"/>
               </a:rPr>
               <a:t>Backend</a:t>
             </a:r>
             <a:r>
               <a:rPr lang="en-US" sz="2000" dirty="0">
                 <a:latin typeface="Aptos" panose="020B0004020202020204" pitchFamily="34" charset="0"/>
-                <a:ea typeface="Arial"/>
-                <a:cs typeface="Arial"/>
-                <a:sym typeface="Arial"/>
+                <a:ea typeface="Arial" panose="020B0604020202020204"/>
+                <a:cs typeface="Arial" panose="020B0604020202020204"/>
+                <a:sym typeface="Arial" panose="020B0604020202020204"/>
               </a:rPr>
               <a:t>:</a:t>
             </a:r>
+            <a:endParaRPr lang="en-US" sz="2000" dirty="0">
+              <a:latin typeface="Aptos" panose="020B0004020202020204" pitchFamily="34" charset="0"/>
+              <a:ea typeface="Arial" panose="020B0604020202020204"/>
+              <a:cs typeface="Arial" panose="020B0604020202020204"/>
+              <a:sym typeface="Arial" panose="020B0604020202020204"/>
+            </a:endParaRPr>
           </a:p>
           <a:p>
             <a:pPr marL="914400" lvl="1" indent="-304800" rtl="0">
@@ -8508,45 +8168,51 @@
                 <a:spcPts val="0"/>
               </a:spcAft>
               <a:buSzPts val="1200"/>
-              <a:buFont typeface="Arial"/>
+              <a:buFont typeface="Arial" panose="020B0604020202020204"/>
               <a:buChar char="○"/>
             </a:pPr>
             <a:r>
               <a:rPr lang="en-US" sz="2000" b="1" dirty="0">
                 <a:latin typeface="Aptos" panose="020B0004020202020204" pitchFamily="34" charset="0"/>
-                <a:ea typeface="Arial"/>
-                <a:cs typeface="Arial"/>
-                <a:sym typeface="Arial"/>
+                <a:ea typeface="Arial" panose="020B0604020202020204"/>
+                <a:cs typeface="Arial" panose="020B0604020202020204"/>
+                <a:sym typeface="Arial" panose="020B0604020202020204"/>
               </a:rPr>
               <a:t>Node.js</a:t>
             </a:r>
             <a:r>
               <a:rPr lang="en-US" sz="2000" dirty="0">
                 <a:latin typeface="Aptos" panose="020B0004020202020204" pitchFamily="34" charset="0"/>
-                <a:ea typeface="Arial"/>
-                <a:cs typeface="Arial"/>
-                <a:sym typeface="Arial"/>
+                <a:ea typeface="Arial" panose="020B0604020202020204"/>
+                <a:cs typeface="Arial" panose="020B0604020202020204"/>
+                <a:sym typeface="Arial" panose="020B0604020202020204"/>
               </a:rPr>
               <a:t> and </a:t>
             </a:r>
             <a:r>
               <a:rPr lang="en-US" sz="2000" b="1" dirty="0">
                 <a:latin typeface="Aptos" panose="020B0004020202020204" pitchFamily="34" charset="0"/>
-                <a:ea typeface="Arial"/>
-                <a:cs typeface="Arial"/>
-                <a:sym typeface="Arial"/>
+                <a:ea typeface="Arial" panose="020B0604020202020204"/>
+                <a:cs typeface="Arial" panose="020B0604020202020204"/>
+                <a:sym typeface="Arial" panose="020B0604020202020204"/>
               </a:rPr>
               <a:t>Express</a:t>
             </a:r>
             <a:r>
               <a:rPr lang="en-US" sz="2000" dirty="0">
                 <a:latin typeface="Aptos" panose="020B0004020202020204" pitchFamily="34" charset="0"/>
-                <a:ea typeface="Arial"/>
-                <a:cs typeface="Arial"/>
-                <a:sym typeface="Arial"/>
+                <a:ea typeface="Arial" panose="020B0604020202020204"/>
+                <a:cs typeface="Arial" panose="020B0604020202020204"/>
+                <a:sym typeface="Arial" panose="020B0604020202020204"/>
               </a:rPr>
               <a:t> for REST APIs.</a:t>
             </a:r>
+            <a:endParaRPr lang="en-US" sz="2000" dirty="0">
+              <a:latin typeface="Aptos" panose="020B0004020202020204" pitchFamily="34" charset="0"/>
+              <a:ea typeface="Arial" panose="020B0604020202020204"/>
+              <a:cs typeface="Arial" panose="020B0604020202020204"/>
+              <a:sym typeface="Arial" panose="020B0604020202020204"/>
+            </a:endParaRPr>
           </a:p>
           <a:p>
             <a:pPr marL="457200" lvl="0" indent="-304800" algn="l" rtl="0">
@@ -8560,27 +8226,33 @@
                 <a:spcPts val="0"/>
               </a:spcAft>
               <a:buSzPts val="1200"/>
-              <a:buFont typeface="Arial"/>
+              <a:buFont typeface="Arial" panose="020B0604020202020204"/>
               <a:buChar char="●"/>
             </a:pPr>
             <a:r>
               <a:rPr lang="en-IN" sz="2000" b="1" dirty="0">
                 <a:latin typeface="Aptos" panose="020B0004020202020204" pitchFamily="34" charset="0"/>
-                <a:ea typeface="Arial"/>
-                <a:cs typeface="Arial"/>
-                <a:sym typeface="Arial"/>
+                <a:ea typeface="Arial" panose="020B0604020202020204"/>
+                <a:cs typeface="Arial" panose="020B0604020202020204"/>
+                <a:sym typeface="Arial" panose="020B0604020202020204"/>
               </a:rPr>
               <a:t>Database</a:t>
             </a:r>
             <a:r>
               <a:rPr lang="en-IN" sz="2000" dirty="0">
                 <a:latin typeface="Aptos" panose="020B0004020202020204" pitchFamily="34" charset="0"/>
-                <a:ea typeface="Arial"/>
-                <a:cs typeface="Arial"/>
-                <a:sym typeface="Arial"/>
+                <a:ea typeface="Arial" panose="020B0604020202020204"/>
+                <a:cs typeface="Arial" panose="020B0604020202020204"/>
+                <a:sym typeface="Arial" panose="020B0604020202020204"/>
               </a:rPr>
               <a:t>:</a:t>
             </a:r>
+            <a:endParaRPr lang="en-IN" sz="2000" dirty="0">
+              <a:latin typeface="Aptos" panose="020B0004020202020204" pitchFamily="34" charset="0"/>
+              <a:ea typeface="Arial" panose="020B0604020202020204"/>
+              <a:cs typeface="Arial" panose="020B0604020202020204"/>
+              <a:sym typeface="Arial" panose="020B0604020202020204"/>
+            </a:endParaRPr>
           </a:p>
           <a:p>
             <a:pPr marL="914400" lvl="1" indent="-304800" algn="l" rtl="0">
@@ -8594,27 +8266,33 @@
                 <a:spcPts val="0"/>
               </a:spcAft>
               <a:buSzPts val="1200"/>
-              <a:buFont typeface="Arial"/>
+              <a:buFont typeface="Arial" panose="020B0604020202020204"/>
               <a:buChar char="○"/>
             </a:pPr>
             <a:r>
               <a:rPr lang="en-IN" sz="2000" b="1" dirty="0">
                 <a:latin typeface="Aptos" panose="020B0004020202020204" pitchFamily="34" charset="0"/>
-                <a:ea typeface="Arial"/>
-                <a:cs typeface="Arial"/>
-                <a:sym typeface="Arial"/>
+                <a:ea typeface="Arial" panose="020B0604020202020204"/>
+                <a:cs typeface="Arial" panose="020B0604020202020204"/>
+                <a:sym typeface="Arial" panose="020B0604020202020204"/>
               </a:rPr>
               <a:t>MongoDB</a:t>
             </a:r>
             <a:r>
               <a:rPr lang="en-IN" sz="2000" dirty="0">
                 <a:latin typeface="Aptos" panose="020B0004020202020204" pitchFamily="34" charset="0"/>
-                <a:ea typeface="Arial"/>
-                <a:cs typeface="Arial"/>
-                <a:sym typeface="Arial"/>
+                <a:ea typeface="Arial" panose="020B0604020202020204"/>
+                <a:cs typeface="Arial" panose="020B0604020202020204"/>
+                <a:sym typeface="Arial" panose="020B0604020202020204"/>
               </a:rPr>
               <a:t> for document-based storage.</a:t>
             </a:r>
+            <a:endParaRPr lang="en-IN" sz="2000" dirty="0">
+              <a:latin typeface="Aptos" panose="020B0004020202020204" pitchFamily="34" charset="0"/>
+              <a:ea typeface="Arial" panose="020B0604020202020204"/>
+              <a:cs typeface="Arial" panose="020B0604020202020204"/>
+              <a:sym typeface="Arial" panose="020B0604020202020204"/>
+            </a:endParaRPr>
           </a:p>
           <a:p>
             <a:pPr marL="914400" lvl="1" indent="-304800" algn="l" rtl="0">
@@ -8628,32 +8306,32 @@
                 <a:spcPts val="0"/>
               </a:spcAft>
               <a:buSzPts val="1200"/>
-              <a:buFont typeface="Arial"/>
+              <a:buFont typeface="Arial" panose="020B0604020202020204"/>
               <a:buChar char="○"/>
             </a:pPr>
             <a:r>
               <a:rPr lang="en-IN" sz="2000" b="1" dirty="0">
                 <a:latin typeface="Aptos" panose="020B0004020202020204" pitchFamily="34" charset="0"/>
-                <a:ea typeface="Arial"/>
-                <a:cs typeface="Arial"/>
-                <a:sym typeface="Arial"/>
+                <a:ea typeface="Arial" panose="020B0604020202020204"/>
+                <a:cs typeface="Arial" panose="020B0604020202020204"/>
+                <a:sym typeface="Arial" panose="020B0604020202020204"/>
               </a:rPr>
               <a:t>Mongoose</a:t>
             </a:r>
             <a:r>
               <a:rPr lang="en-IN" sz="2000" dirty="0">
                 <a:latin typeface="Aptos" panose="020B0004020202020204" pitchFamily="34" charset="0"/>
-                <a:ea typeface="Arial"/>
-                <a:cs typeface="Arial"/>
-                <a:sym typeface="Arial"/>
+                <a:ea typeface="Arial" panose="020B0604020202020204"/>
+                <a:cs typeface="Arial" panose="020B0604020202020204"/>
+                <a:sym typeface="Arial" panose="020B0604020202020204"/>
               </a:rPr>
               <a:t> for schema modelling.</a:t>
             </a:r>
             <a:endParaRPr lang="en-US" sz="2000" dirty="0">
               <a:latin typeface="Aptos" panose="020B0004020202020204" pitchFamily="34" charset="0"/>
-              <a:ea typeface="Arial"/>
-              <a:cs typeface="Arial"/>
-              <a:sym typeface="Arial"/>
+              <a:ea typeface="Arial" panose="020B0604020202020204"/>
+              <a:cs typeface="Arial" panose="020B0604020202020204"/>
+              <a:sym typeface="Arial" panose="020B0604020202020204"/>
             </a:endParaRPr>
           </a:p>
           <a:p>
@@ -8663,20 +8341,14 @@
       </p:sp>
       <p:pic>
         <p:nvPicPr>
-          <p:cNvPr id="1026" name="Picture 2" descr="Getting started with Typescript with React Hooks - DEV Community">
-            <a:extLst>
-              <a:ext uri="{FF2B5EF4-FFF2-40B4-BE49-F238E27FC236}">
-                <a16:creationId xmlns:a16="http://schemas.microsoft.com/office/drawing/2014/main" id="{B1208E78-0D70-ECA2-46FA-E333B481EE10}"/>
-              </a:ext>
-            </a:extLst>
-          </p:cNvPr>
+          <p:cNvPr id="1026" name="Picture 2" descr="Getting started with Typescript with React Hooks - DEV Community"/>
           <p:cNvPicPr>
             <a:picLocks noChangeAspect="1" noChangeArrowheads="1"/>
           </p:cNvPicPr>
           <p:nvPr/>
         </p:nvPicPr>
         <p:blipFill>
-          <a:blip r:embed="rId2">
+          <a:blip r:embed="rId1">
             <a:extLst>
               <a:ext uri="{28A0092B-C50C-407E-A947-70E740481C1C}">
                 <a14:useLocalDpi xmlns:a14="http://schemas.microsoft.com/office/drawing/2010/main" val="0"/>
@@ -8709,20 +8381,14 @@
       </p:pic>
       <p:pic>
         <p:nvPicPr>
-          <p:cNvPr id="1028" name="Picture 4" descr="Image result for nodejs png">
-            <a:extLst>
-              <a:ext uri="{FF2B5EF4-FFF2-40B4-BE49-F238E27FC236}">
-                <a16:creationId xmlns:a16="http://schemas.microsoft.com/office/drawing/2014/main" id="{0F625485-73AE-2436-47A2-EA370E1098FA}"/>
-              </a:ext>
-            </a:extLst>
-          </p:cNvPr>
+          <p:cNvPr id="1028" name="Picture 4" descr="Image result for nodejs png"/>
           <p:cNvPicPr>
             <a:picLocks noChangeAspect="1" noChangeArrowheads="1"/>
           </p:cNvPicPr>
           <p:nvPr/>
         </p:nvPicPr>
         <p:blipFill>
-          <a:blip r:embed="rId3">
+          <a:blip r:embed="rId2">
             <a:extLst>
               <a:ext uri="{28A0092B-C50C-407E-A947-70E740481C1C}">
                 <a14:useLocalDpi xmlns:a14="http://schemas.microsoft.com/office/drawing/2010/main" val="0"/>
@@ -8755,11 +8421,6 @@
         </p:spPr>
       </p:pic>
     </p:spTree>
-    <p:extLst>
-      <p:ext uri="{BB962C8B-B14F-4D97-AF65-F5344CB8AC3E}">
-        <p14:creationId xmlns:p14="http://schemas.microsoft.com/office/powerpoint/2010/main" val="3753800207"/>
-      </p:ext>
-    </p:extLst>
   </p:cSld>
   <p:clrMapOvr>
     <a:masterClrMapping/>
@@ -8786,13 +8447,7 @@
       </p:grpSpPr>
       <p:sp>
         <p:nvSpPr>
-          <p:cNvPr id="2" name="Title 1">
-            <a:extLst>
-              <a:ext uri="{FF2B5EF4-FFF2-40B4-BE49-F238E27FC236}">
-                <a16:creationId xmlns:a16="http://schemas.microsoft.com/office/drawing/2014/main" id="{C671AE9B-4449-F05C-CD31-8DA22A9087E5}"/>
-              </a:ext>
-            </a:extLst>
-          </p:cNvPr>
+          <p:cNvPr id="2" name="Title 1"/>
           <p:cNvSpPr>
             <a:spLocks noGrp="1"/>
           </p:cNvSpPr>
@@ -8806,7 +8461,7 @@
           <a:lstStyle/>
           <a:p>
             <a:r>
-              <a:rPr lang="en" sz="4400" b="1" dirty="0">
+              <a:rPr lang="en-GB" sz="4400" b="1" dirty="0">
                 <a:latin typeface="Agency FB" panose="020B0503020202020204" pitchFamily="34" charset="0"/>
                 <a:ea typeface="Roboto"/>
                 <a:cs typeface="Roboto"/>
@@ -8822,13 +8477,7 @@
       </p:sp>
       <p:sp>
         <p:nvSpPr>
-          <p:cNvPr id="3" name="Content Placeholder 2">
-            <a:extLst>
-              <a:ext uri="{FF2B5EF4-FFF2-40B4-BE49-F238E27FC236}">
-                <a16:creationId xmlns:a16="http://schemas.microsoft.com/office/drawing/2014/main" id="{E2FDC806-FA10-60BC-6883-5A2DFD5D0B40}"/>
-              </a:ext>
-            </a:extLst>
-          </p:cNvPr>
+          <p:cNvPr id="3" name="Content Placeholder 2"/>
           <p:cNvSpPr>
             <a:spLocks noGrp="1"/>
           </p:cNvSpPr>
@@ -8852,27 +8501,33 @@
                 <a:schemeClr val="dk1"/>
               </a:buClr>
               <a:buSzPts val="1100"/>
-              <a:buFont typeface="Arial"/>
+              <a:buFont typeface="Arial" panose="020B0604020202020204"/>
               <a:buNone/>
             </a:pPr>
             <a:r>
               <a:rPr lang="en-US" sz="2000" b="1" dirty="0">
                 <a:latin typeface="Aptos" panose="020B0004020202020204" pitchFamily="34" charset="0"/>
-                <a:ea typeface="Arial"/>
-                <a:cs typeface="Arial"/>
-                <a:sym typeface="Arial"/>
+                <a:ea typeface="Arial" panose="020B0604020202020204"/>
+                <a:cs typeface="Arial" panose="020B0604020202020204"/>
+                <a:sym typeface="Arial" panose="020B0604020202020204"/>
               </a:rPr>
               <a:t>MERN Stack</a:t>
             </a:r>
             <a:r>
               <a:rPr lang="en-US" sz="2000" dirty="0">
                 <a:latin typeface="Aptos" panose="020B0004020202020204" pitchFamily="34" charset="0"/>
-                <a:ea typeface="Arial"/>
-                <a:cs typeface="Arial"/>
-                <a:sym typeface="Arial"/>
+                <a:ea typeface="Arial" panose="020B0604020202020204"/>
+                <a:cs typeface="Arial" panose="020B0604020202020204"/>
+                <a:sym typeface="Arial" panose="020B0604020202020204"/>
               </a:rPr>
               <a:t>:</a:t>
             </a:r>
+            <a:endParaRPr lang="en-US" sz="2000" dirty="0">
+              <a:latin typeface="Aptos" panose="020B0004020202020204" pitchFamily="34" charset="0"/>
+              <a:ea typeface="Arial" panose="020B0604020202020204"/>
+              <a:cs typeface="Arial" panose="020B0604020202020204"/>
+              <a:sym typeface="Arial" panose="020B0604020202020204"/>
+            </a:endParaRPr>
           </a:p>
           <a:p>
             <a:pPr marL="457200" lvl="0" indent="-304800" algn="l" rtl="0">
@@ -8883,18 +8538,24 @@
                 <a:spcPts val="0"/>
               </a:spcAft>
               <a:buSzPts val="1200"/>
-              <a:buFont typeface="Arial"/>
+              <a:buFont typeface="Arial" panose="020B0604020202020204"/>
               <a:buChar char="●"/>
             </a:pPr>
             <a:r>
               <a:rPr lang="en-US" sz="2000" dirty="0">
                 <a:latin typeface="Aptos" panose="020B0004020202020204" pitchFamily="34" charset="0"/>
-                <a:ea typeface="Arial"/>
-                <a:cs typeface="Arial"/>
-                <a:sym typeface="Arial"/>
+                <a:ea typeface="Arial" panose="020B0604020202020204"/>
+                <a:cs typeface="Arial" panose="020B0604020202020204"/>
+                <a:sym typeface="Arial" panose="020B0604020202020204"/>
               </a:rPr>
               <a:t>React (Frontend), Express with Typescript + Node.js (Backend), MongoDB (Database).</a:t>
             </a:r>
+            <a:endParaRPr lang="en-US" sz="2000" dirty="0">
+              <a:latin typeface="Aptos" panose="020B0004020202020204" pitchFamily="34" charset="0"/>
+              <a:ea typeface="Arial" panose="020B0604020202020204"/>
+              <a:cs typeface="Arial" panose="020B0604020202020204"/>
+              <a:sym typeface="Arial" panose="020B0604020202020204"/>
+            </a:endParaRPr>
           </a:p>
           <a:p>
             <a:pPr marL="0" lvl="0" indent="0" algn="l" rtl="0">
@@ -8908,27 +8569,33 @@
                 <a:schemeClr val="dk1"/>
               </a:buClr>
               <a:buSzPts val="1100"/>
-              <a:buFont typeface="Arial"/>
+              <a:buFont typeface="Arial" panose="020B0604020202020204"/>
               <a:buNone/>
             </a:pPr>
             <a:r>
               <a:rPr lang="en-US" sz="2000" b="1" dirty="0">
                 <a:latin typeface="Aptos" panose="020B0004020202020204" pitchFamily="34" charset="0"/>
-                <a:ea typeface="Arial"/>
-                <a:cs typeface="Arial"/>
-                <a:sym typeface="Arial"/>
+                <a:ea typeface="Arial" panose="020B0604020202020204"/>
+                <a:cs typeface="Arial" panose="020B0604020202020204"/>
+                <a:sym typeface="Arial" panose="020B0604020202020204"/>
               </a:rPr>
               <a:t>Microservices</a:t>
             </a:r>
             <a:r>
               <a:rPr lang="en-US" sz="2000" dirty="0">
                 <a:latin typeface="Aptos" panose="020B0004020202020204" pitchFamily="34" charset="0"/>
-                <a:ea typeface="Arial"/>
-                <a:cs typeface="Arial"/>
-                <a:sym typeface="Arial"/>
+                <a:ea typeface="Arial" panose="020B0604020202020204"/>
+                <a:cs typeface="Arial" panose="020B0604020202020204"/>
+                <a:sym typeface="Arial" panose="020B0604020202020204"/>
               </a:rPr>
               <a:t>:</a:t>
             </a:r>
+            <a:endParaRPr lang="en-US" sz="2000" dirty="0">
+              <a:latin typeface="Aptos" panose="020B0004020202020204" pitchFamily="34" charset="0"/>
+              <a:ea typeface="Arial" panose="020B0604020202020204"/>
+              <a:cs typeface="Arial" panose="020B0604020202020204"/>
+              <a:sym typeface="Arial" panose="020B0604020202020204"/>
+            </a:endParaRPr>
           </a:p>
           <a:p>
             <a:pPr marL="457200" lvl="0" indent="-304800" algn="l" rtl="0">
@@ -8939,18 +8606,24 @@
                 <a:spcPts val="0"/>
               </a:spcAft>
               <a:buSzPts val="1200"/>
-              <a:buFont typeface="Arial"/>
+              <a:buFont typeface="Arial" panose="020B0604020202020204"/>
               <a:buChar char="●"/>
             </a:pPr>
             <a:r>
               <a:rPr lang="en-US" sz="2000" dirty="0">
                 <a:latin typeface="Aptos" panose="020B0004020202020204" pitchFamily="34" charset="0"/>
-                <a:ea typeface="Arial"/>
-                <a:cs typeface="Arial"/>
-                <a:sym typeface="Arial"/>
+                <a:ea typeface="Arial" panose="020B0604020202020204"/>
+                <a:cs typeface="Arial" panose="020B0604020202020204"/>
+                <a:sym typeface="Arial" panose="020B0604020202020204"/>
               </a:rPr>
               <a:t>User Service, Constructor service, Cost-Estimate service, Report service, Area-request service, Admin</a:t>
             </a:r>
+            <a:endParaRPr lang="en-US" sz="2000" dirty="0">
+              <a:latin typeface="Aptos" panose="020B0004020202020204" pitchFamily="34" charset="0"/>
+              <a:ea typeface="Arial" panose="020B0604020202020204"/>
+              <a:cs typeface="Arial" panose="020B0604020202020204"/>
+              <a:sym typeface="Arial" panose="020B0604020202020204"/>
+            </a:endParaRPr>
           </a:p>
           <a:p>
             <a:pPr marL="0" lvl="0" indent="0" algn="l" rtl="0">
@@ -8964,27 +8637,33 @@
                 <a:schemeClr val="dk1"/>
               </a:buClr>
               <a:buSzPts val="1100"/>
-              <a:buFont typeface="Arial"/>
+              <a:buFont typeface="Arial" panose="020B0604020202020204"/>
               <a:buNone/>
             </a:pPr>
             <a:r>
               <a:rPr lang="en-US" sz="2000" b="1" dirty="0">
                 <a:latin typeface="Aptos" panose="020B0004020202020204" pitchFamily="34" charset="0"/>
-                <a:ea typeface="Arial"/>
-                <a:cs typeface="Arial"/>
-                <a:sym typeface="Arial"/>
+                <a:ea typeface="Arial" panose="020B0604020202020204"/>
+                <a:cs typeface="Arial" panose="020B0604020202020204"/>
+                <a:sym typeface="Arial" panose="020B0604020202020204"/>
               </a:rPr>
               <a:t>Flow</a:t>
             </a:r>
             <a:r>
               <a:rPr lang="en-US" sz="2000" dirty="0">
                 <a:latin typeface="Aptos" panose="020B0004020202020204" pitchFamily="34" charset="0"/>
-                <a:ea typeface="Arial"/>
-                <a:cs typeface="Arial"/>
-                <a:sym typeface="Arial"/>
+                <a:ea typeface="Arial" panose="020B0604020202020204"/>
+                <a:cs typeface="Arial" panose="020B0604020202020204"/>
+                <a:sym typeface="Arial" panose="020B0604020202020204"/>
               </a:rPr>
               <a:t>:</a:t>
             </a:r>
+            <a:endParaRPr lang="en-US" sz="2000" dirty="0">
+              <a:latin typeface="Aptos" panose="020B0004020202020204" pitchFamily="34" charset="0"/>
+              <a:ea typeface="Arial" panose="020B0604020202020204"/>
+              <a:cs typeface="Arial" panose="020B0604020202020204"/>
+              <a:sym typeface="Arial" panose="020B0604020202020204"/>
+            </a:endParaRPr>
           </a:p>
           <a:p>
             <a:pPr marL="457200" lvl="0" indent="-304800" algn="l" rtl="0">
@@ -8995,18 +8674,24 @@
                 <a:spcPts val="0"/>
               </a:spcAft>
               <a:buSzPts val="1200"/>
-              <a:buFont typeface="Arial"/>
+              <a:buFont typeface="Arial" panose="020B0604020202020204"/>
               <a:buChar char="●"/>
             </a:pPr>
             <a:r>
               <a:rPr lang="en-US" sz="2000" dirty="0">
                 <a:latin typeface="Aptos" panose="020B0004020202020204" pitchFamily="34" charset="0"/>
-                <a:ea typeface="Arial"/>
-                <a:cs typeface="Arial"/>
-                <a:sym typeface="Arial"/>
+                <a:ea typeface="Arial" panose="020B0604020202020204"/>
+                <a:cs typeface="Arial" panose="020B0604020202020204"/>
+                <a:sym typeface="Arial" panose="020B0604020202020204"/>
               </a:rPr>
               <a:t>User and Constructor authentication, session management, and role-based access control.</a:t>
             </a:r>
+            <a:endParaRPr lang="en-US" sz="2000" dirty="0">
+              <a:latin typeface="Aptos" panose="020B0004020202020204" pitchFamily="34" charset="0"/>
+              <a:ea typeface="Arial" panose="020B0604020202020204"/>
+              <a:cs typeface="Arial" panose="020B0604020202020204"/>
+              <a:sym typeface="Arial" panose="020B0604020202020204"/>
+            </a:endParaRPr>
           </a:p>
           <a:p>
             <a:pPr marL="457200" lvl="0" indent="-304800" algn="l" rtl="0">
@@ -9017,23 +8702,23 @@
                 <a:spcPts val="0"/>
               </a:spcAft>
               <a:buSzPts val="1200"/>
-              <a:buFont typeface="Arial"/>
+              <a:buFont typeface="Arial" panose="020B0604020202020204"/>
               <a:buChar char="●"/>
             </a:pPr>
             <a:r>
               <a:rPr lang="en-US" sz="2000" dirty="0">
                 <a:latin typeface="Aptos" panose="020B0004020202020204" pitchFamily="34" charset="0"/>
-                <a:ea typeface="Arial"/>
-                <a:cs typeface="Arial"/>
-                <a:sym typeface="Arial"/>
+                <a:ea typeface="Arial" panose="020B0604020202020204"/>
+                <a:cs typeface="Arial" panose="020B0604020202020204"/>
+                <a:sym typeface="Arial" panose="020B0604020202020204"/>
               </a:rPr>
               <a:t>User requests estimation for his/her land. Constructors can estimate the report and send it to the user.</a:t>
             </a:r>
             <a:endParaRPr lang="en-IN" sz="2000" dirty="0">
               <a:latin typeface="Aptos" panose="020B0004020202020204" pitchFamily="34" charset="0"/>
-              <a:ea typeface="Arial"/>
-              <a:cs typeface="Arial"/>
-              <a:sym typeface="Arial"/>
+              <a:ea typeface="Arial" panose="020B0604020202020204"/>
+              <a:cs typeface="Arial" panose="020B0604020202020204"/>
+              <a:sym typeface="Arial" panose="020B0604020202020204"/>
             </a:endParaRPr>
           </a:p>
           <a:p>
@@ -9045,33 +8730,28 @@
                 <a:spcPts val="0"/>
               </a:spcAft>
               <a:buSzPts val="1200"/>
-              <a:buFont typeface="Arial"/>
+              <a:buFont typeface="Arial" panose="020B0604020202020204"/>
               <a:buChar char="●"/>
             </a:pPr>
             <a:r>
               <a:rPr lang="en-IN" sz="2000" dirty="0">
                 <a:latin typeface="Aptos" panose="020B0004020202020204" pitchFamily="34" charset="0"/>
-                <a:ea typeface="Arial"/>
-                <a:cs typeface="Arial"/>
-                <a:sym typeface="Arial"/>
+                <a:ea typeface="Arial" panose="020B0604020202020204"/>
+                <a:cs typeface="Arial" panose="020B0604020202020204"/>
+                <a:sym typeface="Arial" panose="020B0604020202020204"/>
               </a:rPr>
               <a:t>Admin can view all requests and reports.</a:t>
             </a:r>
             <a:endParaRPr lang="en-US" sz="2000" dirty="0">
               <a:latin typeface="Aptos" panose="020B0004020202020204" pitchFamily="34" charset="0"/>
-              <a:ea typeface="Arial"/>
-              <a:cs typeface="Arial"/>
-              <a:sym typeface="Arial"/>
+              <a:ea typeface="Arial" panose="020B0604020202020204"/>
+              <a:cs typeface="Arial" panose="020B0604020202020204"/>
+              <a:sym typeface="Arial" panose="020B0604020202020204"/>
             </a:endParaRPr>
           </a:p>
         </p:txBody>
       </p:sp>
     </p:spTree>
-    <p:extLst>
-      <p:ext uri="{BB962C8B-B14F-4D97-AF65-F5344CB8AC3E}">
-        <p14:creationId xmlns:p14="http://schemas.microsoft.com/office/powerpoint/2010/main" val="2413235541"/>
-      </p:ext>
-    </p:extLst>
   </p:cSld>
   <p:clrMapOvr>
     <a:masterClrMapping/>
@@ -9106,26 +8786,11 @@
       </p:grpSpPr>
       <p:sp>
         <p:nvSpPr>
-          <p:cNvPr id="9" name="Rectangle 8">
-            <a:extLst>
-              <a:ext uri="{FF2B5EF4-FFF2-40B4-BE49-F238E27FC236}">
-                <a16:creationId xmlns:a16="http://schemas.microsoft.com/office/drawing/2014/main" id="{F3060C83-F051-4F0E-ABAD-AA0DFC48B218}"/>
-              </a:ext>
-              <a:ext uri="{C183D7F6-B498-43B3-948B-1728B52AA6E4}">
-                <adec:decorative xmlns:adec="http://schemas.microsoft.com/office/drawing/2017/decorative" val="1"/>
-              </a:ext>
-            </a:extLst>
-          </p:cNvPr>
+          <p:cNvPr id="9" name="Rectangle 8"/>
           <p:cNvSpPr>
             <a:spLocks noGrp="1" noRot="1" noChangeAspect="1" noMove="1" noResize="1" noEditPoints="1" noAdjustHandles="1" noChangeArrowheads="1" noChangeShapeType="1" noTextEdit="1"/>
           </p:cNvSpPr>
-          <p:nvPr>
-            <p:extLst>
-              <p:ext uri="{386F3935-93C4-4BCD-93E2-E3B085C9AB24}">
-                <p16:designElem xmlns:p16="http://schemas.microsoft.com/office/powerpoint/2015/main" val="1"/>
-              </p:ext>
-            </p:extLst>
-          </p:nvPr>
+          <p:nvPr/>
         </p:nvSpPr>
         <p:spPr>
           <a:xfrm>
@@ -9169,26 +8834,11 @@
       </p:sp>
       <p:sp>
         <p:nvSpPr>
-          <p:cNvPr id="11" name="Freeform: Shape 10">
-            <a:extLst>
-              <a:ext uri="{FF2B5EF4-FFF2-40B4-BE49-F238E27FC236}">
-                <a16:creationId xmlns:a16="http://schemas.microsoft.com/office/drawing/2014/main" id="{83C98ABE-055B-441F-B07E-44F97F083C39}"/>
-              </a:ext>
-              <a:ext uri="{C183D7F6-B498-43B3-948B-1728B52AA6E4}">
-                <adec:decorative xmlns:adec="http://schemas.microsoft.com/office/drawing/2017/decorative" val="1"/>
-              </a:ext>
-            </a:extLst>
-          </p:cNvPr>
+          <p:cNvPr id="11" name="Freeform: Shape 10"/>
           <p:cNvSpPr>
             <a:spLocks noGrp="1" noRot="1" noChangeAspect="1" noMove="1" noResize="1" noEditPoints="1" noAdjustHandles="1" noChangeArrowheads="1" noChangeShapeType="1" noTextEdit="1"/>
           </p:cNvSpPr>
-          <p:nvPr>
-            <p:extLst>
-              <p:ext uri="{386F3935-93C4-4BCD-93E2-E3B085C9AB24}">
-                <p16:designElem xmlns:p16="http://schemas.microsoft.com/office/powerpoint/2015/main" val="1"/>
-              </p:ext>
-            </p:extLst>
-          </p:nvPr>
+          <p:nvPr/>
         </p:nvSpPr>
         <p:spPr>
           <a:xfrm rot="18900000" flipH="1">
@@ -9285,26 +8935,11 @@
       </p:sp>
       <p:sp>
         <p:nvSpPr>
-          <p:cNvPr id="13" name="Rectangle 12">
-            <a:extLst>
-              <a:ext uri="{FF2B5EF4-FFF2-40B4-BE49-F238E27FC236}">
-                <a16:creationId xmlns:a16="http://schemas.microsoft.com/office/drawing/2014/main" id="{29FDB030-9B49-4CED-8CCD-4D99382388AC}"/>
-              </a:ext>
-              <a:ext uri="{C183D7F6-B498-43B3-948B-1728B52AA6E4}">
-                <adec:decorative xmlns:adec="http://schemas.microsoft.com/office/drawing/2017/decorative" val="1"/>
-              </a:ext>
-            </a:extLst>
-          </p:cNvPr>
+          <p:cNvPr id="13" name="Rectangle 12"/>
           <p:cNvSpPr>
             <a:spLocks noGrp="1" noRot="1" noChangeAspect="1" noMove="1" noResize="1" noEditPoints="1" noAdjustHandles="1" noChangeArrowheads="1" noChangeShapeType="1" noTextEdit="1"/>
           </p:cNvSpPr>
-          <p:nvPr>
-            <p:extLst>
-              <p:ext uri="{386F3935-93C4-4BCD-93E2-E3B085C9AB24}">
-                <p16:designElem xmlns:p16="http://schemas.microsoft.com/office/powerpoint/2015/main" val="1"/>
-              </p:ext>
-            </p:extLst>
-          </p:nvPr>
+          <p:nvPr/>
         </p:nvSpPr>
         <p:spPr>
           <a:xfrm rot="18900000" flipH="1">
@@ -9350,26 +8985,11 @@
       </p:sp>
       <p:sp>
         <p:nvSpPr>
-          <p:cNvPr id="15" name="Rectangle 14">
-            <a:extLst>
-              <a:ext uri="{FF2B5EF4-FFF2-40B4-BE49-F238E27FC236}">
-                <a16:creationId xmlns:a16="http://schemas.microsoft.com/office/drawing/2014/main" id="{3783CA14-24A1-485C-8B30-D6A5D87987AD}"/>
-              </a:ext>
-              <a:ext uri="{C183D7F6-B498-43B3-948B-1728B52AA6E4}">
-                <adec:decorative xmlns:adec="http://schemas.microsoft.com/office/drawing/2017/decorative" val="1"/>
-              </a:ext>
-            </a:extLst>
-          </p:cNvPr>
+          <p:cNvPr id="15" name="Rectangle 14"/>
           <p:cNvSpPr>
             <a:spLocks noGrp="1" noRot="1" noChangeAspect="1" noMove="1" noResize="1" noEditPoints="1" noAdjustHandles="1" noChangeArrowheads="1" noChangeShapeType="1" noTextEdit="1"/>
           </p:cNvSpPr>
-          <p:nvPr>
-            <p:extLst>
-              <p:ext uri="{386F3935-93C4-4BCD-93E2-E3B085C9AB24}">
-                <p16:designElem xmlns:p16="http://schemas.microsoft.com/office/powerpoint/2015/main" val="1"/>
-              </p:ext>
-            </p:extLst>
-          </p:nvPr>
+          <p:nvPr/>
         </p:nvSpPr>
         <p:spPr>
           <a:xfrm rot="18900000" flipH="1">
@@ -9415,26 +9035,11 @@
       </p:sp>
       <p:sp>
         <p:nvSpPr>
-          <p:cNvPr id="17" name="Freeform: Shape 16">
-            <a:extLst>
-              <a:ext uri="{FF2B5EF4-FFF2-40B4-BE49-F238E27FC236}">
-                <a16:creationId xmlns:a16="http://schemas.microsoft.com/office/drawing/2014/main" id="{9A97C86A-04D6-40F7-AE84-31AB43E6A846}"/>
-              </a:ext>
-              <a:ext uri="{C183D7F6-B498-43B3-948B-1728B52AA6E4}">
-                <adec:decorative xmlns:adec="http://schemas.microsoft.com/office/drawing/2017/decorative" val="1"/>
-              </a:ext>
-            </a:extLst>
-          </p:cNvPr>
+          <p:cNvPr id="17" name="Freeform: Shape 16"/>
           <p:cNvSpPr>
             <a:spLocks noGrp="1" noRot="1" noChangeAspect="1" noMove="1" noResize="1" noEditPoints="1" noAdjustHandles="1" noChangeArrowheads="1" noChangeShapeType="1" noTextEdit="1"/>
           </p:cNvSpPr>
-          <p:nvPr>
-            <p:extLst>
-              <p:ext uri="{386F3935-93C4-4BCD-93E2-E3B085C9AB24}">
-                <p16:designElem xmlns:p16="http://schemas.microsoft.com/office/powerpoint/2015/main" val="1"/>
-              </p:ext>
-            </p:extLst>
-          </p:nvPr>
+          <p:nvPr/>
         </p:nvSpPr>
         <p:spPr>
           <a:xfrm rot="10800000" flipH="1">
@@ -9525,26 +9130,11 @@
       </p:sp>
       <p:sp>
         <p:nvSpPr>
-          <p:cNvPr id="19" name="Isosceles Triangle 18">
-            <a:extLst>
-              <a:ext uri="{FF2B5EF4-FFF2-40B4-BE49-F238E27FC236}">
-                <a16:creationId xmlns:a16="http://schemas.microsoft.com/office/drawing/2014/main" id="{FF9F2414-84E8-453E-B1F3-389FDE8192D9}"/>
-              </a:ext>
-              <a:ext uri="{C183D7F6-B498-43B3-948B-1728B52AA6E4}">
-                <adec:decorative xmlns:adec="http://schemas.microsoft.com/office/drawing/2017/decorative" val="1"/>
-              </a:ext>
-            </a:extLst>
-          </p:cNvPr>
+          <p:cNvPr id="19" name="Isosceles Triangle 18"/>
           <p:cNvSpPr>
             <a:spLocks noGrp="1" noRot="1" noChangeAspect="1" noMove="1" noResize="1" noEditPoints="1" noAdjustHandles="1" noChangeArrowheads="1" noChangeShapeType="1" noTextEdit="1"/>
           </p:cNvSpPr>
-          <p:nvPr>
-            <p:extLst>
-              <p:ext uri="{386F3935-93C4-4BCD-93E2-E3B085C9AB24}">
-                <p16:designElem xmlns:p16="http://schemas.microsoft.com/office/powerpoint/2015/main" val="1"/>
-              </p:ext>
-            </p:extLst>
-          </p:nvPr>
+          <p:nvPr/>
         </p:nvSpPr>
         <p:spPr>
           <a:xfrm flipH="1">
@@ -9590,13 +9180,7 @@
       </p:sp>
       <p:pic>
         <p:nvPicPr>
-          <p:cNvPr id="4" name="Google Shape;116;p21" descr="A timeline with colorful circles and text&#10;&#10;Description automatically generated">
-            <a:extLst>
-              <a:ext uri="{FF2B5EF4-FFF2-40B4-BE49-F238E27FC236}">
-                <a16:creationId xmlns:a16="http://schemas.microsoft.com/office/drawing/2014/main" id="{2A83F1E3-5990-6129-8F5A-1E5126D67072}"/>
-              </a:ext>
-            </a:extLst>
-          </p:cNvPr>
+          <p:cNvPr id="4" name="Google Shape;116;p21" descr="A timeline with colorful circles and text&#10;&#10;Description automatically generated"/>
           <p:cNvPicPr preferRelativeResize="0">
             <a:picLocks noGrp="1"/>
           </p:cNvPicPr>
@@ -9605,7 +9189,7 @@
           </p:nvPr>
         </p:nvPicPr>
         <p:blipFill>
-          <a:blip r:embed="rId2"/>
+          <a:blip r:embed="rId1"/>
           <a:stretch>
             <a:fillRect/>
           </a:stretch>
@@ -9626,26 +9210,11 @@
       </p:pic>
       <p:sp>
         <p:nvSpPr>
-          <p:cNvPr id="21" name="Isosceles Triangle 20">
-            <a:extLst>
-              <a:ext uri="{FF2B5EF4-FFF2-40B4-BE49-F238E27FC236}">
-                <a16:creationId xmlns:a16="http://schemas.microsoft.com/office/drawing/2014/main" id="{3ECA69A1-7536-43AC-85EF-C7106179F5ED}"/>
-              </a:ext>
-              <a:ext uri="{C183D7F6-B498-43B3-948B-1728B52AA6E4}">
-                <adec:decorative xmlns:adec="http://schemas.microsoft.com/office/drawing/2017/decorative" val="1"/>
-              </a:ext>
-            </a:extLst>
-          </p:cNvPr>
+          <p:cNvPr id="21" name="Isosceles Triangle 20"/>
           <p:cNvSpPr>
             <a:spLocks noGrp="1" noRot="1" noChangeAspect="1" noMove="1" noResize="1" noEditPoints="1" noAdjustHandles="1" noChangeArrowheads="1" noChangeShapeType="1" noTextEdit="1"/>
           </p:cNvSpPr>
-          <p:nvPr>
-            <p:extLst>
-              <p:ext uri="{386F3935-93C4-4BCD-93E2-E3B085C9AB24}">
-                <p16:designElem xmlns:p16="http://schemas.microsoft.com/office/powerpoint/2015/main" val="1"/>
-              </p:ext>
-            </p:extLst>
-          </p:nvPr>
+          <p:nvPr/>
         </p:nvSpPr>
         <p:spPr>
           <a:xfrm flipH="1">
@@ -9690,11 +9259,6 @@
         </p:txBody>
       </p:sp>
     </p:spTree>
-    <p:extLst>
-      <p:ext uri="{BB962C8B-B14F-4D97-AF65-F5344CB8AC3E}">
-        <p14:creationId xmlns:p14="http://schemas.microsoft.com/office/powerpoint/2010/main" val="225023104"/>
-      </p:ext>
-    </p:extLst>
   </p:cSld>
   <p:clrMapOvr>
     <a:masterClrMapping/>
@@ -9721,13 +9285,7 @@
       </p:grpSpPr>
       <p:sp>
         <p:nvSpPr>
-          <p:cNvPr id="2" name="Title 1">
-            <a:extLst>
-              <a:ext uri="{FF2B5EF4-FFF2-40B4-BE49-F238E27FC236}">
-                <a16:creationId xmlns:a16="http://schemas.microsoft.com/office/drawing/2014/main" id="{0AC46E3D-E5D4-3C42-14B2-43D9CADA77C6}"/>
-              </a:ext>
-            </a:extLst>
-          </p:cNvPr>
+          <p:cNvPr id="2" name="Title 1"/>
           <p:cNvSpPr>
             <a:spLocks noGrp="1"/>
           </p:cNvSpPr>
@@ -9741,11 +9299,11 @@
           <a:lstStyle/>
           <a:p>
             <a:r>
-              <a:rPr lang="en" sz="4400" b="1" dirty="0">
+              <a:rPr lang="en-GB" sz="4400" b="1" dirty="0">
                 <a:latin typeface="Agency FB" panose="020B0503020202020204" pitchFamily="34" charset="0"/>
-                <a:ea typeface="Arial"/>
-                <a:cs typeface="Arial"/>
-                <a:sym typeface="Arial"/>
+                <a:ea typeface="Arial" panose="020B0604020202020204"/>
+                <a:cs typeface="Arial" panose="020B0604020202020204"/>
+                <a:sym typeface="Arial" panose="020B0604020202020204"/>
               </a:rPr>
               <a:t>Challenges and Solutions</a:t>
             </a:r>
@@ -9757,13 +9315,7 @@
       </p:sp>
       <p:sp>
         <p:nvSpPr>
-          <p:cNvPr id="3" name="Content Placeholder 2">
-            <a:extLst>
-              <a:ext uri="{FF2B5EF4-FFF2-40B4-BE49-F238E27FC236}">
-                <a16:creationId xmlns:a16="http://schemas.microsoft.com/office/drawing/2014/main" id="{7500E9C2-92FD-3BDA-02F9-2CEA5906E937}"/>
-              </a:ext>
-            </a:extLst>
-          </p:cNvPr>
+          <p:cNvPr id="3" name="Content Placeholder 2"/>
           <p:cNvSpPr>
             <a:spLocks noGrp="1"/>
           </p:cNvSpPr>
@@ -9788,21 +9340,27 @@
             <a:r>
               <a:rPr lang="en-US" sz="2000" b="1" dirty="0">
                 <a:latin typeface="Aptos" panose="020B0004020202020204" pitchFamily="34" charset="0"/>
-                <a:ea typeface="Arial"/>
-                <a:cs typeface="Arial"/>
-                <a:sym typeface="Arial"/>
+                <a:ea typeface="Arial" panose="020B0604020202020204"/>
+                <a:cs typeface="Arial" panose="020B0604020202020204"/>
+                <a:sym typeface="Arial" panose="020B0604020202020204"/>
               </a:rPr>
               <a:t>Authentication</a:t>
             </a:r>
             <a:r>
               <a:rPr lang="en-US" sz="2000" dirty="0">
                 <a:latin typeface="Aptos" panose="020B0004020202020204" pitchFamily="34" charset="0"/>
-                <a:ea typeface="Arial"/>
-                <a:cs typeface="Arial"/>
-                <a:sym typeface="Arial"/>
+                <a:ea typeface="Arial" panose="020B0604020202020204"/>
+                <a:cs typeface="Arial" panose="020B0604020202020204"/>
+                <a:sym typeface="Arial" panose="020B0604020202020204"/>
               </a:rPr>
               <a:t>:</a:t>
             </a:r>
+            <a:endParaRPr lang="en-US" sz="2000" dirty="0">
+              <a:latin typeface="Aptos" panose="020B0004020202020204" pitchFamily="34" charset="0"/>
+              <a:ea typeface="Arial" panose="020B0604020202020204"/>
+              <a:cs typeface="Arial" panose="020B0604020202020204"/>
+              <a:sym typeface="Arial" panose="020B0604020202020204"/>
+            </a:endParaRPr>
           </a:p>
           <a:p>
             <a:pPr marL="457200" lvl="0" indent="-304800" algn="l" rtl="0">
@@ -9813,27 +9371,33 @@
                 <a:spcPts val="0"/>
               </a:spcAft>
               <a:buSzPts val="1200"/>
-              <a:buFont typeface="Arial"/>
+              <a:buFont typeface="Arial" panose="020B0604020202020204"/>
               <a:buChar char="●"/>
             </a:pPr>
             <a:r>
               <a:rPr lang="en-US" sz="2000" b="1" dirty="0">
                 <a:latin typeface="Aptos" panose="020B0004020202020204" pitchFamily="34" charset="0"/>
-                <a:ea typeface="Arial"/>
-                <a:cs typeface="Arial"/>
-                <a:sym typeface="Arial"/>
+                <a:ea typeface="Arial" panose="020B0604020202020204"/>
+                <a:cs typeface="Arial" panose="020B0604020202020204"/>
+                <a:sym typeface="Arial" panose="020B0604020202020204"/>
               </a:rPr>
               <a:t>Solution</a:t>
             </a:r>
             <a:r>
               <a:rPr lang="en-US" sz="2000" dirty="0">
                 <a:latin typeface="Aptos" panose="020B0004020202020204" pitchFamily="34" charset="0"/>
-                <a:ea typeface="Arial"/>
-                <a:cs typeface="Arial"/>
-                <a:sym typeface="Arial"/>
+                <a:ea typeface="Arial" panose="020B0604020202020204"/>
+                <a:cs typeface="Arial" panose="020B0604020202020204"/>
+                <a:sym typeface="Arial" panose="020B0604020202020204"/>
               </a:rPr>
               <a:t>: Used JWT tokens to implement authentication.</a:t>
             </a:r>
+            <a:endParaRPr lang="en-US" sz="2000" dirty="0">
+              <a:latin typeface="Aptos" panose="020B0004020202020204" pitchFamily="34" charset="0"/>
+              <a:ea typeface="Arial" panose="020B0604020202020204"/>
+              <a:cs typeface="Arial" panose="020B0604020202020204"/>
+              <a:sym typeface="Arial" panose="020B0604020202020204"/>
+            </a:endParaRPr>
           </a:p>
           <a:p>
             <a:pPr marL="0" lvl="0" indent="0" algn="l" rtl="0">
@@ -9848,21 +9412,27 @@
             <a:r>
               <a:rPr lang="en-US" sz="2000" b="1" dirty="0">
                 <a:latin typeface="Aptos" panose="020B0004020202020204" pitchFamily="34" charset="0"/>
-                <a:ea typeface="Arial"/>
-                <a:cs typeface="Arial"/>
-                <a:sym typeface="Arial"/>
+                <a:ea typeface="Arial" panose="020B0604020202020204"/>
+                <a:cs typeface="Arial" panose="020B0604020202020204"/>
+                <a:sym typeface="Arial" panose="020B0604020202020204"/>
               </a:rPr>
               <a:t>City wise estimation</a:t>
             </a:r>
             <a:r>
               <a:rPr lang="en-US" sz="2000" dirty="0">
                 <a:latin typeface="Aptos" panose="020B0004020202020204" pitchFamily="34" charset="0"/>
-                <a:ea typeface="Arial"/>
-                <a:cs typeface="Arial"/>
-                <a:sym typeface="Arial"/>
+                <a:ea typeface="Arial" panose="020B0604020202020204"/>
+                <a:cs typeface="Arial" panose="020B0604020202020204"/>
+                <a:sym typeface="Arial" panose="020B0604020202020204"/>
               </a:rPr>
               <a:t>:</a:t>
             </a:r>
+            <a:endParaRPr lang="en-US" sz="2000" dirty="0">
+              <a:latin typeface="Aptos" panose="020B0004020202020204" pitchFamily="34" charset="0"/>
+              <a:ea typeface="Arial" panose="020B0604020202020204"/>
+              <a:cs typeface="Arial" panose="020B0604020202020204"/>
+              <a:sym typeface="Arial" panose="020B0604020202020204"/>
+            </a:endParaRPr>
           </a:p>
           <a:p>
             <a:pPr marL="457200" lvl="0" indent="-304800" algn="l" rtl="0">
@@ -9873,27 +9443,33 @@
                 <a:spcPts val="0"/>
               </a:spcAft>
               <a:buSzPts val="1200"/>
-              <a:buFont typeface="Arial"/>
+              <a:buFont typeface="Arial" panose="020B0604020202020204"/>
               <a:buChar char="●"/>
             </a:pPr>
             <a:r>
               <a:rPr lang="en-US" sz="2000" b="1" dirty="0">
                 <a:latin typeface="Aptos" panose="020B0004020202020204" pitchFamily="34" charset="0"/>
-                <a:ea typeface="Arial"/>
-                <a:cs typeface="Arial"/>
-                <a:sym typeface="Arial"/>
+                <a:ea typeface="Arial" panose="020B0604020202020204"/>
+                <a:cs typeface="Arial" panose="020B0604020202020204"/>
+                <a:sym typeface="Arial" panose="020B0604020202020204"/>
               </a:rPr>
               <a:t>Solution</a:t>
             </a:r>
             <a:r>
               <a:rPr lang="en-US" sz="2000" dirty="0">
                 <a:latin typeface="Aptos" panose="020B0004020202020204" pitchFamily="34" charset="0"/>
-                <a:ea typeface="Arial"/>
-                <a:cs typeface="Arial"/>
-                <a:sym typeface="Arial"/>
+                <a:ea typeface="Arial" panose="020B0604020202020204"/>
+                <a:cs typeface="Arial" panose="020B0604020202020204"/>
+                <a:sym typeface="Arial" panose="020B0604020202020204"/>
               </a:rPr>
               <a:t>: Filtered all the cities and assigned a type and calculated estimation.</a:t>
             </a:r>
+            <a:endParaRPr lang="en-US" sz="2000" dirty="0">
+              <a:latin typeface="Aptos" panose="020B0004020202020204" pitchFamily="34" charset="0"/>
+              <a:ea typeface="Arial" panose="020B0604020202020204"/>
+              <a:cs typeface="Arial" panose="020B0604020202020204"/>
+              <a:sym typeface="Arial" panose="020B0604020202020204"/>
+            </a:endParaRPr>
           </a:p>
           <a:p>
             <a:pPr marL="0" indent="0">
@@ -9904,11 +9480,6 @@
         </p:txBody>
       </p:sp>
     </p:spTree>
-    <p:extLst>
-      <p:ext uri="{BB962C8B-B14F-4D97-AF65-F5344CB8AC3E}">
-        <p14:creationId xmlns:p14="http://schemas.microsoft.com/office/powerpoint/2010/main" val="729098500"/>
-      </p:ext>
-    </p:extLst>
   </p:cSld>
   <p:clrMapOvr>
     <a:masterClrMapping/>
@@ -9925,23 +9496,10 @@
         <p:cNvGrpSpPr/>
         <p:nvPr/>
       </p:nvGrpSpPr>
-      <p:grpSpPr>
-        <a:xfrm>
-          <a:off x="0" y="0"/>
-          <a:ext cx="0" cy="0"/>
-          <a:chOff x="0" y="0"/>
-          <a:chExt cx="0" cy="0"/>
-        </a:xfrm>
-      </p:grpSpPr>
-      <p:sp>
-        <p:nvSpPr>
-          <p:cNvPr id="2" name="Title 1">
-            <a:extLst>
-              <a:ext uri="{FF2B5EF4-FFF2-40B4-BE49-F238E27FC236}">
-                <a16:creationId xmlns:a16="http://schemas.microsoft.com/office/drawing/2014/main" id="{3FDD1149-59A7-13C7-4609-761BABE9CBBD}"/>
-              </a:ext>
-            </a:extLst>
-          </p:cNvPr>
+      <p:grpSpPr/>
+      <p:sp>
+        <p:nvSpPr>
+          <p:cNvPr id="4" name="Title 3"/>
           <p:cNvSpPr>
             <a:spLocks noGrp="1"/>
           </p:cNvSpPr>
@@ -9952,150 +9510,43 @@
         <p:spPr/>
         <p:txBody>
           <a:bodyPr/>
-          <a:lstStyle/>
-          <a:p>
-            <a:r>
-              <a:rPr lang="en" sz="4400" b="1" dirty="0">
-                <a:latin typeface="Agency FB" panose="020B0503020202020204" pitchFamily="34" charset="0"/>
-                <a:ea typeface="Arial"/>
-                <a:cs typeface="Arial"/>
-                <a:sym typeface="Arial"/>
-              </a:rPr>
-              <a:t>Future Enhancements</a:t>
-            </a:r>
-            <a:endParaRPr lang="en-IN" dirty="0">
-              <a:latin typeface="Agency FB" panose="020B0503020202020204" pitchFamily="34" charset="0"/>
-            </a:endParaRPr>
-          </a:p>
-        </p:txBody>
-      </p:sp>
-      <p:sp>
-        <p:nvSpPr>
-          <p:cNvPr id="3" name="Content Placeholder 2">
-            <a:extLst>
-              <a:ext uri="{FF2B5EF4-FFF2-40B4-BE49-F238E27FC236}">
-                <a16:creationId xmlns:a16="http://schemas.microsoft.com/office/drawing/2014/main" id="{8769127A-3E97-9AEC-6DDD-4B63CD3D9D0C}"/>
-              </a:ext>
-            </a:extLst>
-          </p:cNvPr>
-          <p:cNvSpPr>
-            <a:spLocks noGrp="1"/>
-          </p:cNvSpPr>
+          <a:p>
+            <a:pPr algn="ctr"/>
+            <a:r>
+              <a:rPr lang="en-US" b="1"/>
+              <a:t>Github Contributions</a:t>
+            </a:r>
+            <a:endParaRPr lang="en-US" b="1"/>
+          </a:p>
+        </p:txBody>
+      </p:sp>
+      <p:pic>
+        <p:nvPicPr>
+          <p:cNvPr id="6" name="Content Placeholder 5" descr="Screenshot 2024-12-17 114239"/>
+          <p:cNvPicPr>
+            <a:picLocks noChangeAspect="1"/>
+          </p:cNvPicPr>
           <p:nvPr>
             <p:ph idx="1"/>
           </p:nvPr>
-        </p:nvSpPr>
-        <p:spPr/>
-        <p:txBody>
-          <a:bodyPr/>
-          <a:lstStyle/>
-          <a:p>
-            <a:pPr marL="457200" lvl="0" indent="-304800" algn="l" rtl="0">
-              <a:lnSpc>
-                <a:spcPct val="200000"/>
-              </a:lnSpc>
-              <a:spcBef>
-                <a:spcPts val="0"/>
-              </a:spcBef>
-              <a:spcAft>
-                <a:spcPts val="0"/>
-              </a:spcAft>
-              <a:buSzPts val="1200"/>
-              <a:buFont typeface="Arial"/>
-              <a:buChar char="●"/>
-            </a:pPr>
-            <a:r>
-              <a:rPr lang="en-US" sz="2000" dirty="0">
-                <a:latin typeface="Aptos" panose="020B0004020202020204" pitchFamily="34" charset="0"/>
-                <a:ea typeface="Arial"/>
-                <a:cs typeface="Arial"/>
-                <a:sym typeface="Arial"/>
-              </a:rPr>
-              <a:t>Payment gateway integration for secure transactions.</a:t>
-            </a:r>
-          </a:p>
-          <a:p>
-            <a:pPr marL="457200" lvl="0" indent="-304800" algn="l" rtl="0">
-              <a:lnSpc>
-                <a:spcPct val="200000"/>
-              </a:lnSpc>
-              <a:spcBef>
-                <a:spcPts val="0"/>
-              </a:spcBef>
-              <a:spcAft>
-                <a:spcPts val="0"/>
-              </a:spcAft>
-              <a:buSzPts val="1200"/>
-              <a:buFont typeface="Arial"/>
-              <a:buChar char="●"/>
-            </a:pPr>
-            <a:r>
-              <a:rPr lang="en-US" sz="2000" dirty="0">
-                <a:latin typeface="Aptos" panose="020B0004020202020204" pitchFamily="34" charset="0"/>
-                <a:ea typeface="Arial"/>
-                <a:cs typeface="Arial"/>
-                <a:sym typeface="Arial"/>
-              </a:rPr>
-              <a:t>Real-time chat between users and constructors.</a:t>
-            </a:r>
-          </a:p>
-          <a:p>
-            <a:pPr marL="457200" lvl="0" indent="-304800" algn="l" rtl="0">
-              <a:lnSpc>
-                <a:spcPct val="200000"/>
-              </a:lnSpc>
-              <a:spcBef>
-                <a:spcPts val="0"/>
-              </a:spcBef>
-              <a:spcAft>
-                <a:spcPts val="0"/>
-              </a:spcAft>
-              <a:buSzPts val="1200"/>
-              <a:buFont typeface="Arial"/>
-              <a:buChar char="●"/>
-            </a:pPr>
-            <a:r>
-              <a:rPr lang="en-US" sz="2000" dirty="0">
-                <a:latin typeface="Aptos" panose="020B0004020202020204" pitchFamily="34" charset="0"/>
-                <a:ea typeface="Arial"/>
-                <a:cs typeface="Arial"/>
-                <a:sym typeface="Arial"/>
-              </a:rPr>
-              <a:t>Track constructors estimation history and recommend areas.</a:t>
-            </a:r>
-          </a:p>
-          <a:p>
-            <a:pPr marL="152400" lvl="0" indent="0" algn="l" rtl="0">
-              <a:lnSpc>
-                <a:spcPct val="200000"/>
-              </a:lnSpc>
-              <a:spcBef>
-                <a:spcPts val="0"/>
-              </a:spcBef>
-              <a:spcAft>
-                <a:spcPts val="0"/>
-              </a:spcAft>
-              <a:buSzPts val="1200"/>
-              <a:buNone/>
-            </a:pPr>
-            <a:endParaRPr lang="en-US" sz="2000" dirty="0">
-              <a:latin typeface="Aptos" panose="020B0004020202020204" pitchFamily="34" charset="0"/>
-              <a:ea typeface="Arial"/>
-              <a:cs typeface="Arial"/>
-              <a:sym typeface="Arial"/>
-            </a:endParaRPr>
-          </a:p>
-          <a:p>
-            <a:endParaRPr lang="en-IN" dirty="0"/>
-          </a:p>
-        </p:txBody>
-      </p:sp>
+        </p:nvPicPr>
+        <p:blipFill>
+          <a:blip r:embed="rId1"/>
+          <a:stretch>
+            <a:fillRect/>
+          </a:stretch>
+        </p:blipFill>
+        <p:spPr>
+          <a:xfrm>
+            <a:off x="2512060" y="1218565"/>
+            <a:ext cx="7168515" cy="5515610"/>
+          </a:xfrm>
+          <a:prstGeom prst="rect">
+            <a:avLst/>
+          </a:prstGeom>
+        </p:spPr>
+      </p:pic>
     </p:spTree>
-    <p:extLst>
-      <p:ext uri="{BB962C8B-B14F-4D97-AF65-F5344CB8AC3E}">
-        <p14:creationId xmlns:p14="http://schemas.microsoft.com/office/powerpoint/2010/main" val="2909288334"/>
-      </p:ext>
-    </p:extLst>
   </p:cSld>
   <p:clrMapOvr>
     <a:masterClrMapping/>
@@ -10146,7 +9597,7 @@
     </a:clrScheme>
     <a:fontScheme name="Office">
       <a:majorFont>
-        <a:latin typeface="Calibri Light" panose="020F0302020204030204"/>
+        <a:latin typeface="Calibri Light"/>
         <a:ea typeface=""/>
         <a:cs typeface=""/>
         <a:font script="Jpan" typeface="游ゴシック Light"/>
@@ -10179,26 +9630,9 @@
         <a:font script="Viet" typeface="Times New Roman"/>
         <a:font script="Uigh" typeface="Microsoft Uighur"/>
         <a:font script="Geor" typeface="Sylfaen"/>
-        <a:font script="Armn" typeface="Arial"/>
-        <a:font script="Bugi" typeface="Leelawadee UI"/>
-        <a:font script="Bopo" typeface="Microsoft JhengHei"/>
-        <a:font script="Java" typeface="Javanese Text"/>
-        <a:font script="Lisu" typeface="Segoe UI"/>
-        <a:font script="Mymr" typeface="Myanmar Text"/>
-        <a:font script="Nkoo" typeface="Ebrima"/>
-        <a:font script="Olck" typeface="Nirmala UI"/>
-        <a:font script="Osma" typeface="Ebrima"/>
-        <a:font script="Phag" typeface="Phagspa"/>
-        <a:font script="Syrn" typeface="Estrangelo Edessa"/>
-        <a:font script="Syrj" typeface="Estrangelo Edessa"/>
-        <a:font script="Syre" typeface="Estrangelo Edessa"/>
-        <a:font script="Sora" typeface="Nirmala UI"/>
-        <a:font script="Tale" typeface="Microsoft Tai Le"/>
-        <a:font script="Talu" typeface="Microsoft New Tai Lue"/>
-        <a:font script="Tfng" typeface="Ebrima"/>
       </a:majorFont>
       <a:minorFont>
-        <a:latin typeface="Calibri" panose="020F0502020204030204"/>
+        <a:latin typeface="Calibri"/>
         <a:ea typeface=""/>
         <a:cs typeface=""/>
         <a:font script="Jpan" typeface="游ゴシック"/>
@@ -10231,23 +9665,6 @@
         <a:font script="Viet" typeface="Arial"/>
         <a:font script="Uigh" typeface="Microsoft Uighur"/>
         <a:font script="Geor" typeface="Sylfaen"/>
-        <a:font script="Armn" typeface="Arial"/>
-        <a:font script="Bugi" typeface="Leelawadee UI"/>
-        <a:font script="Bopo" typeface="Microsoft JhengHei"/>
-        <a:font script="Java" typeface="Javanese Text"/>
-        <a:font script="Lisu" typeface="Segoe UI"/>
-        <a:font script="Mymr" typeface="Myanmar Text"/>
-        <a:font script="Nkoo" typeface="Ebrima"/>
-        <a:font script="Olck" typeface="Nirmala UI"/>
-        <a:font script="Osma" typeface="Ebrima"/>
-        <a:font script="Phag" typeface="Phagspa"/>
-        <a:font script="Syrn" typeface="Estrangelo Edessa"/>
-        <a:font script="Syrj" typeface="Estrangelo Edessa"/>
-        <a:font script="Syre" typeface="Estrangelo Edessa"/>
-        <a:font script="Sora" typeface="Nirmala UI"/>
-        <a:font script="Tale" typeface="Microsoft Tai Le"/>
-        <a:font script="Talu" typeface="Microsoft New Tai Lue"/>
-        <a:font script="Tfng" typeface="Ebrima"/>
       </a:minorFont>
     </a:fontScheme>
     <a:fmtScheme name="Office">
@@ -10388,8 +9805,6 @@
       </a:bgFillStyleLst>
     </a:fmtScheme>
   </a:themeElements>
-  <a:objectDefaults/>
-  <a:extraClrSchemeLst/>
   <a:extLst>
     <a:ext uri="{05A4C25C-085E-4340-85A3-A5531E510DB2}">
       <thm15:themeFamily xmlns:thm15="http://schemas.microsoft.com/office/thememl/2012/main" name="Office Theme" id="{62F939B6-93AF-4DB8-9C6B-D6C7DFDC589F}" vid="{4A3C46E8-61CC-4603-A589-7422A47A8E4A}"/>
